--- a/django/Django-review-1.pptx
+++ b/django/Django-review-1.pptx
@@ -4,58 +4,59 @@
   <p:sldMasterIdLst>
     <p:sldMasterId id="2147483648" r:id="rId2"/>
     <p:sldMasterId id="2147483661" r:id="rId3"/>
+    <p:sldMasterId id="2147483674" r:id="rId4"/>
   </p:sldMasterIdLst>
   <p:notesMasterIdLst>
-    <p:notesMasterId r:id="rId4"/>
+    <p:notesMasterId r:id="rId5"/>
   </p:notesMasterIdLst>
   <p:sldIdLst>
-    <p:sldId id="256" r:id="rId5"/>
-    <p:sldId id="257" r:id="rId6"/>
-    <p:sldId id="258" r:id="rId7"/>
-    <p:sldId id="259" r:id="rId8"/>
-    <p:sldId id="260" r:id="rId9"/>
-    <p:sldId id="261" r:id="rId10"/>
-    <p:sldId id="262" r:id="rId11"/>
-    <p:sldId id="263" r:id="rId12"/>
-    <p:sldId id="264" r:id="rId13"/>
-    <p:sldId id="265" r:id="rId14"/>
-    <p:sldId id="266" r:id="rId15"/>
-    <p:sldId id="267" r:id="rId16"/>
-    <p:sldId id="268" r:id="rId17"/>
-    <p:sldId id="269" r:id="rId18"/>
-    <p:sldId id="270" r:id="rId19"/>
-    <p:sldId id="271" r:id="rId20"/>
-    <p:sldId id="272" r:id="rId21"/>
-    <p:sldId id="273" r:id="rId22"/>
-    <p:sldId id="274" r:id="rId23"/>
-    <p:sldId id="275" r:id="rId24"/>
-    <p:sldId id="276" r:id="rId25"/>
-    <p:sldId id="277" r:id="rId26"/>
-    <p:sldId id="278" r:id="rId27"/>
-    <p:sldId id="279" r:id="rId28"/>
-    <p:sldId id="280" r:id="rId29"/>
-    <p:sldId id="281" r:id="rId30"/>
-    <p:sldId id="282" r:id="rId31"/>
-    <p:sldId id="283" r:id="rId32"/>
-    <p:sldId id="284" r:id="rId33"/>
-    <p:sldId id="285" r:id="rId34"/>
-    <p:sldId id="286" r:id="rId35"/>
-    <p:sldId id="287" r:id="rId36"/>
-    <p:sldId id="288" r:id="rId37"/>
-    <p:sldId id="289" r:id="rId38"/>
-    <p:sldId id="290" r:id="rId39"/>
-    <p:sldId id="291" r:id="rId40"/>
-    <p:sldId id="292" r:id="rId41"/>
-    <p:sldId id="293" r:id="rId42"/>
-    <p:sldId id="294" r:id="rId43"/>
-    <p:sldId id="295" r:id="rId44"/>
-    <p:sldId id="296" r:id="rId45"/>
-    <p:sldId id="297" r:id="rId46"/>
-    <p:sldId id="298" r:id="rId47"/>
-    <p:sldId id="299" r:id="rId48"/>
-    <p:sldId id="300" r:id="rId49"/>
-    <p:sldId id="301" r:id="rId50"/>
-    <p:sldId id="302" r:id="rId51"/>
+    <p:sldId id="256" r:id="rId6"/>
+    <p:sldId id="257" r:id="rId7"/>
+    <p:sldId id="258" r:id="rId8"/>
+    <p:sldId id="259" r:id="rId9"/>
+    <p:sldId id="260" r:id="rId10"/>
+    <p:sldId id="261" r:id="rId11"/>
+    <p:sldId id="262" r:id="rId12"/>
+    <p:sldId id="263" r:id="rId13"/>
+    <p:sldId id="264" r:id="rId14"/>
+    <p:sldId id="265" r:id="rId15"/>
+    <p:sldId id="266" r:id="rId16"/>
+    <p:sldId id="267" r:id="rId17"/>
+    <p:sldId id="268" r:id="rId18"/>
+    <p:sldId id="269" r:id="rId19"/>
+    <p:sldId id="270" r:id="rId20"/>
+    <p:sldId id="271" r:id="rId21"/>
+    <p:sldId id="272" r:id="rId22"/>
+    <p:sldId id="273" r:id="rId23"/>
+    <p:sldId id="274" r:id="rId24"/>
+    <p:sldId id="275" r:id="rId25"/>
+    <p:sldId id="276" r:id="rId26"/>
+    <p:sldId id="277" r:id="rId27"/>
+    <p:sldId id="278" r:id="rId28"/>
+    <p:sldId id="279" r:id="rId29"/>
+    <p:sldId id="280" r:id="rId30"/>
+    <p:sldId id="281" r:id="rId31"/>
+    <p:sldId id="282" r:id="rId32"/>
+    <p:sldId id="283" r:id="rId33"/>
+    <p:sldId id="284" r:id="rId34"/>
+    <p:sldId id="285" r:id="rId35"/>
+    <p:sldId id="286" r:id="rId36"/>
+    <p:sldId id="287" r:id="rId37"/>
+    <p:sldId id="288" r:id="rId38"/>
+    <p:sldId id="289" r:id="rId39"/>
+    <p:sldId id="290" r:id="rId40"/>
+    <p:sldId id="291" r:id="rId41"/>
+    <p:sldId id="292" r:id="rId42"/>
+    <p:sldId id="293" r:id="rId43"/>
+    <p:sldId id="294" r:id="rId44"/>
+    <p:sldId id="295" r:id="rId45"/>
+    <p:sldId id="296" r:id="rId46"/>
+    <p:sldId id="297" r:id="rId47"/>
+    <p:sldId id="298" r:id="rId48"/>
+    <p:sldId id="299" r:id="rId49"/>
+    <p:sldId id="300" r:id="rId50"/>
+    <p:sldId id="301" r:id="rId51"/>
+    <p:sldId id="302" r:id="rId52"/>
   </p:sldIdLst>
   <p:sldSz cx="9144000" cy="6858000"/>
   <p:notesSz cx="6858000" cy="9144000"/>
@@ -81,7 +82,7 @@
       </p:grpSpPr>
       <p:sp>
         <p:nvSpPr>
-          <p:cNvPr id="89" name="PlaceHolder 1"/>
+          <p:cNvPr id="130" name="PlaceHolder 1"/>
           <p:cNvSpPr>
             <a:spLocks noGrp="1"/>
           </p:cNvSpPr>
@@ -108,13 +109,7 @@
               <a:rPr b="0" lang="en-US" sz="4400" spc="-1" strike="noStrike">
                 <a:latin typeface="Arial"/>
               </a:rPr>
-              <a:t>Click to move the </a:t>
-            </a:r>
-            <a:r>
-              <a:rPr b="0" lang="en-US" sz="4400" spc="-1" strike="noStrike">
-                <a:latin typeface="Arial"/>
-              </a:rPr>
-              <a:t>slide</a:t>
+              <a:t>Click to move the slide</a:t>
             </a:r>
             <a:endParaRPr b="0" lang="en-US" sz="4400" spc="-1" strike="noStrike">
               <a:latin typeface="Arial"/>
@@ -124,7 +119,7 @@
       </p:sp>
       <p:sp>
         <p:nvSpPr>
-          <p:cNvPr id="90" name="PlaceHolder 2"/>
+          <p:cNvPr id="131" name="PlaceHolder 2"/>
           <p:cNvSpPr>
             <a:spLocks noGrp="1"/>
           </p:cNvSpPr>
@@ -160,7 +155,7 @@
       </p:sp>
       <p:sp>
         <p:nvSpPr>
-          <p:cNvPr id="91" name="PlaceHolder 3"/>
+          <p:cNvPr id="132" name="PlaceHolder 3"/>
           <p:cNvSpPr>
             <a:spLocks noGrp="1"/>
           </p:cNvSpPr>
@@ -196,7 +191,7 @@
       </p:sp>
       <p:sp>
         <p:nvSpPr>
-          <p:cNvPr id="92" name="PlaceHolder 4"/>
+          <p:cNvPr id="133" name="PlaceHolder 4"/>
           <p:cNvSpPr>
             <a:spLocks noGrp="1"/>
           </p:cNvSpPr>
@@ -233,7 +228,7 @@
       </p:sp>
       <p:sp>
         <p:nvSpPr>
-          <p:cNvPr id="93" name="PlaceHolder 5"/>
+          <p:cNvPr id="134" name="PlaceHolder 5"/>
           <p:cNvSpPr>
             <a:spLocks noGrp="1"/>
           </p:cNvSpPr>
@@ -269,7 +264,7 @@
       </p:sp>
       <p:sp>
         <p:nvSpPr>
-          <p:cNvPr id="94" name="PlaceHolder 6"/>
+          <p:cNvPr id="135" name="PlaceHolder 6"/>
           <p:cNvSpPr>
             <a:spLocks noGrp="1"/>
           </p:cNvSpPr>
@@ -292,7 +287,7 @@
           </a:bodyPr>
           <a:p>
             <a:pPr algn="r"/>
-            <a:fld id="{B58BAB5D-1CED-46A3-8F1D-41D47194A251}" type="slidenum">
+            <a:fld id="{7357F356-9A54-42FF-AC02-3A52ABBCB614}" type="slidenum">
               <a:rPr b="0" lang="en-US" sz="1400" spc="-1" strike="noStrike">
                 <a:latin typeface="Times New Roman"/>
               </a:rPr>
@@ -329,7 +324,7 @@
       </p:grpSpPr>
       <p:sp>
         <p:nvSpPr>
-          <p:cNvPr id="253" name="PlaceHolder 1"/>
+          <p:cNvPr id="294" name="PlaceHolder 1"/>
           <p:cNvSpPr>
             <a:spLocks noGrp="1"/>
           </p:cNvSpPr>
@@ -340,7 +335,7 @@
         <p:spPr>
           <a:xfrm>
             <a:off x="2143080" y="695160"/>
-            <a:ext cx="2571120" cy="3428280"/>
+            <a:ext cx="2570760" cy="3427920"/>
           </a:xfrm>
           <a:prstGeom prst="rect">
             <a:avLst/>
@@ -349,14 +344,14 @@
       </p:sp>
       <p:sp>
         <p:nvSpPr>
-          <p:cNvPr id="254" name="CustomShape 2"/>
+          <p:cNvPr id="295" name="CustomShape 2"/>
           <p:cNvSpPr/>
           <p:nvPr/>
         </p:nvSpPr>
         <p:spPr>
           <a:xfrm>
             <a:off x="685800" y="4343400"/>
-            <a:ext cx="5485680" cy="4114080"/>
+            <a:ext cx="5485320" cy="4113720"/>
           </a:xfrm>
           <a:custGeom>
             <a:avLst/>
@@ -420,7 +415,7 @@
       </p:grpSpPr>
       <p:sp>
         <p:nvSpPr>
-          <p:cNvPr id="269" name="PlaceHolder 1"/>
+          <p:cNvPr id="310" name="PlaceHolder 1"/>
           <p:cNvSpPr>
             <a:spLocks noGrp="1"/>
           </p:cNvSpPr>
@@ -431,7 +426,7 @@
         <p:spPr>
           <a:xfrm>
             <a:off x="-11798280" y="-11796840"/>
-            <a:ext cx="11769120" cy="12462840"/>
+            <a:ext cx="11768760" cy="12462480"/>
           </a:xfrm>
           <a:prstGeom prst="rect">
             <a:avLst/>
@@ -440,14 +435,14 @@
       </p:sp>
       <p:sp>
         <p:nvSpPr>
-          <p:cNvPr id="270" name="CustomShape 2"/>
+          <p:cNvPr id="311" name="CustomShape 2"/>
           <p:cNvSpPr/>
           <p:nvPr/>
         </p:nvSpPr>
         <p:spPr>
           <a:xfrm>
             <a:off x="685800" y="4343400"/>
-            <a:ext cx="5455440" cy="4083840"/>
+            <a:ext cx="5455080" cy="4083480"/>
           </a:xfrm>
           <a:custGeom>
             <a:avLst/>
@@ -511,7 +506,7 @@
       </p:grpSpPr>
       <p:sp>
         <p:nvSpPr>
-          <p:cNvPr id="271" name="PlaceHolder 1"/>
+          <p:cNvPr id="312" name="PlaceHolder 1"/>
           <p:cNvSpPr>
             <a:spLocks noGrp="1"/>
           </p:cNvSpPr>
@@ -522,7 +517,7 @@
         <p:spPr>
           <a:xfrm>
             <a:off x="-11798280" y="-11796840"/>
-            <a:ext cx="11769120" cy="12462840"/>
+            <a:ext cx="11768760" cy="12462480"/>
           </a:xfrm>
           <a:prstGeom prst="rect">
             <a:avLst/>
@@ -531,14 +526,14 @@
       </p:sp>
       <p:sp>
         <p:nvSpPr>
-          <p:cNvPr id="272" name="CustomShape 2"/>
+          <p:cNvPr id="313" name="CustomShape 2"/>
           <p:cNvSpPr/>
           <p:nvPr/>
         </p:nvSpPr>
         <p:spPr>
           <a:xfrm>
             <a:off x="685800" y="4343400"/>
-            <a:ext cx="5455440" cy="4083840"/>
+            <a:ext cx="5455080" cy="4083480"/>
           </a:xfrm>
           <a:custGeom>
             <a:avLst/>
@@ -602,7 +597,7 @@
       </p:grpSpPr>
       <p:sp>
         <p:nvSpPr>
-          <p:cNvPr id="273" name="PlaceHolder 1"/>
+          <p:cNvPr id="314" name="PlaceHolder 1"/>
           <p:cNvSpPr>
             <a:spLocks noGrp="1"/>
           </p:cNvSpPr>
@@ -613,7 +608,7 @@
         <p:spPr>
           <a:xfrm>
             <a:off x="-11798280" y="-11796840"/>
-            <a:ext cx="11769120" cy="12462840"/>
+            <a:ext cx="11768760" cy="12462480"/>
           </a:xfrm>
           <a:prstGeom prst="rect">
             <a:avLst/>
@@ -622,14 +617,14 @@
       </p:sp>
       <p:sp>
         <p:nvSpPr>
-          <p:cNvPr id="274" name="CustomShape 2"/>
+          <p:cNvPr id="315" name="CustomShape 2"/>
           <p:cNvSpPr/>
           <p:nvPr/>
         </p:nvSpPr>
         <p:spPr>
           <a:xfrm>
             <a:off x="685800" y="4343400"/>
-            <a:ext cx="5455440" cy="4083840"/>
+            <a:ext cx="5455080" cy="4083480"/>
           </a:xfrm>
           <a:custGeom>
             <a:avLst/>
@@ -693,7 +688,7 @@
       </p:grpSpPr>
       <p:sp>
         <p:nvSpPr>
-          <p:cNvPr id="275" name="PlaceHolder 1"/>
+          <p:cNvPr id="316" name="PlaceHolder 1"/>
           <p:cNvSpPr>
             <a:spLocks noGrp="1"/>
           </p:cNvSpPr>
@@ -704,7 +699,7 @@
         <p:spPr>
           <a:xfrm>
             <a:off x="-11798280" y="-11796840"/>
-            <a:ext cx="11769120" cy="12462840"/>
+            <a:ext cx="11768760" cy="12462480"/>
           </a:xfrm>
           <a:prstGeom prst="rect">
             <a:avLst/>
@@ -713,14 +708,14 @@
       </p:sp>
       <p:sp>
         <p:nvSpPr>
-          <p:cNvPr id="276" name="CustomShape 2"/>
+          <p:cNvPr id="317" name="CustomShape 2"/>
           <p:cNvSpPr/>
           <p:nvPr/>
         </p:nvSpPr>
         <p:spPr>
           <a:xfrm>
             <a:off x="685800" y="4343400"/>
-            <a:ext cx="5455440" cy="4083840"/>
+            <a:ext cx="5455080" cy="4083480"/>
           </a:xfrm>
           <a:custGeom>
             <a:avLst/>
@@ -784,7 +779,7 @@
       </p:grpSpPr>
       <p:sp>
         <p:nvSpPr>
-          <p:cNvPr id="277" name="PlaceHolder 1"/>
+          <p:cNvPr id="318" name="PlaceHolder 1"/>
           <p:cNvSpPr>
             <a:spLocks noGrp="1"/>
           </p:cNvSpPr>
@@ -795,7 +790,7 @@
         <p:spPr>
           <a:xfrm>
             <a:off x="-11798280" y="-11796840"/>
-            <a:ext cx="11769120" cy="12462840"/>
+            <a:ext cx="11768760" cy="12462480"/>
           </a:xfrm>
           <a:prstGeom prst="rect">
             <a:avLst/>
@@ -804,14 +799,14 @@
       </p:sp>
       <p:sp>
         <p:nvSpPr>
-          <p:cNvPr id="278" name="CustomShape 2"/>
+          <p:cNvPr id="319" name="CustomShape 2"/>
           <p:cNvSpPr/>
           <p:nvPr/>
         </p:nvSpPr>
         <p:spPr>
           <a:xfrm>
             <a:off x="685800" y="4343400"/>
-            <a:ext cx="5455440" cy="4083840"/>
+            <a:ext cx="5455080" cy="4083480"/>
           </a:xfrm>
           <a:custGeom>
             <a:avLst/>
@@ -875,7 +870,7 @@
       </p:grpSpPr>
       <p:sp>
         <p:nvSpPr>
-          <p:cNvPr id="279" name="PlaceHolder 1"/>
+          <p:cNvPr id="320" name="PlaceHolder 1"/>
           <p:cNvSpPr>
             <a:spLocks noGrp="1"/>
           </p:cNvSpPr>
@@ -886,7 +881,7 @@
         <p:spPr>
           <a:xfrm>
             <a:off x="-11798280" y="-11796840"/>
-            <a:ext cx="11769120" cy="12462840"/>
+            <a:ext cx="11768760" cy="12462480"/>
           </a:xfrm>
           <a:prstGeom prst="rect">
             <a:avLst/>
@@ -895,14 +890,14 @@
       </p:sp>
       <p:sp>
         <p:nvSpPr>
-          <p:cNvPr id="280" name="CustomShape 2"/>
+          <p:cNvPr id="321" name="CustomShape 2"/>
           <p:cNvSpPr/>
           <p:nvPr/>
         </p:nvSpPr>
         <p:spPr>
           <a:xfrm>
             <a:off x="685800" y="4343400"/>
-            <a:ext cx="5455440" cy="4083840"/>
+            <a:ext cx="5455080" cy="4083480"/>
           </a:xfrm>
           <a:custGeom>
             <a:avLst/>
@@ -966,7 +961,7 @@
       </p:grpSpPr>
       <p:sp>
         <p:nvSpPr>
-          <p:cNvPr id="281" name="PlaceHolder 1"/>
+          <p:cNvPr id="322" name="PlaceHolder 1"/>
           <p:cNvSpPr>
             <a:spLocks noGrp="1"/>
           </p:cNvSpPr>
@@ -977,7 +972,7 @@
         <p:spPr>
           <a:xfrm>
             <a:off x="-11798280" y="-11796840"/>
-            <a:ext cx="11769120" cy="12462840"/>
+            <a:ext cx="11768760" cy="12462480"/>
           </a:xfrm>
           <a:prstGeom prst="rect">
             <a:avLst/>
@@ -986,14 +981,14 @@
       </p:sp>
       <p:sp>
         <p:nvSpPr>
-          <p:cNvPr id="282" name="CustomShape 2"/>
+          <p:cNvPr id="323" name="CustomShape 2"/>
           <p:cNvSpPr/>
           <p:nvPr/>
         </p:nvSpPr>
         <p:spPr>
           <a:xfrm>
             <a:off x="685800" y="4343400"/>
-            <a:ext cx="5455440" cy="4083840"/>
+            <a:ext cx="5455080" cy="4083480"/>
           </a:xfrm>
           <a:custGeom>
             <a:avLst/>
@@ -1057,7 +1052,7 @@
       </p:grpSpPr>
       <p:sp>
         <p:nvSpPr>
-          <p:cNvPr id="283" name="PlaceHolder 1"/>
+          <p:cNvPr id="324" name="PlaceHolder 1"/>
           <p:cNvSpPr>
             <a:spLocks noGrp="1"/>
           </p:cNvSpPr>
@@ -1068,7 +1063,7 @@
         <p:spPr>
           <a:xfrm>
             <a:off x="-11798280" y="-11796840"/>
-            <a:ext cx="11769120" cy="12462840"/>
+            <a:ext cx="11768760" cy="12462480"/>
           </a:xfrm>
           <a:prstGeom prst="rect">
             <a:avLst/>
@@ -1077,14 +1072,14 @@
       </p:sp>
       <p:sp>
         <p:nvSpPr>
-          <p:cNvPr id="284" name="CustomShape 2"/>
+          <p:cNvPr id="325" name="CustomShape 2"/>
           <p:cNvSpPr/>
           <p:nvPr/>
         </p:nvSpPr>
         <p:spPr>
           <a:xfrm>
             <a:off x="685800" y="4343400"/>
-            <a:ext cx="5455440" cy="4083840"/>
+            <a:ext cx="5455080" cy="4083480"/>
           </a:xfrm>
           <a:custGeom>
             <a:avLst/>
@@ -1148,7 +1143,7 @@
       </p:grpSpPr>
       <p:sp>
         <p:nvSpPr>
-          <p:cNvPr id="285" name="PlaceHolder 1"/>
+          <p:cNvPr id="326" name="PlaceHolder 1"/>
           <p:cNvSpPr>
             <a:spLocks noGrp="1"/>
           </p:cNvSpPr>
@@ -1159,7 +1154,7 @@
         <p:spPr>
           <a:xfrm>
             <a:off x="-11798280" y="-11796840"/>
-            <a:ext cx="11769120" cy="12462840"/>
+            <a:ext cx="11768760" cy="12462480"/>
           </a:xfrm>
           <a:prstGeom prst="rect">
             <a:avLst/>
@@ -1168,14 +1163,14 @@
       </p:sp>
       <p:sp>
         <p:nvSpPr>
-          <p:cNvPr id="286" name="CustomShape 2"/>
+          <p:cNvPr id="327" name="CustomShape 2"/>
           <p:cNvSpPr/>
           <p:nvPr/>
         </p:nvSpPr>
         <p:spPr>
           <a:xfrm>
             <a:off x="685800" y="4343400"/>
-            <a:ext cx="5455440" cy="4083840"/>
+            <a:ext cx="5455080" cy="4083480"/>
           </a:xfrm>
           <a:custGeom>
             <a:avLst/>
@@ -1239,7 +1234,7 @@
       </p:grpSpPr>
       <p:sp>
         <p:nvSpPr>
-          <p:cNvPr id="287" name="PlaceHolder 1"/>
+          <p:cNvPr id="328" name="PlaceHolder 1"/>
           <p:cNvSpPr>
             <a:spLocks noGrp="1"/>
           </p:cNvSpPr>
@@ -1250,7 +1245,7 @@
         <p:spPr>
           <a:xfrm>
             <a:off x="-11798280" y="-11796840"/>
-            <a:ext cx="11769120" cy="12462840"/>
+            <a:ext cx="11768760" cy="12462480"/>
           </a:xfrm>
           <a:prstGeom prst="rect">
             <a:avLst/>
@@ -1259,14 +1254,14 @@
       </p:sp>
       <p:sp>
         <p:nvSpPr>
-          <p:cNvPr id="288" name="CustomShape 2"/>
+          <p:cNvPr id="329" name="CustomShape 2"/>
           <p:cNvSpPr/>
           <p:nvPr/>
         </p:nvSpPr>
         <p:spPr>
           <a:xfrm>
             <a:off x="685800" y="4343400"/>
-            <a:ext cx="5455440" cy="4083840"/>
+            <a:ext cx="5455080" cy="4083480"/>
           </a:xfrm>
           <a:custGeom>
             <a:avLst/>
@@ -1330,7 +1325,7 @@
       </p:grpSpPr>
       <p:sp>
         <p:nvSpPr>
-          <p:cNvPr id="255" name="PlaceHolder 1"/>
+          <p:cNvPr id="296" name="PlaceHolder 1"/>
           <p:cNvSpPr>
             <a:spLocks noGrp="1"/>
           </p:cNvSpPr>
@@ -1341,7 +1336,7 @@
         <p:spPr>
           <a:xfrm>
             <a:off x="-11798280" y="-11796840"/>
-            <a:ext cx="11769120" cy="12462840"/>
+            <a:ext cx="11768760" cy="12462480"/>
           </a:xfrm>
           <a:prstGeom prst="rect">
             <a:avLst/>
@@ -1350,14 +1345,14 @@
       </p:sp>
       <p:sp>
         <p:nvSpPr>
-          <p:cNvPr id="256" name="CustomShape 2"/>
+          <p:cNvPr id="297" name="CustomShape 2"/>
           <p:cNvSpPr/>
           <p:nvPr/>
         </p:nvSpPr>
         <p:spPr>
           <a:xfrm>
             <a:off x="685800" y="4343400"/>
-            <a:ext cx="5455440" cy="4083840"/>
+            <a:ext cx="5455080" cy="4083480"/>
           </a:xfrm>
           <a:custGeom>
             <a:avLst/>
@@ -1421,7 +1416,7 @@
       </p:grpSpPr>
       <p:sp>
         <p:nvSpPr>
-          <p:cNvPr id="289" name="PlaceHolder 1"/>
+          <p:cNvPr id="330" name="PlaceHolder 1"/>
           <p:cNvSpPr>
             <a:spLocks noGrp="1"/>
           </p:cNvSpPr>
@@ -1432,7 +1427,7 @@
         <p:spPr>
           <a:xfrm>
             <a:off x="-11798280" y="-11796840"/>
-            <a:ext cx="11757960" cy="12451680"/>
+            <a:ext cx="11757600" cy="12451320"/>
           </a:xfrm>
           <a:prstGeom prst="rect">
             <a:avLst/>
@@ -1441,14 +1436,14 @@
       </p:sp>
       <p:sp>
         <p:nvSpPr>
-          <p:cNvPr id="290" name="CustomShape 2"/>
+          <p:cNvPr id="331" name="CustomShape 2"/>
           <p:cNvSpPr/>
           <p:nvPr/>
         </p:nvSpPr>
         <p:spPr>
           <a:xfrm>
             <a:off x="685800" y="4343400"/>
-            <a:ext cx="5444280" cy="4072680"/>
+            <a:ext cx="5443920" cy="4072320"/>
           </a:xfrm>
           <a:custGeom>
             <a:avLst/>
@@ -1512,7 +1507,7 @@
       </p:grpSpPr>
       <p:sp>
         <p:nvSpPr>
-          <p:cNvPr id="291" name="PlaceHolder 1"/>
+          <p:cNvPr id="332" name="PlaceHolder 1"/>
           <p:cNvSpPr>
             <a:spLocks noGrp="1"/>
           </p:cNvSpPr>
@@ -1523,7 +1518,7 @@
         <p:spPr>
           <a:xfrm>
             <a:off x="-11798280" y="-11796840"/>
-            <a:ext cx="11769120" cy="12462840"/>
+            <a:ext cx="11768760" cy="12462480"/>
           </a:xfrm>
           <a:prstGeom prst="rect">
             <a:avLst/>
@@ -1532,14 +1527,14 @@
       </p:sp>
       <p:sp>
         <p:nvSpPr>
-          <p:cNvPr id="292" name="CustomShape 2"/>
+          <p:cNvPr id="333" name="CustomShape 2"/>
           <p:cNvSpPr/>
           <p:nvPr/>
         </p:nvSpPr>
         <p:spPr>
           <a:xfrm>
             <a:off x="685800" y="4343400"/>
-            <a:ext cx="5455440" cy="4083840"/>
+            <a:ext cx="5455080" cy="4083480"/>
           </a:xfrm>
           <a:custGeom>
             <a:avLst/>
@@ -1603,7 +1598,7 @@
       </p:grpSpPr>
       <p:sp>
         <p:nvSpPr>
-          <p:cNvPr id="293" name="PlaceHolder 1"/>
+          <p:cNvPr id="334" name="PlaceHolder 1"/>
           <p:cNvSpPr>
             <a:spLocks noGrp="1"/>
           </p:cNvSpPr>
@@ -1614,7 +1609,7 @@
         <p:spPr>
           <a:xfrm>
             <a:off x="-11798280" y="-11796840"/>
-            <a:ext cx="11757960" cy="12451680"/>
+            <a:ext cx="11757600" cy="12451320"/>
           </a:xfrm>
           <a:prstGeom prst="rect">
             <a:avLst/>
@@ -1623,14 +1618,14 @@
       </p:sp>
       <p:sp>
         <p:nvSpPr>
-          <p:cNvPr id="294" name="CustomShape 2"/>
+          <p:cNvPr id="335" name="CustomShape 2"/>
           <p:cNvSpPr/>
           <p:nvPr/>
         </p:nvSpPr>
         <p:spPr>
           <a:xfrm>
             <a:off x="685800" y="4343400"/>
-            <a:ext cx="5444280" cy="4072680"/>
+            <a:ext cx="5443920" cy="4072320"/>
           </a:xfrm>
           <a:custGeom>
             <a:avLst/>
@@ -1694,7 +1689,7 @@
       </p:grpSpPr>
       <p:sp>
         <p:nvSpPr>
-          <p:cNvPr id="257" name="PlaceHolder 1"/>
+          <p:cNvPr id="298" name="PlaceHolder 1"/>
           <p:cNvSpPr>
             <a:spLocks noGrp="1"/>
           </p:cNvSpPr>
@@ -1705,7 +1700,7 @@
         <p:spPr>
           <a:xfrm>
             <a:off x="-11798280" y="-11796840"/>
-            <a:ext cx="11769120" cy="12462840"/>
+            <a:ext cx="11768760" cy="12462480"/>
           </a:xfrm>
           <a:prstGeom prst="rect">
             <a:avLst/>
@@ -1714,14 +1709,14 @@
       </p:sp>
       <p:sp>
         <p:nvSpPr>
-          <p:cNvPr id="258" name="CustomShape 2"/>
+          <p:cNvPr id="299" name="CustomShape 2"/>
           <p:cNvSpPr/>
           <p:nvPr/>
         </p:nvSpPr>
         <p:spPr>
           <a:xfrm>
             <a:off x="685800" y="4343400"/>
-            <a:ext cx="5455440" cy="4083840"/>
+            <a:ext cx="5455080" cy="4083480"/>
           </a:xfrm>
           <a:custGeom>
             <a:avLst/>
@@ -1785,7 +1780,7 @@
       </p:grpSpPr>
       <p:sp>
         <p:nvSpPr>
-          <p:cNvPr id="295" name="PlaceHolder 1"/>
+          <p:cNvPr id="336" name="PlaceHolder 1"/>
           <p:cNvSpPr>
             <a:spLocks noGrp="1"/>
           </p:cNvSpPr>
@@ -1796,7 +1791,7 @@
         <p:spPr>
           <a:xfrm>
             <a:off x="-11798280" y="-11796840"/>
-            <a:ext cx="11757960" cy="12451680"/>
+            <a:ext cx="11757600" cy="12451320"/>
           </a:xfrm>
           <a:prstGeom prst="rect">
             <a:avLst/>
@@ -1805,14 +1800,14 @@
       </p:sp>
       <p:sp>
         <p:nvSpPr>
-          <p:cNvPr id="296" name="CustomShape 2"/>
+          <p:cNvPr id="337" name="CustomShape 2"/>
           <p:cNvSpPr/>
           <p:nvPr/>
         </p:nvSpPr>
         <p:spPr>
           <a:xfrm>
             <a:off x="685800" y="4343400"/>
-            <a:ext cx="5444280" cy="4072680"/>
+            <a:ext cx="5443920" cy="4072320"/>
           </a:xfrm>
           <a:custGeom>
             <a:avLst/>
@@ -1876,7 +1871,7 @@
       </p:grpSpPr>
       <p:sp>
         <p:nvSpPr>
-          <p:cNvPr id="297" name="PlaceHolder 1"/>
+          <p:cNvPr id="338" name="PlaceHolder 1"/>
           <p:cNvSpPr>
             <a:spLocks noGrp="1"/>
           </p:cNvSpPr>
@@ -1887,7 +1882,7 @@
         <p:spPr>
           <a:xfrm>
             <a:off x="-11798280" y="-11796840"/>
-            <a:ext cx="11757960" cy="12451680"/>
+            <a:ext cx="11757600" cy="12451320"/>
           </a:xfrm>
           <a:prstGeom prst="rect">
             <a:avLst/>
@@ -1896,14 +1891,14 @@
       </p:sp>
       <p:sp>
         <p:nvSpPr>
-          <p:cNvPr id="298" name="CustomShape 2"/>
+          <p:cNvPr id="339" name="CustomShape 2"/>
           <p:cNvSpPr/>
           <p:nvPr/>
         </p:nvSpPr>
         <p:spPr>
           <a:xfrm>
             <a:off x="685800" y="4343400"/>
-            <a:ext cx="5444280" cy="4072680"/>
+            <a:ext cx="5443920" cy="4072320"/>
           </a:xfrm>
           <a:custGeom>
             <a:avLst/>
@@ -1967,7 +1962,7 @@
       </p:grpSpPr>
       <p:sp>
         <p:nvSpPr>
-          <p:cNvPr id="299" name="PlaceHolder 1"/>
+          <p:cNvPr id="340" name="PlaceHolder 1"/>
           <p:cNvSpPr>
             <a:spLocks noGrp="1"/>
           </p:cNvSpPr>
@@ -1978,7 +1973,7 @@
         <p:spPr>
           <a:xfrm>
             <a:off x="-11798280" y="-11796840"/>
-            <a:ext cx="11757960" cy="12451680"/>
+            <a:ext cx="11757600" cy="12451320"/>
           </a:xfrm>
           <a:prstGeom prst="rect">
             <a:avLst/>
@@ -1987,14 +1982,14 @@
       </p:sp>
       <p:sp>
         <p:nvSpPr>
-          <p:cNvPr id="300" name="CustomShape 2"/>
+          <p:cNvPr id="341" name="CustomShape 2"/>
           <p:cNvSpPr/>
           <p:nvPr/>
         </p:nvSpPr>
         <p:spPr>
           <a:xfrm>
             <a:off x="685800" y="4343400"/>
-            <a:ext cx="5444280" cy="4072680"/>
+            <a:ext cx="5443920" cy="4072320"/>
           </a:xfrm>
           <a:custGeom>
             <a:avLst/>
@@ -2058,7 +2053,7 @@
       </p:grpSpPr>
       <p:sp>
         <p:nvSpPr>
-          <p:cNvPr id="301" name="PlaceHolder 1"/>
+          <p:cNvPr id="342" name="PlaceHolder 1"/>
           <p:cNvSpPr>
             <a:spLocks noGrp="1"/>
           </p:cNvSpPr>
@@ -2069,7 +2064,7 @@
         <p:spPr>
           <a:xfrm>
             <a:off x="-11798280" y="-11796840"/>
-            <a:ext cx="11757960" cy="12451680"/>
+            <a:ext cx="11757600" cy="12451320"/>
           </a:xfrm>
           <a:prstGeom prst="rect">
             <a:avLst/>
@@ -2078,14 +2073,14 @@
       </p:sp>
       <p:sp>
         <p:nvSpPr>
-          <p:cNvPr id="302" name="CustomShape 2"/>
+          <p:cNvPr id="343" name="CustomShape 2"/>
           <p:cNvSpPr/>
           <p:nvPr/>
         </p:nvSpPr>
         <p:spPr>
           <a:xfrm>
             <a:off x="685800" y="4343400"/>
-            <a:ext cx="5444280" cy="4072680"/>
+            <a:ext cx="5443920" cy="4072320"/>
           </a:xfrm>
           <a:custGeom>
             <a:avLst/>
@@ -2149,7 +2144,7 @@
       </p:grpSpPr>
       <p:sp>
         <p:nvSpPr>
-          <p:cNvPr id="303" name="PlaceHolder 1"/>
+          <p:cNvPr id="344" name="PlaceHolder 1"/>
           <p:cNvSpPr>
             <a:spLocks noGrp="1"/>
           </p:cNvSpPr>
@@ -2160,7 +2155,7 @@
         <p:spPr>
           <a:xfrm>
             <a:off x="-11798280" y="-11796840"/>
-            <a:ext cx="11757960" cy="12451680"/>
+            <a:ext cx="11757600" cy="12451320"/>
           </a:xfrm>
           <a:prstGeom prst="rect">
             <a:avLst/>
@@ -2169,14 +2164,14 @@
       </p:sp>
       <p:sp>
         <p:nvSpPr>
-          <p:cNvPr id="304" name="CustomShape 2"/>
+          <p:cNvPr id="345" name="CustomShape 2"/>
           <p:cNvSpPr/>
           <p:nvPr/>
         </p:nvSpPr>
         <p:spPr>
           <a:xfrm>
             <a:off x="685800" y="4343400"/>
-            <a:ext cx="5444280" cy="4072680"/>
+            <a:ext cx="5443920" cy="4072320"/>
           </a:xfrm>
           <a:custGeom>
             <a:avLst/>
@@ -2240,7 +2235,7 @@
       </p:grpSpPr>
       <p:sp>
         <p:nvSpPr>
-          <p:cNvPr id="305" name="PlaceHolder 1"/>
+          <p:cNvPr id="346" name="PlaceHolder 1"/>
           <p:cNvSpPr>
             <a:spLocks noGrp="1"/>
           </p:cNvSpPr>
@@ -2251,7 +2246,7 @@
         <p:spPr>
           <a:xfrm>
             <a:off x="-11798280" y="-11796840"/>
-            <a:ext cx="11757960" cy="12451680"/>
+            <a:ext cx="11757600" cy="12451320"/>
           </a:xfrm>
           <a:prstGeom prst="rect">
             <a:avLst/>
@@ -2260,14 +2255,14 @@
       </p:sp>
       <p:sp>
         <p:nvSpPr>
-          <p:cNvPr id="306" name="CustomShape 2"/>
+          <p:cNvPr id="347" name="CustomShape 2"/>
           <p:cNvSpPr/>
           <p:nvPr/>
         </p:nvSpPr>
         <p:spPr>
           <a:xfrm>
             <a:off x="685800" y="4343400"/>
-            <a:ext cx="5444280" cy="4072680"/>
+            <a:ext cx="5443920" cy="4072320"/>
           </a:xfrm>
           <a:custGeom>
             <a:avLst/>
@@ -2331,7 +2326,7 @@
       </p:grpSpPr>
       <p:sp>
         <p:nvSpPr>
-          <p:cNvPr id="307" name="PlaceHolder 1"/>
+          <p:cNvPr id="348" name="PlaceHolder 1"/>
           <p:cNvSpPr>
             <a:spLocks noGrp="1"/>
           </p:cNvSpPr>
@@ -2342,7 +2337,7 @@
         <p:spPr>
           <a:xfrm>
             <a:off x="-11798280" y="-11796840"/>
-            <a:ext cx="11769120" cy="12462840"/>
+            <a:ext cx="11768760" cy="12462480"/>
           </a:xfrm>
           <a:prstGeom prst="rect">
             <a:avLst/>
@@ -2351,14 +2346,14 @@
       </p:sp>
       <p:sp>
         <p:nvSpPr>
-          <p:cNvPr id="308" name="CustomShape 2"/>
+          <p:cNvPr id="349" name="CustomShape 2"/>
           <p:cNvSpPr/>
           <p:nvPr/>
         </p:nvSpPr>
         <p:spPr>
           <a:xfrm>
             <a:off x="685800" y="4343400"/>
-            <a:ext cx="5455440" cy="4083840"/>
+            <a:ext cx="5455080" cy="4083480"/>
           </a:xfrm>
           <a:custGeom>
             <a:avLst/>
@@ -2422,7 +2417,7 @@
       </p:grpSpPr>
       <p:sp>
         <p:nvSpPr>
-          <p:cNvPr id="309" name="PlaceHolder 1"/>
+          <p:cNvPr id="350" name="PlaceHolder 1"/>
           <p:cNvSpPr>
             <a:spLocks noGrp="1"/>
           </p:cNvSpPr>
@@ -2433,7 +2428,7 @@
         <p:spPr>
           <a:xfrm>
             <a:off x="-11798280" y="-11796840"/>
-            <a:ext cx="11757960" cy="12451680"/>
+            <a:ext cx="11757600" cy="12451320"/>
           </a:xfrm>
           <a:prstGeom prst="rect">
             <a:avLst/>
@@ -2442,14 +2437,14 @@
       </p:sp>
       <p:sp>
         <p:nvSpPr>
-          <p:cNvPr id="310" name="CustomShape 2"/>
+          <p:cNvPr id="351" name="CustomShape 2"/>
           <p:cNvSpPr/>
           <p:nvPr/>
         </p:nvSpPr>
         <p:spPr>
           <a:xfrm>
             <a:off x="685800" y="4343400"/>
-            <a:ext cx="5444280" cy="4072680"/>
+            <a:ext cx="5443920" cy="4072320"/>
           </a:xfrm>
           <a:custGeom>
             <a:avLst/>
@@ -2513,7 +2508,7 @@
       </p:grpSpPr>
       <p:sp>
         <p:nvSpPr>
-          <p:cNvPr id="311" name="PlaceHolder 1"/>
+          <p:cNvPr id="352" name="PlaceHolder 1"/>
           <p:cNvSpPr>
             <a:spLocks noGrp="1"/>
           </p:cNvSpPr>
@@ -2524,7 +2519,7 @@
         <p:spPr>
           <a:xfrm>
             <a:off x="-11798280" y="-11796840"/>
-            <a:ext cx="11757960" cy="12451680"/>
+            <a:ext cx="11757600" cy="12451320"/>
           </a:xfrm>
           <a:prstGeom prst="rect">
             <a:avLst/>
@@ -2533,14 +2528,14 @@
       </p:sp>
       <p:sp>
         <p:nvSpPr>
-          <p:cNvPr id="312" name="CustomShape 2"/>
+          <p:cNvPr id="353" name="CustomShape 2"/>
           <p:cNvSpPr/>
           <p:nvPr/>
         </p:nvSpPr>
         <p:spPr>
           <a:xfrm>
             <a:off x="685800" y="4343400"/>
-            <a:ext cx="5444280" cy="4072680"/>
+            <a:ext cx="5443920" cy="4072320"/>
           </a:xfrm>
           <a:custGeom>
             <a:avLst/>
@@ -2604,7 +2599,7 @@
       </p:grpSpPr>
       <p:sp>
         <p:nvSpPr>
-          <p:cNvPr id="259" name="PlaceHolder 1"/>
+          <p:cNvPr id="300" name="PlaceHolder 1"/>
           <p:cNvSpPr>
             <a:spLocks noGrp="1"/>
           </p:cNvSpPr>
@@ -2615,7 +2610,7 @@
         <p:spPr>
           <a:xfrm>
             <a:off x="-11798280" y="-11796840"/>
-            <a:ext cx="11769120" cy="12462840"/>
+            <a:ext cx="11768760" cy="12462480"/>
           </a:xfrm>
           <a:prstGeom prst="rect">
             <a:avLst/>
@@ -2624,14 +2619,14 @@
       </p:sp>
       <p:sp>
         <p:nvSpPr>
-          <p:cNvPr id="260" name="CustomShape 2"/>
+          <p:cNvPr id="301" name="CustomShape 2"/>
           <p:cNvSpPr/>
           <p:nvPr/>
         </p:nvSpPr>
         <p:spPr>
           <a:xfrm>
             <a:off x="685800" y="4343400"/>
-            <a:ext cx="5455440" cy="4083840"/>
+            <a:ext cx="5455080" cy="4083480"/>
           </a:xfrm>
           <a:custGeom>
             <a:avLst/>
@@ -2695,7 +2690,7 @@
       </p:grpSpPr>
       <p:sp>
         <p:nvSpPr>
-          <p:cNvPr id="313" name="PlaceHolder 1"/>
+          <p:cNvPr id="354" name="PlaceHolder 1"/>
           <p:cNvSpPr>
             <a:spLocks noGrp="1"/>
           </p:cNvSpPr>
@@ -2706,7 +2701,7 @@
         <p:spPr>
           <a:xfrm>
             <a:off x="-11798280" y="-11796840"/>
-            <a:ext cx="11757960" cy="12451680"/>
+            <a:ext cx="11757600" cy="12451320"/>
           </a:xfrm>
           <a:prstGeom prst="rect">
             <a:avLst/>
@@ -2715,14 +2710,14 @@
       </p:sp>
       <p:sp>
         <p:nvSpPr>
-          <p:cNvPr id="314" name="CustomShape 2"/>
+          <p:cNvPr id="355" name="CustomShape 2"/>
           <p:cNvSpPr/>
           <p:nvPr/>
         </p:nvSpPr>
         <p:spPr>
           <a:xfrm>
             <a:off x="685800" y="4343400"/>
-            <a:ext cx="5444280" cy="4072680"/>
+            <a:ext cx="5443920" cy="4072320"/>
           </a:xfrm>
           <a:custGeom>
             <a:avLst/>
@@ -2786,7 +2781,7 @@
       </p:grpSpPr>
       <p:sp>
         <p:nvSpPr>
-          <p:cNvPr id="315" name="PlaceHolder 1"/>
+          <p:cNvPr id="356" name="PlaceHolder 1"/>
           <p:cNvSpPr>
             <a:spLocks noGrp="1"/>
           </p:cNvSpPr>
@@ -2797,7 +2792,7 @@
         <p:spPr>
           <a:xfrm>
             <a:off x="-11798280" y="-11796840"/>
-            <a:ext cx="11756160" cy="12450240"/>
+            <a:ext cx="11755800" cy="12449880"/>
           </a:xfrm>
           <a:prstGeom prst="rect">
             <a:avLst/>
@@ -2806,14 +2801,14 @@
       </p:sp>
       <p:sp>
         <p:nvSpPr>
-          <p:cNvPr id="316" name="CustomShape 2"/>
+          <p:cNvPr id="357" name="CustomShape 2"/>
           <p:cNvSpPr/>
           <p:nvPr/>
         </p:nvSpPr>
         <p:spPr>
           <a:xfrm>
             <a:off x="685800" y="4343400"/>
-            <a:ext cx="5442840" cy="4071240"/>
+            <a:ext cx="5442480" cy="4070880"/>
           </a:xfrm>
           <a:custGeom>
             <a:avLst/>
@@ -2877,7 +2872,7 @@
       </p:grpSpPr>
       <p:sp>
         <p:nvSpPr>
-          <p:cNvPr id="317" name="PlaceHolder 1"/>
+          <p:cNvPr id="358" name="PlaceHolder 1"/>
           <p:cNvSpPr>
             <a:spLocks noGrp="1"/>
           </p:cNvSpPr>
@@ -2888,7 +2883,7 @@
         <p:spPr>
           <a:xfrm>
             <a:off x="-11798280" y="-11796840"/>
-            <a:ext cx="11756160" cy="12450240"/>
+            <a:ext cx="11755800" cy="12449880"/>
           </a:xfrm>
           <a:prstGeom prst="rect">
             <a:avLst/>
@@ -2897,14 +2892,14 @@
       </p:sp>
       <p:sp>
         <p:nvSpPr>
-          <p:cNvPr id="318" name="CustomShape 2"/>
+          <p:cNvPr id="359" name="CustomShape 2"/>
           <p:cNvSpPr/>
           <p:nvPr/>
         </p:nvSpPr>
         <p:spPr>
           <a:xfrm>
             <a:off x="685800" y="4343400"/>
-            <a:ext cx="5442840" cy="4071240"/>
+            <a:ext cx="5442480" cy="4070880"/>
           </a:xfrm>
           <a:custGeom>
             <a:avLst/>
@@ -2968,7 +2963,7 @@
       </p:grpSpPr>
       <p:sp>
         <p:nvSpPr>
-          <p:cNvPr id="319" name="PlaceHolder 1"/>
+          <p:cNvPr id="360" name="PlaceHolder 1"/>
           <p:cNvSpPr>
             <a:spLocks noGrp="1"/>
           </p:cNvSpPr>
@@ -2979,7 +2974,7 @@
         <p:spPr>
           <a:xfrm>
             <a:off x="-11798280" y="-11796840"/>
-            <a:ext cx="11756160" cy="12450240"/>
+            <a:ext cx="11755800" cy="12449880"/>
           </a:xfrm>
           <a:prstGeom prst="rect">
             <a:avLst/>
@@ -2988,14 +2983,14 @@
       </p:sp>
       <p:sp>
         <p:nvSpPr>
-          <p:cNvPr id="320" name="CustomShape 2"/>
+          <p:cNvPr id="361" name="CustomShape 2"/>
           <p:cNvSpPr/>
           <p:nvPr/>
         </p:nvSpPr>
         <p:spPr>
           <a:xfrm>
             <a:off x="685800" y="4343400"/>
-            <a:ext cx="5442840" cy="4071240"/>
+            <a:ext cx="5442480" cy="4070880"/>
           </a:xfrm>
           <a:custGeom>
             <a:avLst/>
@@ -3059,7 +3054,7 @@
       </p:grpSpPr>
       <p:sp>
         <p:nvSpPr>
-          <p:cNvPr id="321" name="PlaceHolder 1"/>
+          <p:cNvPr id="362" name="PlaceHolder 1"/>
           <p:cNvSpPr>
             <a:spLocks noGrp="1"/>
           </p:cNvSpPr>
@@ -3070,7 +3065,7 @@
         <p:spPr>
           <a:xfrm>
             <a:off x="1143000" y="685800"/>
-            <a:ext cx="4552200" cy="3409200"/>
+            <a:ext cx="4551840" cy="3408840"/>
           </a:xfrm>
           <a:prstGeom prst="rect">
             <a:avLst/>
@@ -3079,14 +3074,14 @@
       </p:sp>
       <p:sp>
         <p:nvSpPr>
-          <p:cNvPr id="322" name="CustomShape 2"/>
+          <p:cNvPr id="363" name="CustomShape 2"/>
           <p:cNvSpPr/>
           <p:nvPr/>
         </p:nvSpPr>
         <p:spPr>
           <a:xfrm>
             <a:off x="914400" y="4343400"/>
-            <a:ext cx="5009400" cy="4095000"/>
+            <a:ext cx="5009040" cy="4094640"/>
           </a:xfrm>
           <a:custGeom>
             <a:avLst/>
@@ -3150,7 +3145,7 @@
       </p:grpSpPr>
       <p:sp>
         <p:nvSpPr>
-          <p:cNvPr id="261" name="PlaceHolder 1"/>
+          <p:cNvPr id="302" name="PlaceHolder 1"/>
           <p:cNvSpPr>
             <a:spLocks noGrp="1"/>
           </p:cNvSpPr>
@@ -3161,7 +3156,7 @@
         <p:spPr>
           <a:xfrm>
             <a:off x="-11798280" y="-11796840"/>
-            <a:ext cx="11769120" cy="12462840"/>
+            <a:ext cx="11768760" cy="12462480"/>
           </a:xfrm>
           <a:prstGeom prst="rect">
             <a:avLst/>
@@ -3170,14 +3165,14 @@
       </p:sp>
       <p:sp>
         <p:nvSpPr>
-          <p:cNvPr id="262" name="CustomShape 2"/>
+          <p:cNvPr id="303" name="CustomShape 2"/>
           <p:cNvSpPr/>
           <p:nvPr/>
         </p:nvSpPr>
         <p:spPr>
           <a:xfrm>
             <a:off x="685800" y="4343400"/>
-            <a:ext cx="5455440" cy="4083840"/>
+            <a:ext cx="5455080" cy="4083480"/>
           </a:xfrm>
           <a:custGeom>
             <a:avLst/>
@@ -3241,7 +3236,7 @@
       </p:grpSpPr>
       <p:sp>
         <p:nvSpPr>
-          <p:cNvPr id="263" name="PlaceHolder 1"/>
+          <p:cNvPr id="304" name="PlaceHolder 1"/>
           <p:cNvSpPr>
             <a:spLocks noGrp="1"/>
           </p:cNvSpPr>
@@ -3252,7 +3247,7 @@
         <p:spPr>
           <a:xfrm>
             <a:off x="-11798280" y="-11796840"/>
-            <a:ext cx="11769120" cy="12462840"/>
+            <a:ext cx="11768760" cy="12462480"/>
           </a:xfrm>
           <a:prstGeom prst="rect">
             <a:avLst/>
@@ -3261,14 +3256,14 @@
       </p:sp>
       <p:sp>
         <p:nvSpPr>
-          <p:cNvPr id="264" name="CustomShape 2"/>
+          <p:cNvPr id="305" name="CustomShape 2"/>
           <p:cNvSpPr/>
           <p:nvPr/>
         </p:nvSpPr>
         <p:spPr>
           <a:xfrm>
             <a:off x="685800" y="4343400"/>
-            <a:ext cx="5455440" cy="4083840"/>
+            <a:ext cx="5455080" cy="4083480"/>
           </a:xfrm>
           <a:custGeom>
             <a:avLst/>
@@ -3332,7 +3327,7 @@
       </p:grpSpPr>
       <p:sp>
         <p:nvSpPr>
-          <p:cNvPr id="265" name="PlaceHolder 1"/>
+          <p:cNvPr id="306" name="PlaceHolder 1"/>
           <p:cNvSpPr>
             <a:spLocks noGrp="1"/>
           </p:cNvSpPr>
@@ -3343,7 +3338,7 @@
         <p:spPr>
           <a:xfrm>
             <a:off x="-11798280" y="-11796840"/>
-            <a:ext cx="11769120" cy="12462840"/>
+            <a:ext cx="11768760" cy="12462480"/>
           </a:xfrm>
           <a:prstGeom prst="rect">
             <a:avLst/>
@@ -3352,14 +3347,14 @@
       </p:sp>
       <p:sp>
         <p:nvSpPr>
-          <p:cNvPr id="266" name="CustomShape 2"/>
+          <p:cNvPr id="307" name="CustomShape 2"/>
           <p:cNvSpPr/>
           <p:nvPr/>
         </p:nvSpPr>
         <p:spPr>
           <a:xfrm>
             <a:off x="685800" y="4343400"/>
-            <a:ext cx="5455440" cy="4083840"/>
+            <a:ext cx="5455080" cy="4083480"/>
           </a:xfrm>
           <a:custGeom>
             <a:avLst/>
@@ -3423,7 +3418,7 @@
       </p:grpSpPr>
       <p:sp>
         <p:nvSpPr>
-          <p:cNvPr id="267" name="PlaceHolder 1"/>
+          <p:cNvPr id="308" name="PlaceHolder 1"/>
           <p:cNvSpPr>
             <a:spLocks noGrp="1"/>
           </p:cNvSpPr>
@@ -3434,7 +3429,7 @@
         <p:spPr>
           <a:xfrm>
             <a:off x="-11798280" y="-11796840"/>
-            <a:ext cx="11769120" cy="12462840"/>
+            <a:ext cx="11768760" cy="12462480"/>
           </a:xfrm>
           <a:prstGeom prst="rect">
             <a:avLst/>
@@ -3443,14 +3438,14 @@
       </p:sp>
       <p:sp>
         <p:nvSpPr>
-          <p:cNvPr id="268" name="CustomShape 2"/>
+          <p:cNvPr id="309" name="CustomShape 2"/>
           <p:cNvSpPr/>
           <p:nvPr/>
         </p:nvSpPr>
         <p:spPr>
           <a:xfrm>
             <a:off x="685800" y="4343400"/>
-            <a:ext cx="5455440" cy="4083840"/>
+            <a:ext cx="5455080" cy="4083480"/>
           </a:xfrm>
           <a:custGeom>
             <a:avLst/>
@@ -5476,6 +5471,361 @@
 </p:sldLayout>
 </file>
 
+<file path=ppt/slideLayouts/slideLayout25.xml><?xml version="1.0" encoding="utf-8"?>
+<p:sldLayout xmlns:a="http://schemas.openxmlformats.org/drawingml/2006/main" xmlns:p="http://schemas.openxmlformats.org/presentationml/2006/main" xmlns:r="http://schemas.openxmlformats.org/officeDocument/2006/relationships" xmlns:p14="http://schemas.microsoft.com/office/powerpoint/2010/main" xmlns:p15="http://schemas.microsoft.com/office/powerpoint/2012/main" xmlns:mc="http://schemas.openxmlformats.org/markup-compatibility/2006" type="blank" preserve="1">
+  <p:cSld name="Blank Slide">
+    <p:spTree>
+      <p:nvGrpSpPr>
+        <p:cNvPr id="1" name=""/>
+        <p:cNvGrpSpPr/>
+        <p:nvPr/>
+      </p:nvGrpSpPr>
+      <p:grpSpPr>
+        <a:xfrm>
+          <a:off x="0" y="0"/>
+          <a:ext cx="0" cy="0"/>
+          <a:chOff x="0" y="0"/>
+          <a:chExt cx="0" cy="0"/>
+        </a:xfrm>
+      </p:grpSpPr>
+    </p:spTree>
+  </p:cSld>
+</p:sldLayout>
+</file>
+
+<file path=ppt/slideLayouts/slideLayout26.xml><?xml version="1.0" encoding="utf-8"?>
+<p:sldLayout xmlns:a="http://schemas.openxmlformats.org/drawingml/2006/main" xmlns:p="http://schemas.openxmlformats.org/presentationml/2006/main" xmlns:r="http://schemas.openxmlformats.org/officeDocument/2006/relationships" xmlns:p14="http://schemas.microsoft.com/office/powerpoint/2010/main" xmlns:p15="http://schemas.microsoft.com/office/powerpoint/2012/main" xmlns:mc="http://schemas.openxmlformats.org/markup-compatibility/2006" type="tx" preserve="1">
+  <p:cSld name="Title Slide">
+    <p:spTree>
+      <p:nvGrpSpPr>
+        <p:cNvPr id="1" name=""/>
+        <p:cNvGrpSpPr/>
+        <p:nvPr/>
+      </p:nvGrpSpPr>
+      <p:grpSpPr>
+        <a:xfrm>
+          <a:off x="0" y="0"/>
+          <a:ext cx="0" cy="0"/>
+          <a:chOff x="0" y="0"/>
+          <a:chExt cx="0" cy="0"/>
+        </a:xfrm>
+      </p:grpSpPr>
+      <p:sp>
+        <p:nvSpPr>
+          <p:cNvPr id="94" name="PlaceHolder 1"/>
+          <p:cNvSpPr>
+            <a:spLocks noGrp="1"/>
+          </p:cNvSpPr>
+          <p:nvPr>
+            <p:ph type="title"/>
+          </p:nvPr>
+        </p:nvSpPr>
+        <p:spPr>
+          <a:xfrm>
+            <a:off x="457200" y="273600"/>
+            <a:ext cx="8229240" cy="1144800"/>
+          </a:xfrm>
+          <a:prstGeom prst="rect">
+            <a:avLst/>
+          </a:prstGeom>
+        </p:spPr>
+        <p:txBody>
+          <a:bodyPr lIns="0" rIns="0" tIns="0" bIns="0" anchor="ctr">
+            <a:noAutofit/>
+          </a:bodyPr>
+          <a:p>
+            <a:pPr algn="ctr"/>
+            <a:endParaRPr b="0" lang="en-US" sz="4400" spc="-1" strike="noStrike">
+              <a:latin typeface="Arial"/>
+            </a:endParaRPr>
+          </a:p>
+        </p:txBody>
+      </p:sp>
+      <p:sp>
+        <p:nvSpPr>
+          <p:cNvPr id="95" name="PlaceHolder 2"/>
+          <p:cNvSpPr>
+            <a:spLocks noGrp="1"/>
+          </p:cNvSpPr>
+          <p:nvPr>
+            <p:ph type="subTitle"/>
+          </p:nvPr>
+        </p:nvSpPr>
+        <p:spPr>
+          <a:xfrm>
+            <a:off x="457200" y="1604520"/>
+            <a:ext cx="8229240" cy="3977280"/>
+          </a:xfrm>
+          <a:prstGeom prst="rect">
+            <a:avLst/>
+          </a:prstGeom>
+        </p:spPr>
+        <p:txBody>
+          <a:bodyPr lIns="0" rIns="0" tIns="0" bIns="0" anchor="ctr">
+            <a:noAutofit/>
+          </a:bodyPr>
+          <a:p>
+            <a:pPr algn="ctr"/>
+            <a:endParaRPr b="0" lang="en-US" sz="3200" spc="-1" strike="noStrike">
+              <a:latin typeface="Arial"/>
+            </a:endParaRPr>
+          </a:p>
+        </p:txBody>
+      </p:sp>
+    </p:spTree>
+  </p:cSld>
+</p:sldLayout>
+</file>
+
+<file path=ppt/slideLayouts/slideLayout27.xml><?xml version="1.0" encoding="utf-8"?>
+<p:sldLayout xmlns:a="http://schemas.openxmlformats.org/drawingml/2006/main" xmlns:p="http://schemas.openxmlformats.org/presentationml/2006/main" xmlns:r="http://schemas.openxmlformats.org/officeDocument/2006/relationships" xmlns:p14="http://schemas.microsoft.com/office/powerpoint/2010/main" xmlns:p15="http://schemas.microsoft.com/office/powerpoint/2012/main" xmlns:mc="http://schemas.openxmlformats.org/markup-compatibility/2006" type="obj" preserve="1">
+  <p:cSld name="Title, Content">
+    <p:spTree>
+      <p:nvGrpSpPr>
+        <p:cNvPr id="1" name=""/>
+        <p:cNvGrpSpPr/>
+        <p:nvPr/>
+      </p:nvGrpSpPr>
+      <p:grpSpPr>
+        <a:xfrm>
+          <a:off x="0" y="0"/>
+          <a:ext cx="0" cy="0"/>
+          <a:chOff x="0" y="0"/>
+          <a:chExt cx="0" cy="0"/>
+        </a:xfrm>
+      </p:grpSpPr>
+      <p:sp>
+        <p:nvSpPr>
+          <p:cNvPr id="96" name="PlaceHolder 1"/>
+          <p:cNvSpPr>
+            <a:spLocks noGrp="1"/>
+          </p:cNvSpPr>
+          <p:nvPr>
+            <p:ph type="title"/>
+          </p:nvPr>
+        </p:nvSpPr>
+        <p:spPr>
+          <a:xfrm>
+            <a:off x="457200" y="273600"/>
+            <a:ext cx="8229240" cy="1144800"/>
+          </a:xfrm>
+          <a:prstGeom prst="rect">
+            <a:avLst/>
+          </a:prstGeom>
+        </p:spPr>
+        <p:txBody>
+          <a:bodyPr lIns="0" rIns="0" tIns="0" bIns="0" anchor="ctr">
+            <a:noAutofit/>
+          </a:bodyPr>
+          <a:p>
+            <a:pPr algn="ctr"/>
+            <a:endParaRPr b="0" lang="en-US" sz="4400" spc="-1" strike="noStrike">
+              <a:latin typeface="Arial"/>
+            </a:endParaRPr>
+          </a:p>
+        </p:txBody>
+      </p:sp>
+      <p:sp>
+        <p:nvSpPr>
+          <p:cNvPr id="97" name="PlaceHolder 2"/>
+          <p:cNvSpPr>
+            <a:spLocks noGrp="1"/>
+          </p:cNvSpPr>
+          <p:nvPr>
+            <p:ph type="body"/>
+          </p:nvPr>
+        </p:nvSpPr>
+        <p:spPr>
+          <a:xfrm>
+            <a:off x="457200" y="1604520"/>
+            <a:ext cx="8229240" cy="3977280"/>
+          </a:xfrm>
+          <a:prstGeom prst="rect">
+            <a:avLst/>
+          </a:prstGeom>
+        </p:spPr>
+        <p:txBody>
+          <a:bodyPr lIns="0" rIns="0" tIns="0" bIns="0">
+            <a:normAutofit/>
+          </a:bodyPr>
+          <a:p>
+            <a:endParaRPr b="0" lang="en-US" sz="3200" spc="-1" strike="noStrike">
+              <a:latin typeface="Arial"/>
+            </a:endParaRPr>
+          </a:p>
+        </p:txBody>
+      </p:sp>
+    </p:spTree>
+  </p:cSld>
+</p:sldLayout>
+</file>
+
+<file path=ppt/slideLayouts/slideLayout28.xml><?xml version="1.0" encoding="utf-8"?>
+<p:sldLayout xmlns:a="http://schemas.openxmlformats.org/drawingml/2006/main" xmlns:p="http://schemas.openxmlformats.org/presentationml/2006/main" xmlns:r="http://schemas.openxmlformats.org/officeDocument/2006/relationships" xmlns:p14="http://schemas.microsoft.com/office/powerpoint/2010/main" xmlns:p15="http://schemas.microsoft.com/office/powerpoint/2012/main" xmlns:mc="http://schemas.openxmlformats.org/markup-compatibility/2006" type="twoObj" preserve="1">
+  <p:cSld name="Title, 2 Content">
+    <p:spTree>
+      <p:nvGrpSpPr>
+        <p:cNvPr id="1" name=""/>
+        <p:cNvGrpSpPr/>
+        <p:nvPr/>
+      </p:nvGrpSpPr>
+      <p:grpSpPr>
+        <a:xfrm>
+          <a:off x="0" y="0"/>
+          <a:ext cx="0" cy="0"/>
+          <a:chOff x="0" y="0"/>
+          <a:chExt cx="0" cy="0"/>
+        </a:xfrm>
+      </p:grpSpPr>
+      <p:sp>
+        <p:nvSpPr>
+          <p:cNvPr id="98" name="PlaceHolder 1"/>
+          <p:cNvSpPr>
+            <a:spLocks noGrp="1"/>
+          </p:cNvSpPr>
+          <p:nvPr>
+            <p:ph type="title"/>
+          </p:nvPr>
+        </p:nvSpPr>
+        <p:spPr>
+          <a:xfrm>
+            <a:off x="457200" y="273600"/>
+            <a:ext cx="8229240" cy="1144800"/>
+          </a:xfrm>
+          <a:prstGeom prst="rect">
+            <a:avLst/>
+          </a:prstGeom>
+        </p:spPr>
+        <p:txBody>
+          <a:bodyPr lIns="0" rIns="0" tIns="0" bIns="0" anchor="ctr">
+            <a:noAutofit/>
+          </a:bodyPr>
+          <a:p>
+            <a:pPr algn="ctr"/>
+            <a:endParaRPr b="0" lang="en-US" sz="4400" spc="-1" strike="noStrike">
+              <a:latin typeface="Arial"/>
+            </a:endParaRPr>
+          </a:p>
+        </p:txBody>
+      </p:sp>
+      <p:sp>
+        <p:nvSpPr>
+          <p:cNvPr id="99" name="PlaceHolder 2"/>
+          <p:cNvSpPr>
+            <a:spLocks noGrp="1"/>
+          </p:cNvSpPr>
+          <p:nvPr>
+            <p:ph type="body"/>
+          </p:nvPr>
+        </p:nvSpPr>
+        <p:spPr>
+          <a:xfrm>
+            <a:off x="457200" y="1604520"/>
+            <a:ext cx="4015800" cy="3977280"/>
+          </a:xfrm>
+          <a:prstGeom prst="rect">
+            <a:avLst/>
+          </a:prstGeom>
+        </p:spPr>
+        <p:txBody>
+          <a:bodyPr lIns="0" rIns="0" tIns="0" bIns="0">
+            <a:normAutofit/>
+          </a:bodyPr>
+          <a:p>
+            <a:endParaRPr b="0" lang="en-US" sz="3200" spc="-1" strike="noStrike">
+              <a:latin typeface="Arial"/>
+            </a:endParaRPr>
+          </a:p>
+        </p:txBody>
+      </p:sp>
+      <p:sp>
+        <p:nvSpPr>
+          <p:cNvPr id="100" name="PlaceHolder 3"/>
+          <p:cNvSpPr>
+            <a:spLocks noGrp="1"/>
+          </p:cNvSpPr>
+          <p:nvPr>
+            <p:ph type="body"/>
+          </p:nvPr>
+        </p:nvSpPr>
+        <p:spPr>
+          <a:xfrm>
+            <a:off x="4674240" y="1604520"/>
+            <a:ext cx="4015800" cy="3977280"/>
+          </a:xfrm>
+          <a:prstGeom prst="rect">
+            <a:avLst/>
+          </a:prstGeom>
+        </p:spPr>
+        <p:txBody>
+          <a:bodyPr lIns="0" rIns="0" tIns="0" bIns="0">
+            <a:normAutofit/>
+          </a:bodyPr>
+          <a:p>
+            <a:endParaRPr b="0" lang="en-US" sz="3200" spc="-1" strike="noStrike">
+              <a:latin typeface="Arial"/>
+            </a:endParaRPr>
+          </a:p>
+        </p:txBody>
+      </p:sp>
+    </p:spTree>
+  </p:cSld>
+</p:sldLayout>
+</file>
+
+<file path=ppt/slideLayouts/slideLayout29.xml><?xml version="1.0" encoding="utf-8"?>
+<p:sldLayout xmlns:a="http://schemas.openxmlformats.org/drawingml/2006/main" xmlns:p="http://schemas.openxmlformats.org/presentationml/2006/main" xmlns:r="http://schemas.openxmlformats.org/officeDocument/2006/relationships" xmlns:p14="http://schemas.microsoft.com/office/powerpoint/2010/main" xmlns:p15="http://schemas.microsoft.com/office/powerpoint/2012/main" xmlns:mc="http://schemas.openxmlformats.org/markup-compatibility/2006" type="titleOnly" preserve="1">
+  <p:cSld name="Title Only">
+    <p:spTree>
+      <p:nvGrpSpPr>
+        <p:cNvPr id="1" name=""/>
+        <p:cNvGrpSpPr/>
+        <p:nvPr/>
+      </p:nvGrpSpPr>
+      <p:grpSpPr>
+        <a:xfrm>
+          <a:off x="0" y="0"/>
+          <a:ext cx="0" cy="0"/>
+          <a:chOff x="0" y="0"/>
+          <a:chExt cx="0" cy="0"/>
+        </a:xfrm>
+      </p:grpSpPr>
+      <p:sp>
+        <p:nvSpPr>
+          <p:cNvPr id="101" name="PlaceHolder 1"/>
+          <p:cNvSpPr>
+            <a:spLocks noGrp="1"/>
+          </p:cNvSpPr>
+          <p:nvPr>
+            <p:ph type="title"/>
+          </p:nvPr>
+        </p:nvSpPr>
+        <p:spPr>
+          <a:xfrm>
+            <a:off x="457200" y="273600"/>
+            <a:ext cx="8229240" cy="1144800"/>
+          </a:xfrm>
+          <a:prstGeom prst="rect">
+            <a:avLst/>
+          </a:prstGeom>
+        </p:spPr>
+        <p:txBody>
+          <a:bodyPr lIns="0" rIns="0" tIns="0" bIns="0" anchor="ctr">
+            <a:noAutofit/>
+          </a:bodyPr>
+          <a:p>
+            <a:pPr algn="ctr"/>
+            <a:endParaRPr b="0" lang="en-US" sz="4400" spc="-1" strike="noStrike">
+              <a:latin typeface="Arial"/>
+            </a:endParaRPr>
+          </a:p>
+        </p:txBody>
+      </p:sp>
+    </p:spTree>
+  </p:cSld>
+</p:sldLayout>
+</file>
+
 <file path=ppt/slideLayouts/slideLayout3.xml><?xml version="1.0" encoding="utf-8"?>
 <p:sldLayout xmlns:a="http://schemas.openxmlformats.org/drawingml/2006/main" xmlns:p="http://schemas.openxmlformats.org/presentationml/2006/main" xmlns:r="http://schemas.openxmlformats.org/officeDocument/2006/relationships" xmlns:p14="http://schemas.microsoft.com/office/powerpoint/2010/main" xmlns:p15="http://schemas.microsoft.com/office/powerpoint/2012/main" xmlns:mc="http://schemas.openxmlformats.org/markup-compatibility/2006" type="obj" preserve="1">
   <p:cSld name="Title, Content">
@@ -5538,6 +5888,1007 @@
           <a:xfrm>
             <a:off x="457200" y="1604520"/>
             <a:ext cx="8229240" cy="3977280"/>
+          </a:xfrm>
+          <a:prstGeom prst="rect">
+            <a:avLst/>
+          </a:prstGeom>
+        </p:spPr>
+        <p:txBody>
+          <a:bodyPr lIns="0" rIns="0" tIns="0" bIns="0">
+            <a:normAutofit/>
+          </a:bodyPr>
+          <a:p>
+            <a:endParaRPr b="0" lang="en-US" sz="3200" spc="-1" strike="noStrike">
+              <a:latin typeface="Arial"/>
+            </a:endParaRPr>
+          </a:p>
+        </p:txBody>
+      </p:sp>
+    </p:spTree>
+  </p:cSld>
+</p:sldLayout>
+</file>
+
+<file path=ppt/slideLayouts/slideLayout30.xml><?xml version="1.0" encoding="utf-8"?>
+<p:sldLayout xmlns:a="http://schemas.openxmlformats.org/drawingml/2006/main" xmlns:p="http://schemas.openxmlformats.org/presentationml/2006/main" xmlns:r="http://schemas.openxmlformats.org/officeDocument/2006/relationships" xmlns:p14="http://schemas.microsoft.com/office/powerpoint/2010/main" xmlns:p15="http://schemas.microsoft.com/office/powerpoint/2012/main" xmlns:mc="http://schemas.openxmlformats.org/markup-compatibility/2006" type="objOnly" preserve="1">
+  <p:cSld name="Centered Text">
+    <p:spTree>
+      <p:nvGrpSpPr>
+        <p:cNvPr id="1" name=""/>
+        <p:cNvGrpSpPr/>
+        <p:nvPr/>
+      </p:nvGrpSpPr>
+      <p:grpSpPr>
+        <a:xfrm>
+          <a:off x="0" y="0"/>
+          <a:ext cx="0" cy="0"/>
+          <a:chOff x="0" y="0"/>
+          <a:chExt cx="0" cy="0"/>
+        </a:xfrm>
+      </p:grpSpPr>
+      <p:sp>
+        <p:nvSpPr>
+          <p:cNvPr id="102" name="PlaceHolder 1"/>
+          <p:cNvSpPr>
+            <a:spLocks noGrp="1"/>
+          </p:cNvSpPr>
+          <p:nvPr>
+            <p:ph type="subTitle"/>
+          </p:nvPr>
+        </p:nvSpPr>
+        <p:spPr>
+          <a:xfrm>
+            <a:off x="457200" y="273600"/>
+            <a:ext cx="8229240" cy="5307840"/>
+          </a:xfrm>
+          <a:prstGeom prst="rect">
+            <a:avLst/>
+          </a:prstGeom>
+        </p:spPr>
+        <p:txBody>
+          <a:bodyPr lIns="0" rIns="0" tIns="0" bIns="0" anchor="ctr">
+            <a:noAutofit/>
+          </a:bodyPr>
+          <a:p>
+            <a:pPr algn="ctr"/>
+            <a:endParaRPr b="0" lang="en-US" sz="3200" spc="-1" strike="noStrike">
+              <a:latin typeface="Arial"/>
+            </a:endParaRPr>
+          </a:p>
+        </p:txBody>
+      </p:sp>
+    </p:spTree>
+  </p:cSld>
+</p:sldLayout>
+</file>
+
+<file path=ppt/slideLayouts/slideLayout31.xml><?xml version="1.0" encoding="utf-8"?>
+<p:sldLayout xmlns:a="http://schemas.openxmlformats.org/drawingml/2006/main" xmlns:p="http://schemas.openxmlformats.org/presentationml/2006/main" xmlns:r="http://schemas.openxmlformats.org/officeDocument/2006/relationships" xmlns:p14="http://schemas.microsoft.com/office/powerpoint/2010/main" xmlns:p15="http://schemas.microsoft.com/office/powerpoint/2012/main" xmlns:mc="http://schemas.openxmlformats.org/markup-compatibility/2006" type="twoObjAndObj" preserve="1">
+  <p:cSld name="Title, 2 Content and Content">
+    <p:spTree>
+      <p:nvGrpSpPr>
+        <p:cNvPr id="1" name=""/>
+        <p:cNvGrpSpPr/>
+        <p:nvPr/>
+      </p:nvGrpSpPr>
+      <p:grpSpPr>
+        <a:xfrm>
+          <a:off x="0" y="0"/>
+          <a:ext cx="0" cy="0"/>
+          <a:chOff x="0" y="0"/>
+          <a:chExt cx="0" cy="0"/>
+        </a:xfrm>
+      </p:grpSpPr>
+      <p:sp>
+        <p:nvSpPr>
+          <p:cNvPr id="103" name="PlaceHolder 1"/>
+          <p:cNvSpPr>
+            <a:spLocks noGrp="1"/>
+          </p:cNvSpPr>
+          <p:nvPr>
+            <p:ph type="title"/>
+          </p:nvPr>
+        </p:nvSpPr>
+        <p:spPr>
+          <a:xfrm>
+            <a:off x="457200" y="273600"/>
+            <a:ext cx="8229240" cy="1144800"/>
+          </a:xfrm>
+          <a:prstGeom prst="rect">
+            <a:avLst/>
+          </a:prstGeom>
+        </p:spPr>
+        <p:txBody>
+          <a:bodyPr lIns="0" rIns="0" tIns="0" bIns="0" anchor="ctr">
+            <a:noAutofit/>
+          </a:bodyPr>
+          <a:p>
+            <a:pPr algn="ctr"/>
+            <a:endParaRPr b="0" lang="en-US" sz="4400" spc="-1" strike="noStrike">
+              <a:latin typeface="Arial"/>
+            </a:endParaRPr>
+          </a:p>
+        </p:txBody>
+      </p:sp>
+      <p:sp>
+        <p:nvSpPr>
+          <p:cNvPr id="104" name="PlaceHolder 2"/>
+          <p:cNvSpPr>
+            <a:spLocks noGrp="1"/>
+          </p:cNvSpPr>
+          <p:nvPr>
+            <p:ph type="body"/>
+          </p:nvPr>
+        </p:nvSpPr>
+        <p:spPr>
+          <a:xfrm>
+            <a:off x="457200" y="1604520"/>
+            <a:ext cx="4015800" cy="1896840"/>
+          </a:xfrm>
+          <a:prstGeom prst="rect">
+            <a:avLst/>
+          </a:prstGeom>
+        </p:spPr>
+        <p:txBody>
+          <a:bodyPr lIns="0" rIns="0" tIns="0" bIns="0">
+            <a:normAutofit/>
+          </a:bodyPr>
+          <a:p>
+            <a:endParaRPr b="0" lang="en-US" sz="3200" spc="-1" strike="noStrike">
+              <a:latin typeface="Arial"/>
+            </a:endParaRPr>
+          </a:p>
+        </p:txBody>
+      </p:sp>
+      <p:sp>
+        <p:nvSpPr>
+          <p:cNvPr id="105" name="PlaceHolder 3"/>
+          <p:cNvSpPr>
+            <a:spLocks noGrp="1"/>
+          </p:cNvSpPr>
+          <p:nvPr>
+            <p:ph type="body"/>
+          </p:nvPr>
+        </p:nvSpPr>
+        <p:spPr>
+          <a:xfrm>
+            <a:off x="4674240" y="1604520"/>
+            <a:ext cx="4015800" cy="3977280"/>
+          </a:xfrm>
+          <a:prstGeom prst="rect">
+            <a:avLst/>
+          </a:prstGeom>
+        </p:spPr>
+        <p:txBody>
+          <a:bodyPr lIns="0" rIns="0" tIns="0" bIns="0">
+            <a:normAutofit/>
+          </a:bodyPr>
+          <a:p>
+            <a:endParaRPr b="0" lang="en-US" sz="3200" spc="-1" strike="noStrike">
+              <a:latin typeface="Arial"/>
+            </a:endParaRPr>
+          </a:p>
+        </p:txBody>
+      </p:sp>
+      <p:sp>
+        <p:nvSpPr>
+          <p:cNvPr id="106" name="PlaceHolder 4"/>
+          <p:cNvSpPr>
+            <a:spLocks noGrp="1"/>
+          </p:cNvSpPr>
+          <p:nvPr>
+            <p:ph type="body"/>
+          </p:nvPr>
+        </p:nvSpPr>
+        <p:spPr>
+          <a:xfrm>
+            <a:off x="457200" y="3682080"/>
+            <a:ext cx="4015800" cy="1896840"/>
+          </a:xfrm>
+          <a:prstGeom prst="rect">
+            <a:avLst/>
+          </a:prstGeom>
+        </p:spPr>
+        <p:txBody>
+          <a:bodyPr lIns="0" rIns="0" tIns="0" bIns="0">
+            <a:normAutofit/>
+          </a:bodyPr>
+          <a:p>
+            <a:endParaRPr b="0" lang="en-US" sz="3200" spc="-1" strike="noStrike">
+              <a:latin typeface="Arial"/>
+            </a:endParaRPr>
+          </a:p>
+        </p:txBody>
+      </p:sp>
+    </p:spTree>
+  </p:cSld>
+</p:sldLayout>
+</file>
+
+<file path=ppt/slideLayouts/slideLayout32.xml><?xml version="1.0" encoding="utf-8"?>
+<p:sldLayout xmlns:a="http://schemas.openxmlformats.org/drawingml/2006/main" xmlns:p="http://schemas.openxmlformats.org/presentationml/2006/main" xmlns:r="http://schemas.openxmlformats.org/officeDocument/2006/relationships" xmlns:p14="http://schemas.microsoft.com/office/powerpoint/2010/main" xmlns:p15="http://schemas.microsoft.com/office/powerpoint/2012/main" xmlns:mc="http://schemas.openxmlformats.org/markup-compatibility/2006" type="objAndTwoObj" preserve="1">
+  <p:cSld name="Title Content and 2 Content">
+    <p:spTree>
+      <p:nvGrpSpPr>
+        <p:cNvPr id="1" name=""/>
+        <p:cNvGrpSpPr/>
+        <p:nvPr/>
+      </p:nvGrpSpPr>
+      <p:grpSpPr>
+        <a:xfrm>
+          <a:off x="0" y="0"/>
+          <a:ext cx="0" cy="0"/>
+          <a:chOff x="0" y="0"/>
+          <a:chExt cx="0" cy="0"/>
+        </a:xfrm>
+      </p:grpSpPr>
+      <p:sp>
+        <p:nvSpPr>
+          <p:cNvPr id="107" name="PlaceHolder 1"/>
+          <p:cNvSpPr>
+            <a:spLocks noGrp="1"/>
+          </p:cNvSpPr>
+          <p:nvPr>
+            <p:ph type="title"/>
+          </p:nvPr>
+        </p:nvSpPr>
+        <p:spPr>
+          <a:xfrm>
+            <a:off x="457200" y="273600"/>
+            <a:ext cx="8229240" cy="1144800"/>
+          </a:xfrm>
+          <a:prstGeom prst="rect">
+            <a:avLst/>
+          </a:prstGeom>
+        </p:spPr>
+        <p:txBody>
+          <a:bodyPr lIns="0" rIns="0" tIns="0" bIns="0" anchor="ctr">
+            <a:noAutofit/>
+          </a:bodyPr>
+          <a:p>
+            <a:pPr algn="ctr"/>
+            <a:endParaRPr b="0" lang="en-US" sz="4400" spc="-1" strike="noStrike">
+              <a:latin typeface="Arial"/>
+            </a:endParaRPr>
+          </a:p>
+        </p:txBody>
+      </p:sp>
+      <p:sp>
+        <p:nvSpPr>
+          <p:cNvPr id="108" name="PlaceHolder 2"/>
+          <p:cNvSpPr>
+            <a:spLocks noGrp="1"/>
+          </p:cNvSpPr>
+          <p:nvPr>
+            <p:ph type="body"/>
+          </p:nvPr>
+        </p:nvSpPr>
+        <p:spPr>
+          <a:xfrm>
+            <a:off x="457200" y="1604520"/>
+            <a:ext cx="4015800" cy="3977280"/>
+          </a:xfrm>
+          <a:prstGeom prst="rect">
+            <a:avLst/>
+          </a:prstGeom>
+        </p:spPr>
+        <p:txBody>
+          <a:bodyPr lIns="0" rIns="0" tIns="0" bIns="0">
+            <a:normAutofit/>
+          </a:bodyPr>
+          <a:p>
+            <a:endParaRPr b="0" lang="en-US" sz="3200" spc="-1" strike="noStrike">
+              <a:latin typeface="Arial"/>
+            </a:endParaRPr>
+          </a:p>
+        </p:txBody>
+      </p:sp>
+      <p:sp>
+        <p:nvSpPr>
+          <p:cNvPr id="109" name="PlaceHolder 3"/>
+          <p:cNvSpPr>
+            <a:spLocks noGrp="1"/>
+          </p:cNvSpPr>
+          <p:nvPr>
+            <p:ph type="body"/>
+          </p:nvPr>
+        </p:nvSpPr>
+        <p:spPr>
+          <a:xfrm>
+            <a:off x="4674240" y="1604520"/>
+            <a:ext cx="4015800" cy="1896840"/>
+          </a:xfrm>
+          <a:prstGeom prst="rect">
+            <a:avLst/>
+          </a:prstGeom>
+        </p:spPr>
+        <p:txBody>
+          <a:bodyPr lIns="0" rIns="0" tIns="0" bIns="0">
+            <a:normAutofit/>
+          </a:bodyPr>
+          <a:p>
+            <a:endParaRPr b="0" lang="en-US" sz="3200" spc="-1" strike="noStrike">
+              <a:latin typeface="Arial"/>
+            </a:endParaRPr>
+          </a:p>
+        </p:txBody>
+      </p:sp>
+      <p:sp>
+        <p:nvSpPr>
+          <p:cNvPr id="110" name="PlaceHolder 4"/>
+          <p:cNvSpPr>
+            <a:spLocks noGrp="1"/>
+          </p:cNvSpPr>
+          <p:nvPr>
+            <p:ph type="body"/>
+          </p:nvPr>
+        </p:nvSpPr>
+        <p:spPr>
+          <a:xfrm>
+            <a:off x="4674240" y="3682080"/>
+            <a:ext cx="4015800" cy="1896840"/>
+          </a:xfrm>
+          <a:prstGeom prst="rect">
+            <a:avLst/>
+          </a:prstGeom>
+        </p:spPr>
+        <p:txBody>
+          <a:bodyPr lIns="0" rIns="0" tIns="0" bIns="0">
+            <a:normAutofit/>
+          </a:bodyPr>
+          <a:p>
+            <a:endParaRPr b="0" lang="en-US" sz="3200" spc="-1" strike="noStrike">
+              <a:latin typeface="Arial"/>
+            </a:endParaRPr>
+          </a:p>
+        </p:txBody>
+      </p:sp>
+    </p:spTree>
+  </p:cSld>
+</p:sldLayout>
+</file>
+
+<file path=ppt/slideLayouts/slideLayout33.xml><?xml version="1.0" encoding="utf-8"?>
+<p:sldLayout xmlns:a="http://schemas.openxmlformats.org/drawingml/2006/main" xmlns:p="http://schemas.openxmlformats.org/presentationml/2006/main" xmlns:r="http://schemas.openxmlformats.org/officeDocument/2006/relationships" xmlns:p14="http://schemas.microsoft.com/office/powerpoint/2010/main" xmlns:p15="http://schemas.microsoft.com/office/powerpoint/2012/main" xmlns:mc="http://schemas.openxmlformats.org/markup-compatibility/2006" type="twoObjOverTx" preserve="1">
+  <p:cSld name="Title, 2 Content over Content">
+    <p:spTree>
+      <p:nvGrpSpPr>
+        <p:cNvPr id="1" name=""/>
+        <p:cNvGrpSpPr/>
+        <p:nvPr/>
+      </p:nvGrpSpPr>
+      <p:grpSpPr>
+        <a:xfrm>
+          <a:off x="0" y="0"/>
+          <a:ext cx="0" cy="0"/>
+          <a:chOff x="0" y="0"/>
+          <a:chExt cx="0" cy="0"/>
+        </a:xfrm>
+      </p:grpSpPr>
+      <p:sp>
+        <p:nvSpPr>
+          <p:cNvPr id="111" name="PlaceHolder 1"/>
+          <p:cNvSpPr>
+            <a:spLocks noGrp="1"/>
+          </p:cNvSpPr>
+          <p:nvPr>
+            <p:ph type="title"/>
+          </p:nvPr>
+        </p:nvSpPr>
+        <p:spPr>
+          <a:xfrm>
+            <a:off x="457200" y="273600"/>
+            <a:ext cx="8229240" cy="1144800"/>
+          </a:xfrm>
+          <a:prstGeom prst="rect">
+            <a:avLst/>
+          </a:prstGeom>
+        </p:spPr>
+        <p:txBody>
+          <a:bodyPr lIns="0" rIns="0" tIns="0" bIns="0" anchor="ctr">
+            <a:noAutofit/>
+          </a:bodyPr>
+          <a:p>
+            <a:pPr algn="ctr"/>
+            <a:endParaRPr b="0" lang="en-US" sz="4400" spc="-1" strike="noStrike">
+              <a:latin typeface="Arial"/>
+            </a:endParaRPr>
+          </a:p>
+        </p:txBody>
+      </p:sp>
+      <p:sp>
+        <p:nvSpPr>
+          <p:cNvPr id="112" name="PlaceHolder 2"/>
+          <p:cNvSpPr>
+            <a:spLocks noGrp="1"/>
+          </p:cNvSpPr>
+          <p:nvPr>
+            <p:ph type="body"/>
+          </p:nvPr>
+        </p:nvSpPr>
+        <p:spPr>
+          <a:xfrm>
+            <a:off x="457200" y="1604520"/>
+            <a:ext cx="4015800" cy="1896840"/>
+          </a:xfrm>
+          <a:prstGeom prst="rect">
+            <a:avLst/>
+          </a:prstGeom>
+        </p:spPr>
+        <p:txBody>
+          <a:bodyPr lIns="0" rIns="0" tIns="0" bIns="0">
+            <a:normAutofit/>
+          </a:bodyPr>
+          <a:p>
+            <a:endParaRPr b="0" lang="en-US" sz="3200" spc="-1" strike="noStrike">
+              <a:latin typeface="Arial"/>
+            </a:endParaRPr>
+          </a:p>
+        </p:txBody>
+      </p:sp>
+      <p:sp>
+        <p:nvSpPr>
+          <p:cNvPr id="113" name="PlaceHolder 3"/>
+          <p:cNvSpPr>
+            <a:spLocks noGrp="1"/>
+          </p:cNvSpPr>
+          <p:nvPr>
+            <p:ph type="body"/>
+          </p:nvPr>
+        </p:nvSpPr>
+        <p:spPr>
+          <a:xfrm>
+            <a:off x="4674240" y="1604520"/>
+            <a:ext cx="4015800" cy="1896840"/>
+          </a:xfrm>
+          <a:prstGeom prst="rect">
+            <a:avLst/>
+          </a:prstGeom>
+        </p:spPr>
+        <p:txBody>
+          <a:bodyPr lIns="0" rIns="0" tIns="0" bIns="0">
+            <a:normAutofit/>
+          </a:bodyPr>
+          <a:p>
+            <a:endParaRPr b="0" lang="en-US" sz="3200" spc="-1" strike="noStrike">
+              <a:latin typeface="Arial"/>
+            </a:endParaRPr>
+          </a:p>
+        </p:txBody>
+      </p:sp>
+      <p:sp>
+        <p:nvSpPr>
+          <p:cNvPr id="114" name="PlaceHolder 4"/>
+          <p:cNvSpPr>
+            <a:spLocks noGrp="1"/>
+          </p:cNvSpPr>
+          <p:nvPr>
+            <p:ph type="body"/>
+          </p:nvPr>
+        </p:nvSpPr>
+        <p:spPr>
+          <a:xfrm>
+            <a:off x="457200" y="3682080"/>
+            <a:ext cx="8229240" cy="1896840"/>
+          </a:xfrm>
+          <a:prstGeom prst="rect">
+            <a:avLst/>
+          </a:prstGeom>
+        </p:spPr>
+        <p:txBody>
+          <a:bodyPr lIns="0" rIns="0" tIns="0" bIns="0">
+            <a:normAutofit/>
+          </a:bodyPr>
+          <a:p>
+            <a:endParaRPr b="0" lang="en-US" sz="3200" spc="-1" strike="noStrike">
+              <a:latin typeface="Arial"/>
+            </a:endParaRPr>
+          </a:p>
+        </p:txBody>
+      </p:sp>
+    </p:spTree>
+  </p:cSld>
+</p:sldLayout>
+</file>
+
+<file path=ppt/slideLayouts/slideLayout34.xml><?xml version="1.0" encoding="utf-8"?>
+<p:sldLayout xmlns:a="http://schemas.openxmlformats.org/drawingml/2006/main" xmlns:p="http://schemas.openxmlformats.org/presentationml/2006/main" xmlns:r="http://schemas.openxmlformats.org/officeDocument/2006/relationships" xmlns:p14="http://schemas.microsoft.com/office/powerpoint/2010/main" xmlns:p15="http://schemas.microsoft.com/office/powerpoint/2012/main" xmlns:mc="http://schemas.openxmlformats.org/markup-compatibility/2006" type="objOverTx" preserve="1">
+  <p:cSld name="Title, Content over Content">
+    <p:spTree>
+      <p:nvGrpSpPr>
+        <p:cNvPr id="1" name=""/>
+        <p:cNvGrpSpPr/>
+        <p:nvPr/>
+      </p:nvGrpSpPr>
+      <p:grpSpPr>
+        <a:xfrm>
+          <a:off x="0" y="0"/>
+          <a:ext cx="0" cy="0"/>
+          <a:chOff x="0" y="0"/>
+          <a:chExt cx="0" cy="0"/>
+        </a:xfrm>
+      </p:grpSpPr>
+      <p:sp>
+        <p:nvSpPr>
+          <p:cNvPr id="115" name="PlaceHolder 1"/>
+          <p:cNvSpPr>
+            <a:spLocks noGrp="1"/>
+          </p:cNvSpPr>
+          <p:nvPr>
+            <p:ph type="title"/>
+          </p:nvPr>
+        </p:nvSpPr>
+        <p:spPr>
+          <a:xfrm>
+            <a:off x="457200" y="273600"/>
+            <a:ext cx="8229240" cy="1144800"/>
+          </a:xfrm>
+          <a:prstGeom prst="rect">
+            <a:avLst/>
+          </a:prstGeom>
+        </p:spPr>
+        <p:txBody>
+          <a:bodyPr lIns="0" rIns="0" tIns="0" bIns="0" anchor="ctr">
+            <a:noAutofit/>
+          </a:bodyPr>
+          <a:p>
+            <a:pPr algn="ctr"/>
+            <a:endParaRPr b="0" lang="en-US" sz="4400" spc="-1" strike="noStrike">
+              <a:latin typeface="Arial"/>
+            </a:endParaRPr>
+          </a:p>
+        </p:txBody>
+      </p:sp>
+      <p:sp>
+        <p:nvSpPr>
+          <p:cNvPr id="116" name="PlaceHolder 2"/>
+          <p:cNvSpPr>
+            <a:spLocks noGrp="1"/>
+          </p:cNvSpPr>
+          <p:nvPr>
+            <p:ph type="body"/>
+          </p:nvPr>
+        </p:nvSpPr>
+        <p:spPr>
+          <a:xfrm>
+            <a:off x="457200" y="1604520"/>
+            <a:ext cx="8229240" cy="1896840"/>
+          </a:xfrm>
+          <a:prstGeom prst="rect">
+            <a:avLst/>
+          </a:prstGeom>
+        </p:spPr>
+        <p:txBody>
+          <a:bodyPr lIns="0" rIns="0" tIns="0" bIns="0">
+            <a:normAutofit/>
+          </a:bodyPr>
+          <a:p>
+            <a:endParaRPr b="0" lang="en-US" sz="3200" spc="-1" strike="noStrike">
+              <a:latin typeface="Arial"/>
+            </a:endParaRPr>
+          </a:p>
+        </p:txBody>
+      </p:sp>
+      <p:sp>
+        <p:nvSpPr>
+          <p:cNvPr id="117" name="PlaceHolder 3"/>
+          <p:cNvSpPr>
+            <a:spLocks noGrp="1"/>
+          </p:cNvSpPr>
+          <p:nvPr>
+            <p:ph type="body"/>
+          </p:nvPr>
+        </p:nvSpPr>
+        <p:spPr>
+          <a:xfrm>
+            <a:off x="457200" y="3682080"/>
+            <a:ext cx="8229240" cy="1896840"/>
+          </a:xfrm>
+          <a:prstGeom prst="rect">
+            <a:avLst/>
+          </a:prstGeom>
+        </p:spPr>
+        <p:txBody>
+          <a:bodyPr lIns="0" rIns="0" tIns="0" bIns="0">
+            <a:normAutofit/>
+          </a:bodyPr>
+          <a:p>
+            <a:endParaRPr b="0" lang="en-US" sz="3200" spc="-1" strike="noStrike">
+              <a:latin typeface="Arial"/>
+            </a:endParaRPr>
+          </a:p>
+        </p:txBody>
+      </p:sp>
+    </p:spTree>
+  </p:cSld>
+</p:sldLayout>
+</file>
+
+<file path=ppt/slideLayouts/slideLayout35.xml><?xml version="1.0" encoding="utf-8"?>
+<p:sldLayout xmlns:a="http://schemas.openxmlformats.org/drawingml/2006/main" xmlns:p="http://schemas.openxmlformats.org/presentationml/2006/main" xmlns:r="http://schemas.openxmlformats.org/officeDocument/2006/relationships" xmlns:p14="http://schemas.microsoft.com/office/powerpoint/2010/main" xmlns:p15="http://schemas.microsoft.com/office/powerpoint/2012/main" xmlns:mc="http://schemas.openxmlformats.org/markup-compatibility/2006" type="fourObj" preserve="1">
+  <p:cSld name="Title, 4 Content">
+    <p:spTree>
+      <p:nvGrpSpPr>
+        <p:cNvPr id="1" name=""/>
+        <p:cNvGrpSpPr/>
+        <p:nvPr/>
+      </p:nvGrpSpPr>
+      <p:grpSpPr>
+        <a:xfrm>
+          <a:off x="0" y="0"/>
+          <a:ext cx="0" cy="0"/>
+          <a:chOff x="0" y="0"/>
+          <a:chExt cx="0" cy="0"/>
+        </a:xfrm>
+      </p:grpSpPr>
+      <p:sp>
+        <p:nvSpPr>
+          <p:cNvPr id="118" name="PlaceHolder 1"/>
+          <p:cNvSpPr>
+            <a:spLocks noGrp="1"/>
+          </p:cNvSpPr>
+          <p:nvPr>
+            <p:ph type="title"/>
+          </p:nvPr>
+        </p:nvSpPr>
+        <p:spPr>
+          <a:xfrm>
+            <a:off x="457200" y="273600"/>
+            <a:ext cx="8229240" cy="1144800"/>
+          </a:xfrm>
+          <a:prstGeom prst="rect">
+            <a:avLst/>
+          </a:prstGeom>
+        </p:spPr>
+        <p:txBody>
+          <a:bodyPr lIns="0" rIns="0" tIns="0" bIns="0" anchor="ctr">
+            <a:noAutofit/>
+          </a:bodyPr>
+          <a:p>
+            <a:pPr algn="ctr"/>
+            <a:endParaRPr b="0" lang="en-US" sz="4400" spc="-1" strike="noStrike">
+              <a:latin typeface="Arial"/>
+            </a:endParaRPr>
+          </a:p>
+        </p:txBody>
+      </p:sp>
+      <p:sp>
+        <p:nvSpPr>
+          <p:cNvPr id="119" name="PlaceHolder 2"/>
+          <p:cNvSpPr>
+            <a:spLocks noGrp="1"/>
+          </p:cNvSpPr>
+          <p:nvPr>
+            <p:ph type="body"/>
+          </p:nvPr>
+        </p:nvSpPr>
+        <p:spPr>
+          <a:xfrm>
+            <a:off x="457200" y="1604520"/>
+            <a:ext cx="4015800" cy="1896840"/>
+          </a:xfrm>
+          <a:prstGeom prst="rect">
+            <a:avLst/>
+          </a:prstGeom>
+        </p:spPr>
+        <p:txBody>
+          <a:bodyPr lIns="0" rIns="0" tIns="0" bIns="0">
+            <a:normAutofit/>
+          </a:bodyPr>
+          <a:p>
+            <a:endParaRPr b="0" lang="en-US" sz="3200" spc="-1" strike="noStrike">
+              <a:latin typeface="Arial"/>
+            </a:endParaRPr>
+          </a:p>
+        </p:txBody>
+      </p:sp>
+      <p:sp>
+        <p:nvSpPr>
+          <p:cNvPr id="120" name="PlaceHolder 3"/>
+          <p:cNvSpPr>
+            <a:spLocks noGrp="1"/>
+          </p:cNvSpPr>
+          <p:nvPr>
+            <p:ph type="body"/>
+          </p:nvPr>
+        </p:nvSpPr>
+        <p:spPr>
+          <a:xfrm>
+            <a:off x="4674240" y="1604520"/>
+            <a:ext cx="4015800" cy="1896840"/>
+          </a:xfrm>
+          <a:prstGeom prst="rect">
+            <a:avLst/>
+          </a:prstGeom>
+        </p:spPr>
+        <p:txBody>
+          <a:bodyPr lIns="0" rIns="0" tIns="0" bIns="0">
+            <a:normAutofit/>
+          </a:bodyPr>
+          <a:p>
+            <a:endParaRPr b="0" lang="en-US" sz="3200" spc="-1" strike="noStrike">
+              <a:latin typeface="Arial"/>
+            </a:endParaRPr>
+          </a:p>
+        </p:txBody>
+      </p:sp>
+      <p:sp>
+        <p:nvSpPr>
+          <p:cNvPr id="121" name="PlaceHolder 4"/>
+          <p:cNvSpPr>
+            <a:spLocks noGrp="1"/>
+          </p:cNvSpPr>
+          <p:nvPr>
+            <p:ph type="body"/>
+          </p:nvPr>
+        </p:nvSpPr>
+        <p:spPr>
+          <a:xfrm>
+            <a:off x="457200" y="3682080"/>
+            <a:ext cx="4015800" cy="1896840"/>
+          </a:xfrm>
+          <a:prstGeom prst="rect">
+            <a:avLst/>
+          </a:prstGeom>
+        </p:spPr>
+        <p:txBody>
+          <a:bodyPr lIns="0" rIns="0" tIns="0" bIns="0">
+            <a:normAutofit/>
+          </a:bodyPr>
+          <a:p>
+            <a:endParaRPr b="0" lang="en-US" sz="3200" spc="-1" strike="noStrike">
+              <a:latin typeface="Arial"/>
+            </a:endParaRPr>
+          </a:p>
+        </p:txBody>
+      </p:sp>
+      <p:sp>
+        <p:nvSpPr>
+          <p:cNvPr id="122" name="PlaceHolder 5"/>
+          <p:cNvSpPr>
+            <a:spLocks noGrp="1"/>
+          </p:cNvSpPr>
+          <p:nvPr>
+            <p:ph type="body"/>
+          </p:nvPr>
+        </p:nvSpPr>
+        <p:spPr>
+          <a:xfrm>
+            <a:off x="4674240" y="3682080"/>
+            <a:ext cx="4015800" cy="1896840"/>
+          </a:xfrm>
+          <a:prstGeom prst="rect">
+            <a:avLst/>
+          </a:prstGeom>
+        </p:spPr>
+        <p:txBody>
+          <a:bodyPr lIns="0" rIns="0" tIns="0" bIns="0">
+            <a:normAutofit/>
+          </a:bodyPr>
+          <a:p>
+            <a:endParaRPr b="0" lang="en-US" sz="3200" spc="-1" strike="noStrike">
+              <a:latin typeface="Arial"/>
+            </a:endParaRPr>
+          </a:p>
+        </p:txBody>
+      </p:sp>
+    </p:spTree>
+  </p:cSld>
+</p:sldLayout>
+</file>
+
+<file path=ppt/slideLayouts/slideLayout36.xml><?xml version="1.0" encoding="utf-8"?>
+<p:sldLayout xmlns:a="http://schemas.openxmlformats.org/drawingml/2006/main" xmlns:p="http://schemas.openxmlformats.org/presentationml/2006/main" xmlns:r="http://schemas.openxmlformats.org/officeDocument/2006/relationships" xmlns:p14="http://schemas.microsoft.com/office/powerpoint/2010/main" xmlns:p15="http://schemas.microsoft.com/office/powerpoint/2012/main" xmlns:mc="http://schemas.openxmlformats.org/markup-compatibility/2006" type="blank" preserve="1">
+  <p:cSld name="Title, 6 Content">
+    <p:spTree>
+      <p:nvGrpSpPr>
+        <p:cNvPr id="1" name=""/>
+        <p:cNvGrpSpPr/>
+        <p:nvPr/>
+      </p:nvGrpSpPr>
+      <p:grpSpPr>
+        <a:xfrm>
+          <a:off x="0" y="0"/>
+          <a:ext cx="0" cy="0"/>
+          <a:chOff x="0" y="0"/>
+          <a:chExt cx="0" cy="0"/>
+        </a:xfrm>
+      </p:grpSpPr>
+      <p:sp>
+        <p:nvSpPr>
+          <p:cNvPr id="123" name="PlaceHolder 1"/>
+          <p:cNvSpPr>
+            <a:spLocks noGrp="1"/>
+          </p:cNvSpPr>
+          <p:nvPr>
+            <p:ph type="title"/>
+          </p:nvPr>
+        </p:nvSpPr>
+        <p:spPr>
+          <a:xfrm>
+            <a:off x="457200" y="273600"/>
+            <a:ext cx="8229240" cy="1144800"/>
+          </a:xfrm>
+          <a:prstGeom prst="rect">
+            <a:avLst/>
+          </a:prstGeom>
+        </p:spPr>
+        <p:txBody>
+          <a:bodyPr lIns="0" rIns="0" tIns="0" bIns="0" anchor="ctr">
+            <a:noAutofit/>
+          </a:bodyPr>
+          <a:p>
+            <a:pPr algn="ctr"/>
+            <a:endParaRPr b="0" lang="en-US" sz="4400" spc="-1" strike="noStrike">
+              <a:latin typeface="Arial"/>
+            </a:endParaRPr>
+          </a:p>
+        </p:txBody>
+      </p:sp>
+      <p:sp>
+        <p:nvSpPr>
+          <p:cNvPr id="124" name="PlaceHolder 2"/>
+          <p:cNvSpPr>
+            <a:spLocks noGrp="1"/>
+          </p:cNvSpPr>
+          <p:nvPr>
+            <p:ph type="body"/>
+          </p:nvPr>
+        </p:nvSpPr>
+        <p:spPr>
+          <a:xfrm>
+            <a:off x="457200" y="1604520"/>
+            <a:ext cx="2649600" cy="1896840"/>
+          </a:xfrm>
+          <a:prstGeom prst="rect">
+            <a:avLst/>
+          </a:prstGeom>
+        </p:spPr>
+        <p:txBody>
+          <a:bodyPr lIns="0" rIns="0" tIns="0" bIns="0">
+            <a:normAutofit/>
+          </a:bodyPr>
+          <a:p>
+            <a:endParaRPr b="0" lang="en-US" sz="3200" spc="-1" strike="noStrike">
+              <a:latin typeface="Arial"/>
+            </a:endParaRPr>
+          </a:p>
+        </p:txBody>
+      </p:sp>
+      <p:sp>
+        <p:nvSpPr>
+          <p:cNvPr id="125" name="PlaceHolder 3"/>
+          <p:cNvSpPr>
+            <a:spLocks noGrp="1"/>
+          </p:cNvSpPr>
+          <p:nvPr>
+            <p:ph type="body"/>
+          </p:nvPr>
+        </p:nvSpPr>
+        <p:spPr>
+          <a:xfrm>
+            <a:off x="3239640" y="1604520"/>
+            <a:ext cx="2649600" cy="1896840"/>
+          </a:xfrm>
+          <a:prstGeom prst="rect">
+            <a:avLst/>
+          </a:prstGeom>
+        </p:spPr>
+        <p:txBody>
+          <a:bodyPr lIns="0" rIns="0" tIns="0" bIns="0">
+            <a:normAutofit/>
+          </a:bodyPr>
+          <a:p>
+            <a:endParaRPr b="0" lang="en-US" sz="3200" spc="-1" strike="noStrike">
+              <a:latin typeface="Arial"/>
+            </a:endParaRPr>
+          </a:p>
+        </p:txBody>
+      </p:sp>
+      <p:sp>
+        <p:nvSpPr>
+          <p:cNvPr id="126" name="PlaceHolder 4"/>
+          <p:cNvSpPr>
+            <a:spLocks noGrp="1"/>
+          </p:cNvSpPr>
+          <p:nvPr>
+            <p:ph type="body"/>
+          </p:nvPr>
+        </p:nvSpPr>
+        <p:spPr>
+          <a:xfrm>
+            <a:off x="6022080" y="1604520"/>
+            <a:ext cx="2649600" cy="1896840"/>
+          </a:xfrm>
+          <a:prstGeom prst="rect">
+            <a:avLst/>
+          </a:prstGeom>
+        </p:spPr>
+        <p:txBody>
+          <a:bodyPr lIns="0" rIns="0" tIns="0" bIns="0">
+            <a:normAutofit/>
+          </a:bodyPr>
+          <a:p>
+            <a:endParaRPr b="0" lang="en-US" sz="3200" spc="-1" strike="noStrike">
+              <a:latin typeface="Arial"/>
+            </a:endParaRPr>
+          </a:p>
+        </p:txBody>
+      </p:sp>
+      <p:sp>
+        <p:nvSpPr>
+          <p:cNvPr id="127" name="PlaceHolder 5"/>
+          <p:cNvSpPr>
+            <a:spLocks noGrp="1"/>
+          </p:cNvSpPr>
+          <p:nvPr>
+            <p:ph type="body"/>
+          </p:nvPr>
+        </p:nvSpPr>
+        <p:spPr>
+          <a:xfrm>
+            <a:off x="457200" y="3682080"/>
+            <a:ext cx="2649600" cy="1896840"/>
+          </a:xfrm>
+          <a:prstGeom prst="rect">
+            <a:avLst/>
+          </a:prstGeom>
+        </p:spPr>
+        <p:txBody>
+          <a:bodyPr lIns="0" rIns="0" tIns="0" bIns="0">
+            <a:normAutofit/>
+          </a:bodyPr>
+          <a:p>
+            <a:endParaRPr b="0" lang="en-US" sz="3200" spc="-1" strike="noStrike">
+              <a:latin typeface="Arial"/>
+            </a:endParaRPr>
+          </a:p>
+        </p:txBody>
+      </p:sp>
+      <p:sp>
+        <p:nvSpPr>
+          <p:cNvPr id="128" name="PlaceHolder 6"/>
+          <p:cNvSpPr>
+            <a:spLocks noGrp="1"/>
+          </p:cNvSpPr>
+          <p:nvPr>
+            <p:ph type="body"/>
+          </p:nvPr>
+        </p:nvSpPr>
+        <p:spPr>
+          <a:xfrm>
+            <a:off x="3239640" y="3682080"/>
+            <a:ext cx="2649600" cy="1896840"/>
+          </a:xfrm>
+          <a:prstGeom prst="rect">
+            <a:avLst/>
+          </a:prstGeom>
+        </p:spPr>
+        <p:txBody>
+          <a:bodyPr lIns="0" rIns="0" tIns="0" bIns="0">
+            <a:normAutofit/>
+          </a:bodyPr>
+          <a:p>
+            <a:endParaRPr b="0" lang="en-US" sz="3200" spc="-1" strike="noStrike">
+              <a:latin typeface="Arial"/>
+            </a:endParaRPr>
+          </a:p>
+        </p:txBody>
+      </p:sp>
+      <p:sp>
+        <p:nvSpPr>
+          <p:cNvPr id="129" name="PlaceHolder 7"/>
+          <p:cNvSpPr>
+            <a:spLocks noGrp="1"/>
+          </p:cNvSpPr>
+          <p:nvPr>
+            <p:ph type="body"/>
+          </p:nvPr>
+        </p:nvSpPr>
+        <p:spPr>
+          <a:xfrm>
+            <a:off x="6022080" y="3682080"/>
+            <a:ext cx="2649600" cy="1896840"/>
           </a:xfrm>
           <a:prstGeom prst="rect">
             <a:avLst/>
@@ -6240,9 +7591,9 @@
         <p:grpSpPr>
           <a:xfrm>
             <a:off x="0" y="2438280"/>
-            <a:ext cx="8943120" cy="986760"/>
+            <a:ext cx="8942760" cy="986400"/>
             <a:chOff x="0" y="2438280"/>
-            <a:chExt cx="8943120" cy="986760"/>
+            <a:chExt cx="8942760" cy="986400"/>
           </a:xfrm>
         </p:grpSpPr>
         <p:grpSp>
@@ -6254,9 +7605,9 @@
           <p:grpSpPr>
             <a:xfrm>
               <a:off x="290520" y="2546280"/>
-              <a:ext cx="645480" cy="408960"/>
+              <a:ext cx="645120" cy="408600"/>
               <a:chOff x="290520" y="2546280"/>
-              <a:chExt cx="645480" cy="408960"/>
+              <a:chExt cx="645120" cy="408600"/>
             </a:xfrm>
           </p:grpSpPr>
           <p:sp>
@@ -6268,7 +7619,7 @@
             <p:spPr>
               <a:xfrm>
                 <a:off x="290520" y="2546280"/>
-                <a:ext cx="372240" cy="408960"/>
+                <a:ext cx="371880" cy="408600"/>
               </a:xfrm>
               <a:prstGeom prst="rect">
                 <a:avLst/>
@@ -6296,7 +7647,7 @@
             <p:spPr>
               <a:xfrm>
                 <a:off x="673200" y="2546280"/>
-                <a:ext cx="262800" cy="408960"/>
+                <a:ext cx="262440" cy="408600"/>
               </a:xfrm>
               <a:prstGeom prst="rect">
                 <a:avLst/>
@@ -6333,9 +7684,9 @@
           <p:grpSpPr>
             <a:xfrm>
               <a:off x="414360" y="2968560"/>
-              <a:ext cx="672120" cy="408960"/>
+              <a:ext cx="671760" cy="408600"/>
               <a:chOff x="414360" y="2968560"/>
-              <a:chExt cx="672120" cy="408960"/>
+              <a:chExt cx="671760" cy="408600"/>
             </a:xfrm>
           </p:grpSpPr>
           <p:sp>
@@ -6347,7 +7698,7 @@
             <p:spPr>
               <a:xfrm>
                 <a:off x="414360" y="2968560"/>
-                <a:ext cx="421200" cy="408960"/>
+                <a:ext cx="420840" cy="408600"/>
               </a:xfrm>
               <a:prstGeom prst="rect">
                 <a:avLst/>
@@ -6375,7 +7726,7 @@
             <p:spPr>
               <a:xfrm>
                 <a:off x="783360" y="2968560"/>
-                <a:ext cx="303120" cy="408960"/>
+                <a:ext cx="302760" cy="408600"/>
               </a:xfrm>
               <a:prstGeom prst="rect">
                 <a:avLst/>
@@ -6412,7 +7763,7 @@
           <p:spPr>
             <a:xfrm>
               <a:off x="0" y="2895480"/>
-              <a:ext cx="494640" cy="356760"/>
+              <a:ext cx="494280" cy="356400"/>
             </a:xfrm>
             <a:prstGeom prst="rect">
               <a:avLst/>
@@ -6448,7 +7799,7 @@
           <p:spPr>
             <a:xfrm>
               <a:off x="635040" y="2438280"/>
-              <a:ext cx="360" cy="986760"/>
+              <a:ext cx="360" cy="986400"/>
             </a:xfrm>
             <a:prstGeom prst="rect">
               <a:avLst/>
@@ -6475,8 +7826,8 @@
           </p:nvSpPr>
           <p:spPr>
             <a:xfrm flipV="1">
-              <a:off x="316080" y="3257640"/>
-              <a:ext cx="8627040" cy="360"/>
+              <a:off x="316080" y="3256560"/>
+              <a:ext cx="8626680" cy="360"/>
             </a:xfrm>
             <a:prstGeom prst="rect">
               <a:avLst/>
@@ -6516,25 +7867,32 @@
         </p:nvSpPr>
         <p:spPr>
           <a:xfrm>
-            <a:off x="610920" y="259920"/>
-            <a:ext cx="7855560" cy="799560"/>
+            <a:off x="457200" y="273600"/>
+            <a:ext cx="8229240" cy="1144800"/>
           </a:xfrm>
           <a:prstGeom prst="rect">
             <a:avLst/>
           </a:prstGeom>
         </p:spPr>
         <p:txBody>
-          <a:bodyPr lIns="0" rIns="0" tIns="0" bIns="0" anchor="ctr" anchorCtr="1">
+          <a:bodyPr lIns="0" rIns="0" tIns="0" bIns="0" anchor="ctr">
             <a:noAutofit/>
           </a:bodyPr>
           <a:p>
-            <a:r>
-              <a:rPr b="0" lang="en-US" sz="1800" spc="-1" strike="noStrike">
+            <a:pPr algn="ctr"/>
+            <a:r>
+              <a:rPr b="0" lang="en-US" sz="4400" spc="-1" strike="noStrike">
                 <a:latin typeface="Arial"/>
               </a:rPr>
-              <a:t>Click to edit the title text format</a:t>
-            </a:r>
-            <a:endParaRPr b="0" lang="en-US" sz="1800" spc="-1" strike="noStrike">
+              <a:t>Click to edit the title </a:t>
+            </a:r>
+            <a:r>
+              <a:rPr b="0" lang="en-US" sz="4400" spc="-1" strike="noStrike">
+                <a:latin typeface="Arial"/>
+              </a:rPr>
+              <a:t>text format</a:t>
+            </a:r>
+            <a:endParaRPr b="0" lang="en-US" sz="4400" spc="-1" strike="noStrike">
               <a:latin typeface="Arial"/>
             </a:endParaRPr>
           </a:p>
@@ -6552,8 +7910,8 @@
         </p:nvSpPr>
         <p:spPr>
           <a:xfrm>
-            <a:off x="674640" y="1400040"/>
-            <a:ext cx="7855920" cy="4398480"/>
+            <a:off x="457200" y="1604520"/>
+            <a:ext cx="8229240" cy="3977280"/>
           </a:xfrm>
           <a:prstGeom prst="rect">
             <a:avLst/>
@@ -6576,12 +7934,12 @@
               <a:buChar char=""/>
             </a:pPr>
             <a:r>
-              <a:rPr b="0" lang="en-US" sz="1800" spc="-1" strike="noStrike">
+              <a:rPr b="0" lang="en-US" sz="3200" spc="-1" strike="noStrike">
                 <a:latin typeface="Arial"/>
               </a:rPr>
               <a:t>Click to edit the outline text format</a:t>
             </a:r>
-            <a:endParaRPr b="0" lang="en-US" sz="1800" spc="-1" strike="noStrike">
+            <a:endParaRPr b="0" lang="en-US" sz="3200" spc="-1" strike="noStrike">
               <a:latin typeface="Arial"/>
             </a:endParaRPr>
           </a:p>
@@ -6598,12 +7956,12 @@
               <a:buChar char=""/>
             </a:pPr>
             <a:r>
-              <a:rPr b="0" lang="en-US" sz="1800" spc="-1" strike="noStrike">
+              <a:rPr b="0" lang="en-US" sz="2800" spc="-1" strike="noStrike">
                 <a:latin typeface="Arial"/>
               </a:rPr>
               <a:t>Second Outline Level</a:t>
             </a:r>
-            <a:endParaRPr b="0" lang="en-US" sz="1800" spc="-1" strike="noStrike">
+            <a:endParaRPr b="0" lang="en-US" sz="2800" spc="-1" strike="noStrike">
               <a:latin typeface="Arial"/>
             </a:endParaRPr>
           </a:p>
@@ -6620,12 +7978,12 @@
               <a:buChar char=""/>
             </a:pPr>
             <a:r>
-              <a:rPr b="0" lang="en-US" sz="1800" spc="-1" strike="noStrike">
+              <a:rPr b="0" lang="en-US" sz="2400" spc="-1" strike="noStrike">
                 <a:latin typeface="Arial"/>
               </a:rPr>
               <a:t>Third Outline Level</a:t>
             </a:r>
-            <a:endParaRPr b="0" lang="en-US" sz="1800" spc="-1" strike="noStrike">
+            <a:endParaRPr b="0" lang="en-US" sz="2400" spc="-1" strike="noStrike">
               <a:latin typeface="Arial"/>
             </a:endParaRPr>
           </a:p>
@@ -6642,12 +8000,12 @@
               <a:buChar char=""/>
             </a:pPr>
             <a:r>
-              <a:rPr b="0" lang="en-US" sz="1800" spc="-1" strike="noStrike">
+              <a:rPr b="0" lang="en-US" sz="2000" spc="-1" strike="noStrike">
                 <a:latin typeface="Arial"/>
               </a:rPr>
               <a:t>Fourth Outline Level</a:t>
             </a:r>
-            <a:endParaRPr b="0" lang="en-US" sz="1800" spc="-1" strike="noStrike">
+            <a:endParaRPr b="0" lang="en-US" sz="2000" spc="-1" strike="noStrike">
               <a:latin typeface="Arial"/>
             </a:endParaRPr>
           </a:p>
@@ -6664,12 +8022,12 @@
               <a:buChar char=""/>
             </a:pPr>
             <a:r>
-              <a:rPr b="0" lang="en-US" sz="1800" spc="-1" strike="noStrike">
+              <a:rPr b="0" lang="en-US" sz="2000" spc="-1" strike="noStrike">
                 <a:latin typeface="Arial"/>
               </a:rPr>
               <a:t>Fifth Outline Level</a:t>
             </a:r>
-            <a:endParaRPr b="0" lang="en-US" sz="1800" spc="-1" strike="noStrike">
+            <a:endParaRPr b="0" lang="en-US" sz="2000" spc="-1" strike="noStrike">
               <a:latin typeface="Arial"/>
             </a:endParaRPr>
           </a:p>
@@ -6686,12 +8044,12 @@
               <a:buChar char=""/>
             </a:pPr>
             <a:r>
-              <a:rPr b="0" lang="en-US" sz="1800" spc="-1" strike="noStrike">
+              <a:rPr b="0" lang="en-US" sz="2000" spc="-1" strike="noStrike">
                 <a:latin typeface="Arial"/>
               </a:rPr>
               <a:t>Sixth Outline Level</a:t>
             </a:r>
-            <a:endParaRPr b="0" lang="en-US" sz="1800" spc="-1" strike="noStrike">
+            <a:endParaRPr b="0" lang="en-US" sz="2000" spc="-1" strike="noStrike">
               <a:latin typeface="Arial"/>
             </a:endParaRPr>
           </a:p>
@@ -6708,12 +8066,12 @@
               <a:buChar char=""/>
             </a:pPr>
             <a:r>
-              <a:rPr b="0" lang="en-US" sz="1800" spc="-1" strike="noStrike">
+              <a:rPr b="0" lang="en-US" sz="2000" spc="-1" strike="noStrike">
                 <a:latin typeface="Arial"/>
               </a:rPr>
               <a:t>Seventh Outline Level</a:t>
             </a:r>
-            <a:endParaRPr b="0" lang="en-US" sz="1800" spc="-1" strike="noStrike">
+            <a:endParaRPr b="0" lang="en-US" sz="2000" spc="-1" strike="noStrike">
               <a:latin typeface="Arial"/>
             </a:endParaRPr>
           </a:p>
@@ -6772,9 +8130,9 @@
         <p:grpSpPr>
           <a:xfrm>
             <a:off x="189000" y="368280"/>
-            <a:ext cx="8160480" cy="986760"/>
+            <a:ext cx="8160120" cy="986400"/>
             <a:chOff x="189000" y="368280"/>
-            <a:chExt cx="8160480" cy="986760"/>
+            <a:chExt cx="8160120" cy="986400"/>
           </a:xfrm>
         </p:grpSpPr>
         <p:sp>
@@ -6786,7 +8144,7 @@
           <p:spPr>
             <a:xfrm>
               <a:off x="507960" y="368280"/>
-              <a:ext cx="360" cy="986760"/>
+              <a:ext cx="360" cy="986400"/>
             </a:xfrm>
             <a:prstGeom prst="rect">
               <a:avLst/>
@@ -6814,7 +8172,7 @@
           <p:spPr>
             <a:xfrm>
               <a:off x="189000" y="1158840"/>
-              <a:ext cx="8160480" cy="360"/>
+              <a:ext cx="8160120" cy="360"/>
             </a:xfrm>
             <a:prstGeom prst="rect">
               <a:avLst/>
@@ -6871,7 +8229,49 @@
               <a:rPr b="0" lang="en-US" sz="4400" spc="-1" strike="noStrike">
                 <a:latin typeface="Arial"/>
               </a:rPr>
-              <a:t>Click to edit the title text format</a:t>
+              <a:t>Click </a:t>
+            </a:r>
+            <a:r>
+              <a:rPr b="0" lang="en-US" sz="4400" spc="-1" strike="noStrike">
+                <a:latin typeface="Arial"/>
+              </a:rPr>
+              <a:t>to </a:t>
+            </a:r>
+            <a:r>
+              <a:rPr b="0" lang="en-US" sz="4400" spc="-1" strike="noStrike">
+                <a:latin typeface="Arial"/>
+              </a:rPr>
+              <a:t>edit </a:t>
+            </a:r>
+            <a:r>
+              <a:rPr b="0" lang="en-US" sz="4400" spc="-1" strike="noStrike">
+                <a:latin typeface="Arial"/>
+              </a:rPr>
+              <a:t>the </a:t>
+            </a:r>
+            <a:r>
+              <a:rPr b="0" lang="en-US" sz="4400" spc="-1" strike="noStrike">
+                <a:latin typeface="Arial"/>
+              </a:rPr>
+              <a:t>title </a:t>
+            </a:r>
+            <a:r>
+              <a:rPr b="0" lang="en-US" sz="4400" spc="-1" strike="noStrike">
+                <a:latin typeface="Arial"/>
+              </a:rPr>
+              <a:t>text </a:t>
+            </a:r>
+            <a:r>
+              <a:rPr b="0" lang="en-US" sz="4400" spc="-1" strike="noStrike">
+                <a:latin typeface="Arial"/>
+              </a:rPr>
+              <a:t>form</a:t>
+            </a:r>
+            <a:r>
+              <a:rPr b="0" lang="en-US" sz="4400" spc="-1" strike="noStrike">
+                <a:latin typeface="Arial"/>
+              </a:rPr>
+              <a:t>at</a:t>
             </a:r>
             <a:endParaRPr b="0" lang="en-US" sz="4400" spc="-1" strike="noStrike">
               <a:latin typeface="Arial"/>
@@ -7074,6 +8474,356 @@
     <p:sldLayoutId id="2147483671" r:id="rId11"/>
     <p:sldLayoutId id="2147483672" r:id="rId12"/>
     <p:sldLayoutId id="2147483673" r:id="rId13"/>
+  </p:sldLayoutIdLst>
+</p:sldMaster>
+</file>
+
+<file path=ppt/slideMasters/slideMaster3.xml><?xml version="1.0" encoding="utf-8"?>
+<p:sldMaster xmlns:a="http://schemas.openxmlformats.org/drawingml/2006/main" xmlns:p="http://schemas.openxmlformats.org/presentationml/2006/main" xmlns:r="http://schemas.openxmlformats.org/officeDocument/2006/relationships" xmlns:p14="http://schemas.microsoft.com/office/powerpoint/2010/main" xmlns:p15="http://schemas.microsoft.com/office/powerpoint/2012/main" xmlns:mc="http://schemas.openxmlformats.org/markup-compatibility/2006">
+  <p:cSld>
+    <p:bg>
+      <p:bgPr>
+        <a:solidFill>
+          <a:srgbClr val="ffffff"/>
+        </a:solidFill>
+      </p:bgPr>
+    </p:bg>
+    <p:spTree>
+      <p:nvGrpSpPr>
+        <p:cNvPr id="1" name=""/>
+        <p:cNvGrpSpPr/>
+        <p:nvPr/>
+      </p:nvGrpSpPr>
+      <p:grpSpPr>
+        <a:xfrm>
+          <a:off x="0" y="0"/>
+          <a:ext cx="0" cy="0"/>
+          <a:chOff x="0" y="0"/>
+          <a:chExt cx="0" cy="0"/>
+        </a:xfrm>
+      </p:grpSpPr>
+      <p:grpSp>
+        <p:nvGrpSpPr>
+          <p:cNvPr id="89" name="Group 1"/>
+          <p:cNvGrpSpPr/>
+          <p:nvPr/>
+        </p:nvGrpSpPr>
+        <p:grpSpPr>
+          <a:xfrm>
+            <a:off x="189000" y="368280"/>
+            <a:ext cx="8160120" cy="986400"/>
+            <a:chOff x="189000" y="368280"/>
+            <a:chExt cx="8160120" cy="986400"/>
+          </a:xfrm>
+        </p:grpSpPr>
+        <p:sp>
+          <p:nvSpPr>
+            <p:cNvPr id="90" name="CustomShape 2"/>
+            <p:cNvSpPr/>
+            <p:nvPr/>
+          </p:nvSpPr>
+          <p:spPr>
+            <a:xfrm>
+              <a:off x="507960" y="368280"/>
+              <a:ext cx="360" cy="986400"/>
+            </a:xfrm>
+            <a:prstGeom prst="rect">
+              <a:avLst/>
+            </a:prstGeom>
+            <a:solidFill>
+              <a:srgbClr val="808080"/>
+            </a:solidFill>
+            <a:ln>
+              <a:noFill/>
+            </a:ln>
+          </p:spPr>
+          <p:style>
+            <a:lnRef idx="0"/>
+            <a:fillRef idx="0"/>
+            <a:effectRef idx="0"/>
+            <a:fontRef idx="minor"/>
+          </p:style>
+        </p:sp>
+        <p:sp>
+          <p:nvSpPr>
+            <p:cNvPr id="91" name="CustomShape 3"/>
+            <p:cNvSpPr/>
+            <p:nvPr/>
+          </p:nvSpPr>
+          <p:spPr>
+            <a:xfrm>
+              <a:off x="189000" y="1158840"/>
+              <a:ext cx="8160120" cy="360"/>
+            </a:xfrm>
+            <a:prstGeom prst="rect">
+              <a:avLst/>
+            </a:prstGeom>
+            <a:gradFill rotWithShape="0">
+              <a:gsLst>
+                <a:gs pos="0">
+                  <a:srgbClr val="1c1c1c"/>
+                </a:gs>
+                <a:gs pos="100000">
+                  <a:srgbClr val="ffffff"/>
+                </a:gs>
+              </a:gsLst>
+              <a:lin ang="10800000"/>
+            </a:gradFill>
+            <a:ln>
+              <a:noFill/>
+            </a:ln>
+          </p:spPr>
+          <p:style>
+            <a:lnRef idx="0"/>
+            <a:fillRef idx="0"/>
+            <a:effectRef idx="0"/>
+            <a:fontRef idx="minor"/>
+          </p:style>
+        </p:sp>
+      </p:grpSp>
+      <p:sp>
+        <p:nvSpPr>
+          <p:cNvPr id="92" name="PlaceHolder 4"/>
+          <p:cNvSpPr>
+            <a:spLocks noGrp="1"/>
+          </p:cNvSpPr>
+          <p:nvPr>
+            <p:ph type="title"/>
+          </p:nvPr>
+        </p:nvSpPr>
+        <p:spPr>
+          <a:xfrm>
+            <a:off x="457200" y="273600"/>
+            <a:ext cx="8228880" cy="1144440"/>
+          </a:xfrm>
+          <a:prstGeom prst="rect">
+            <a:avLst/>
+          </a:prstGeom>
+        </p:spPr>
+        <p:txBody>
+          <a:bodyPr lIns="0" rIns="0" tIns="0" bIns="0" anchor="ctr">
+            <a:noAutofit/>
+          </a:bodyPr>
+          <a:p>
+            <a:r>
+              <a:rPr b="0" lang="en-US" sz="1800" spc="-1" strike="noStrike">
+                <a:latin typeface="Arial"/>
+              </a:rPr>
+              <a:t>Click to edit </a:t>
+            </a:r>
+            <a:r>
+              <a:rPr b="0" lang="en-US" sz="1800" spc="-1" strike="noStrike">
+                <a:latin typeface="Arial"/>
+              </a:rPr>
+              <a:t>the title text </a:t>
+            </a:r>
+            <a:r>
+              <a:rPr b="0" lang="en-US" sz="1800" spc="-1" strike="noStrike">
+                <a:latin typeface="Arial"/>
+              </a:rPr>
+              <a:t>format</a:t>
+            </a:r>
+            <a:endParaRPr b="0" lang="en-US" sz="1800" spc="-1" strike="noStrike">
+              <a:latin typeface="Arial"/>
+            </a:endParaRPr>
+          </a:p>
+        </p:txBody>
+      </p:sp>
+      <p:sp>
+        <p:nvSpPr>
+          <p:cNvPr id="93" name="PlaceHolder 5"/>
+          <p:cNvSpPr>
+            <a:spLocks noGrp="1"/>
+          </p:cNvSpPr>
+          <p:nvPr>
+            <p:ph type="body"/>
+          </p:nvPr>
+        </p:nvSpPr>
+        <p:spPr>
+          <a:xfrm>
+            <a:off x="457200" y="1604520"/>
+            <a:ext cx="8229240" cy="3977280"/>
+          </a:xfrm>
+          <a:prstGeom prst="rect">
+            <a:avLst/>
+          </a:prstGeom>
+        </p:spPr>
+        <p:txBody>
+          <a:bodyPr lIns="0" rIns="0" tIns="0" bIns="0">
+            <a:normAutofit/>
+          </a:bodyPr>
+          <a:p>
+            <a:pPr marL="432000" indent="-324000">
+              <a:spcBef>
+                <a:spcPts val="1417"/>
+              </a:spcBef>
+              <a:buClr>
+                <a:srgbClr val="000000"/>
+              </a:buClr>
+              <a:buSzPct val="45000"/>
+              <a:buFont typeface="Wingdings" charset="2"/>
+              <a:buChar char=""/>
+            </a:pPr>
+            <a:r>
+              <a:rPr b="0" lang="en-US" sz="3200" spc="-1" strike="noStrike">
+                <a:latin typeface="Arial"/>
+              </a:rPr>
+              <a:t>Click to edit the outline text format</a:t>
+            </a:r>
+            <a:endParaRPr b="0" lang="en-US" sz="3200" spc="-1" strike="noStrike">
+              <a:latin typeface="Arial"/>
+            </a:endParaRPr>
+          </a:p>
+          <a:p>
+            <a:pPr lvl="1" marL="864000" indent="-324000">
+              <a:spcBef>
+                <a:spcPts val="1134"/>
+              </a:spcBef>
+              <a:buClr>
+                <a:srgbClr val="000000"/>
+              </a:buClr>
+              <a:buSzPct val="75000"/>
+              <a:buFont typeface="Symbol" charset="2"/>
+              <a:buChar char=""/>
+            </a:pPr>
+            <a:r>
+              <a:rPr b="0" lang="en-US" sz="2800" spc="-1" strike="noStrike">
+                <a:latin typeface="Arial"/>
+              </a:rPr>
+              <a:t>Second Outline Level</a:t>
+            </a:r>
+            <a:endParaRPr b="0" lang="en-US" sz="2800" spc="-1" strike="noStrike">
+              <a:latin typeface="Arial"/>
+            </a:endParaRPr>
+          </a:p>
+          <a:p>
+            <a:pPr lvl="2" marL="1296000" indent="-288000">
+              <a:spcBef>
+                <a:spcPts val="850"/>
+              </a:spcBef>
+              <a:buClr>
+                <a:srgbClr val="000000"/>
+              </a:buClr>
+              <a:buSzPct val="45000"/>
+              <a:buFont typeface="Wingdings" charset="2"/>
+              <a:buChar char=""/>
+            </a:pPr>
+            <a:r>
+              <a:rPr b="0" lang="en-US" sz="2400" spc="-1" strike="noStrike">
+                <a:latin typeface="Arial"/>
+              </a:rPr>
+              <a:t>Third Outline Level</a:t>
+            </a:r>
+            <a:endParaRPr b="0" lang="en-US" sz="2400" spc="-1" strike="noStrike">
+              <a:latin typeface="Arial"/>
+            </a:endParaRPr>
+          </a:p>
+          <a:p>
+            <a:pPr lvl="3" marL="1728000" indent="-216000">
+              <a:spcBef>
+                <a:spcPts val="567"/>
+              </a:spcBef>
+              <a:buClr>
+                <a:srgbClr val="000000"/>
+              </a:buClr>
+              <a:buSzPct val="75000"/>
+              <a:buFont typeface="Symbol" charset="2"/>
+              <a:buChar char=""/>
+            </a:pPr>
+            <a:r>
+              <a:rPr b="0" lang="en-US" sz="2000" spc="-1" strike="noStrike">
+                <a:latin typeface="Arial"/>
+              </a:rPr>
+              <a:t>Fourth Outline Level</a:t>
+            </a:r>
+            <a:endParaRPr b="0" lang="en-US" sz="2000" spc="-1" strike="noStrike">
+              <a:latin typeface="Arial"/>
+            </a:endParaRPr>
+          </a:p>
+          <a:p>
+            <a:pPr lvl="4" marL="2160000" indent="-216000">
+              <a:spcBef>
+                <a:spcPts val="283"/>
+              </a:spcBef>
+              <a:buClr>
+                <a:srgbClr val="000000"/>
+              </a:buClr>
+              <a:buSzPct val="45000"/>
+              <a:buFont typeface="Wingdings" charset="2"/>
+              <a:buChar char=""/>
+            </a:pPr>
+            <a:r>
+              <a:rPr b="0" lang="en-US" sz="2000" spc="-1" strike="noStrike">
+                <a:latin typeface="Arial"/>
+              </a:rPr>
+              <a:t>Fifth Outline Level</a:t>
+            </a:r>
+            <a:endParaRPr b="0" lang="en-US" sz="2000" spc="-1" strike="noStrike">
+              <a:latin typeface="Arial"/>
+            </a:endParaRPr>
+          </a:p>
+          <a:p>
+            <a:pPr lvl="5" marL="2592000" indent="-216000">
+              <a:spcBef>
+                <a:spcPts val="283"/>
+              </a:spcBef>
+              <a:buClr>
+                <a:srgbClr val="000000"/>
+              </a:buClr>
+              <a:buSzPct val="45000"/>
+              <a:buFont typeface="Wingdings" charset="2"/>
+              <a:buChar char=""/>
+            </a:pPr>
+            <a:r>
+              <a:rPr b="0" lang="en-US" sz="2000" spc="-1" strike="noStrike">
+                <a:latin typeface="Arial"/>
+              </a:rPr>
+              <a:t>Sixth Outline Level</a:t>
+            </a:r>
+            <a:endParaRPr b="0" lang="en-US" sz="2000" spc="-1" strike="noStrike">
+              <a:latin typeface="Arial"/>
+            </a:endParaRPr>
+          </a:p>
+          <a:p>
+            <a:pPr lvl="6" marL="3024000" indent="-216000">
+              <a:spcBef>
+                <a:spcPts val="283"/>
+              </a:spcBef>
+              <a:buClr>
+                <a:srgbClr val="000000"/>
+              </a:buClr>
+              <a:buSzPct val="45000"/>
+              <a:buFont typeface="Wingdings" charset="2"/>
+              <a:buChar char=""/>
+            </a:pPr>
+            <a:r>
+              <a:rPr b="0" lang="en-US" sz="2000" spc="-1" strike="noStrike">
+                <a:latin typeface="Arial"/>
+              </a:rPr>
+              <a:t>Seventh Outline Level</a:t>
+            </a:r>
+            <a:endParaRPr b="0" lang="en-US" sz="2000" spc="-1" strike="noStrike">
+              <a:latin typeface="Arial"/>
+            </a:endParaRPr>
+          </a:p>
+        </p:txBody>
+      </p:sp>
+    </p:spTree>
+  </p:cSld>
+  <p:clrMap bg1="lt1" bg2="lt2" tx1="dk1" tx2="dk2" accent1="accent1" accent2="accent2" accent3="accent3" accent4="accent4" accent5="accent5" accent6="accent6" hlink="hlink" folHlink="folHlink"/>
+  <p:sldLayoutIdLst>
+    <p:sldLayoutId id="2147483675" r:id="rId2"/>
+    <p:sldLayoutId id="2147483676" r:id="rId3"/>
+    <p:sldLayoutId id="2147483677" r:id="rId4"/>
+    <p:sldLayoutId id="2147483678" r:id="rId5"/>
+    <p:sldLayoutId id="2147483679" r:id="rId6"/>
+    <p:sldLayoutId id="2147483680" r:id="rId7"/>
+    <p:sldLayoutId id="2147483681" r:id="rId8"/>
+    <p:sldLayoutId id="2147483682" r:id="rId9"/>
+    <p:sldLayoutId id="2147483683" r:id="rId10"/>
+    <p:sldLayoutId id="2147483684" r:id="rId11"/>
+    <p:sldLayoutId id="2147483685" r:id="rId12"/>
+    <p:sldLayoutId id="2147483686" r:id="rId13"/>
   </p:sldLayoutIdLst>
 </p:sldMaster>
 </file>
@@ -7104,14 +8854,14 @@
       </p:grpSpPr>
       <p:sp>
         <p:nvSpPr>
-          <p:cNvPr id="95" name="CustomShape 1"/>
+          <p:cNvPr id="136" name="CustomShape 1"/>
           <p:cNvSpPr/>
           <p:nvPr/>
         </p:nvSpPr>
         <p:spPr>
           <a:xfrm>
             <a:off x="990720" y="1676160"/>
-            <a:ext cx="7446240" cy="1461240"/>
+            <a:ext cx="7445880" cy="1460880"/>
           </a:xfrm>
           <a:prstGeom prst="rect">
             <a:avLst/>
@@ -7193,14 +8943,14 @@
       </p:sp>
       <p:sp>
         <p:nvSpPr>
-          <p:cNvPr id="96" name="CustomShape 2"/>
+          <p:cNvPr id="137" name="CustomShape 2"/>
           <p:cNvSpPr/>
           <p:nvPr/>
         </p:nvSpPr>
         <p:spPr>
           <a:xfrm>
             <a:off x="1371600" y="3886200"/>
-            <a:ext cx="6400080" cy="1751760"/>
+            <a:ext cx="6399720" cy="1751400"/>
           </a:xfrm>
           <a:prstGeom prst="rect">
             <a:avLst/>
@@ -7363,14 +9113,14 @@
       </p:grpSpPr>
       <p:sp>
         <p:nvSpPr>
-          <p:cNvPr id="135" name="CustomShape 1"/>
+          <p:cNvPr id="176" name="CustomShape 1"/>
           <p:cNvSpPr/>
           <p:nvPr/>
         </p:nvSpPr>
         <p:spPr>
           <a:xfrm>
             <a:off x="611280" y="260280"/>
-            <a:ext cx="7890480" cy="834480"/>
+            <a:ext cx="7890120" cy="834120"/>
           </a:xfrm>
           <a:prstGeom prst="rect">
             <a:avLst/>
@@ -7452,14 +9202,14 @@
       </p:sp>
       <p:sp>
         <p:nvSpPr>
-          <p:cNvPr id="136" name="CustomShape 2"/>
+          <p:cNvPr id="177" name="CustomShape 2"/>
           <p:cNvSpPr/>
           <p:nvPr/>
         </p:nvSpPr>
         <p:spPr>
           <a:xfrm>
             <a:off x="674280" y="1399680"/>
-            <a:ext cx="8286120" cy="5092200"/>
+            <a:ext cx="8285760" cy="5091840"/>
           </a:xfrm>
           <a:prstGeom prst="rect">
             <a:avLst/>
@@ -7480,7 +9230,7 @@
             <a:normAutofit/>
           </a:bodyPr>
           <a:p>
-            <a:pPr marL="342720" indent="-307080">
+            <a:pPr marL="342720" indent="-306720">
               <a:lnSpc>
                 <a:spcPct val="100000"/>
               </a:lnSpc>
@@ -7506,7 +9256,7 @@
             </a:endParaRPr>
           </a:p>
           <a:p>
-            <a:pPr marL="342720" indent="-307080">
+            <a:pPr marL="342720" indent="-306720">
               <a:lnSpc>
                 <a:spcPct val="100000"/>
               </a:lnSpc>
@@ -7562,7 +9312,7 @@
             </a:endParaRPr>
           </a:p>
           <a:p>
-            <a:pPr marL="342720" indent="-307080">
+            <a:pPr marL="342720" indent="-306720">
               <a:lnSpc>
                 <a:spcPct val="100000"/>
               </a:lnSpc>
@@ -7608,7 +9358,7 @@
             </a:endParaRPr>
           </a:p>
           <a:p>
-            <a:pPr marL="342720" indent="-307080">
+            <a:pPr marL="342720" indent="-306720">
               <a:lnSpc>
                 <a:spcPct val="100000"/>
               </a:lnSpc>
@@ -7624,7 +9374,7 @@
             </a:endParaRPr>
           </a:p>
           <a:p>
-            <a:pPr marL="342720" indent="-307080">
+            <a:pPr marL="342720" indent="-306720">
               <a:lnSpc>
                 <a:spcPct val="100000"/>
               </a:lnSpc>
@@ -7670,7 +9420,7 @@
             </a:endParaRPr>
           </a:p>
           <a:p>
-            <a:pPr marL="342720" indent="-307080">
+            <a:pPr marL="342720" indent="-306720">
               <a:lnSpc>
                 <a:spcPct val="100000"/>
               </a:lnSpc>
@@ -7686,7 +9436,7 @@
             </a:endParaRPr>
           </a:p>
           <a:p>
-            <a:pPr marL="342720" indent="-307080">
+            <a:pPr marL="342720" indent="-306720">
               <a:lnSpc>
                 <a:spcPct val="100000"/>
               </a:lnSpc>
@@ -7732,7 +9482,7 @@
             </a:endParaRPr>
           </a:p>
           <a:p>
-            <a:pPr marL="342720" indent="-307080">
+            <a:pPr marL="342720" indent="-306720">
               <a:lnSpc>
                 <a:spcPct val="100000"/>
               </a:lnSpc>
@@ -7768,7 +9518,7 @@
             </a:endParaRPr>
           </a:p>
           <a:p>
-            <a:pPr marL="342720" indent="-307080">
+            <a:pPr marL="342720" indent="-306720">
               <a:lnSpc>
                 <a:spcPct val="100000"/>
               </a:lnSpc>
@@ -7824,7 +9574,7 @@
             </a:endParaRPr>
           </a:p>
           <a:p>
-            <a:pPr marL="342720" indent="-307080">
+            <a:pPr marL="342720" indent="-306720">
               <a:lnSpc>
                 <a:spcPct val="100000"/>
               </a:lnSpc>
@@ -7880,14 +9630,14 @@
       </p:grpSpPr>
       <p:sp>
         <p:nvSpPr>
-          <p:cNvPr id="137" name="CustomShape 1"/>
+          <p:cNvPr id="178" name="CustomShape 1"/>
           <p:cNvSpPr/>
           <p:nvPr/>
         </p:nvSpPr>
         <p:spPr>
           <a:xfrm>
             <a:off x="611280" y="274320"/>
-            <a:ext cx="7890480" cy="834120"/>
+            <a:ext cx="7890120" cy="833760"/>
           </a:xfrm>
           <a:prstGeom prst="rect">
             <a:avLst/>
@@ -7989,14 +9739,14 @@
       </p:sp>
       <p:sp>
         <p:nvSpPr>
-          <p:cNvPr id="138" name="CustomShape 2"/>
+          <p:cNvPr id="179" name="CustomShape 2"/>
           <p:cNvSpPr/>
           <p:nvPr/>
         </p:nvSpPr>
         <p:spPr>
           <a:xfrm>
             <a:off x="674640" y="1109160"/>
-            <a:ext cx="8011440" cy="5092200"/>
+            <a:ext cx="8011080" cy="5091840"/>
           </a:xfrm>
           <a:prstGeom prst="rect">
             <a:avLst/>
@@ -8017,7 +9767,7 @@
             <a:normAutofit/>
           </a:bodyPr>
           <a:p>
-            <a:pPr marL="342720" indent="-307080" algn="ctr">
+            <a:pPr marL="342720" indent="-306720" algn="ctr">
               <a:lnSpc>
                 <a:spcPct val="100000"/>
               </a:lnSpc>
@@ -8043,7 +9793,7 @@
             </a:endParaRPr>
           </a:p>
           <a:p>
-            <a:pPr marL="342720" indent="-307080" algn="ctr">
+            <a:pPr marL="342720" indent="-306720" algn="ctr">
               <a:lnSpc>
                 <a:spcPct val="100000"/>
               </a:lnSpc>
@@ -8059,7 +9809,7 @@
             </a:endParaRPr>
           </a:p>
           <a:p>
-            <a:pPr marL="342720" indent="-307080" algn="ctr">
+            <a:pPr marL="342720" indent="-306720" algn="ctr">
               <a:lnSpc>
                 <a:spcPct val="100000"/>
               </a:lnSpc>
@@ -8075,7 +9825,7 @@
             </a:endParaRPr>
           </a:p>
           <a:p>
-            <a:pPr marL="342720" indent="-307080" algn="ctr">
+            <a:pPr marL="342720" indent="-306720" algn="ctr">
               <a:lnSpc>
                 <a:spcPct val="100000"/>
               </a:lnSpc>
@@ -8091,7 +9841,7 @@
             </a:endParaRPr>
           </a:p>
           <a:p>
-            <a:pPr marL="342720" indent="-307080" algn="ctr">
+            <a:pPr marL="342720" indent="-306720" algn="ctr">
               <a:lnSpc>
                 <a:spcPct val="100000"/>
               </a:lnSpc>
@@ -8107,7 +9857,7 @@
             </a:endParaRPr>
           </a:p>
           <a:p>
-            <a:pPr marL="342720" indent="-307080" algn="ctr">
+            <a:pPr marL="342720" indent="-306720" algn="ctr">
               <a:lnSpc>
                 <a:spcPct val="100000"/>
               </a:lnSpc>
@@ -8123,7 +9873,7 @@
             </a:endParaRPr>
           </a:p>
           <a:p>
-            <a:pPr marL="342720" indent="-307080" algn="ctr">
+            <a:pPr marL="342720" indent="-306720" algn="ctr">
               <a:lnSpc>
                 <a:spcPct val="100000"/>
               </a:lnSpc>
@@ -8139,7 +9889,7 @@
             </a:endParaRPr>
           </a:p>
           <a:p>
-            <a:pPr marL="342720" indent="-307080" algn="ctr">
+            <a:pPr marL="342720" indent="-306720" algn="ctr">
               <a:lnSpc>
                 <a:spcPct val="100000"/>
               </a:lnSpc>
@@ -8155,7 +9905,7 @@
             </a:endParaRPr>
           </a:p>
           <a:p>
-            <a:pPr marL="342720" indent="-307080" algn="ctr">
+            <a:pPr marL="342720" indent="-306720" algn="ctr">
               <a:lnSpc>
                 <a:spcPct val="100000"/>
               </a:lnSpc>
@@ -8171,7 +9921,7 @@
             </a:endParaRPr>
           </a:p>
           <a:p>
-            <a:pPr marL="342720" indent="-307080">
+            <a:pPr marL="342720" indent="-306720">
               <a:lnSpc>
                 <a:spcPct val="100000"/>
               </a:lnSpc>
@@ -8187,7 +9937,7 @@
             </a:endParaRPr>
           </a:p>
           <a:p>
-            <a:pPr marL="342720" indent="-307080">
+            <a:pPr marL="342720" indent="-306720">
               <a:lnSpc>
                 <a:spcPct val="100000"/>
               </a:lnSpc>
@@ -8203,7 +9953,7 @@
             </a:endParaRPr>
           </a:p>
           <a:p>
-            <a:pPr marL="342720" indent="-307080" algn="ctr">
+            <a:pPr marL="342720" indent="-306720" algn="ctr">
               <a:lnSpc>
                 <a:spcPct val="100000"/>
               </a:lnSpc>
@@ -8222,14 +9972,14 @@
       </p:sp>
       <p:sp>
         <p:nvSpPr>
-          <p:cNvPr id="139" name="CustomShape 3"/>
+          <p:cNvPr id="180" name="CustomShape 3"/>
           <p:cNvSpPr/>
           <p:nvPr/>
         </p:nvSpPr>
         <p:spPr>
           <a:xfrm>
             <a:off x="674640" y="1797120"/>
-            <a:ext cx="8046360" cy="4404600"/>
+            <a:ext cx="8046000" cy="4404240"/>
           </a:xfrm>
           <a:custGeom>
             <a:avLst/>
@@ -9122,14 +10872,14 @@
       </p:grpSpPr>
       <p:sp>
         <p:nvSpPr>
-          <p:cNvPr id="140" name="CustomShape 1"/>
+          <p:cNvPr id="181" name="CustomShape 1"/>
           <p:cNvSpPr/>
           <p:nvPr/>
         </p:nvSpPr>
         <p:spPr>
           <a:xfrm>
             <a:off x="611280" y="274320"/>
-            <a:ext cx="7890480" cy="834120"/>
+            <a:ext cx="7890120" cy="833760"/>
           </a:xfrm>
           <a:prstGeom prst="rect">
             <a:avLst/>
@@ -9211,14 +10961,14 @@
       </p:sp>
       <p:sp>
         <p:nvSpPr>
-          <p:cNvPr id="141" name="CustomShape 2"/>
+          <p:cNvPr id="182" name="CustomShape 2"/>
           <p:cNvSpPr/>
           <p:nvPr/>
         </p:nvSpPr>
         <p:spPr>
           <a:xfrm>
             <a:off x="674640" y="1109160"/>
-            <a:ext cx="8011440" cy="5092200"/>
+            <a:ext cx="8011080" cy="5091840"/>
           </a:xfrm>
           <a:prstGeom prst="rect">
             <a:avLst/>
@@ -9239,7 +10989,7 @@
             <a:normAutofit/>
           </a:bodyPr>
           <a:p>
-            <a:pPr marL="342720" indent="-307080" algn="ctr">
+            <a:pPr marL="342720" indent="-306720" algn="ctr">
               <a:lnSpc>
                 <a:spcPct val="100000"/>
               </a:lnSpc>
@@ -9285,7 +11035,7 @@
             </a:endParaRPr>
           </a:p>
           <a:p>
-            <a:pPr marL="342720" indent="-307080" algn="ctr">
+            <a:pPr marL="342720" indent="-306720" algn="ctr">
               <a:lnSpc>
                 <a:spcPct val="100000"/>
               </a:lnSpc>
@@ -9301,7 +11051,7 @@
             </a:endParaRPr>
           </a:p>
           <a:p>
-            <a:pPr marL="342720" indent="-307080" algn="ctr">
+            <a:pPr marL="342720" indent="-306720" algn="ctr">
               <a:lnSpc>
                 <a:spcPct val="100000"/>
               </a:lnSpc>
@@ -9317,7 +11067,7 @@
             </a:endParaRPr>
           </a:p>
           <a:p>
-            <a:pPr marL="342720" indent="-307080" algn="ctr">
+            <a:pPr marL="342720" indent="-306720" algn="ctr">
               <a:lnSpc>
                 <a:spcPct val="100000"/>
               </a:lnSpc>
@@ -9333,7 +11083,7 @@
             </a:endParaRPr>
           </a:p>
           <a:p>
-            <a:pPr marL="342720" indent="-307080" algn="ctr">
+            <a:pPr marL="342720" indent="-306720" algn="ctr">
               <a:lnSpc>
                 <a:spcPct val="100000"/>
               </a:lnSpc>
@@ -9349,7 +11099,7 @@
             </a:endParaRPr>
           </a:p>
           <a:p>
-            <a:pPr marL="342720" indent="-307080" algn="ctr">
+            <a:pPr marL="342720" indent="-306720" algn="ctr">
               <a:lnSpc>
                 <a:spcPct val="100000"/>
               </a:lnSpc>
@@ -9365,7 +11115,7 @@
             </a:endParaRPr>
           </a:p>
           <a:p>
-            <a:pPr marL="342720" indent="-307080" algn="ctr">
+            <a:pPr marL="342720" indent="-306720" algn="ctr">
               <a:lnSpc>
                 <a:spcPct val="100000"/>
               </a:lnSpc>
@@ -9381,7 +11131,7 @@
             </a:endParaRPr>
           </a:p>
           <a:p>
-            <a:pPr marL="342720" indent="-307080" algn="ctr">
+            <a:pPr marL="342720" indent="-306720" algn="ctr">
               <a:lnSpc>
                 <a:spcPct val="100000"/>
               </a:lnSpc>
@@ -9397,7 +11147,7 @@
             </a:endParaRPr>
           </a:p>
           <a:p>
-            <a:pPr marL="342720" indent="-307080" algn="ctr">
+            <a:pPr marL="342720" indent="-306720" algn="ctr">
               <a:lnSpc>
                 <a:spcPct val="100000"/>
               </a:lnSpc>
@@ -9413,7 +11163,7 @@
             </a:endParaRPr>
           </a:p>
           <a:p>
-            <a:pPr marL="342720" indent="-307080">
+            <a:pPr marL="342720" indent="-306720">
               <a:lnSpc>
                 <a:spcPct val="100000"/>
               </a:lnSpc>
@@ -9429,7 +11179,7 @@
             </a:endParaRPr>
           </a:p>
           <a:p>
-            <a:pPr marL="342720" indent="-307080">
+            <a:pPr marL="342720" indent="-306720">
               <a:lnSpc>
                 <a:spcPct val="100000"/>
               </a:lnSpc>
@@ -9445,7 +11195,7 @@
             </a:endParaRPr>
           </a:p>
           <a:p>
-            <a:pPr marL="342720" indent="-307080" algn="ctr">
+            <a:pPr marL="342720" indent="-306720" algn="ctr">
               <a:lnSpc>
                 <a:spcPct val="100000"/>
               </a:lnSpc>
@@ -9464,14 +11214,14 @@
       </p:sp>
       <p:sp>
         <p:nvSpPr>
-          <p:cNvPr id="142" name="CustomShape 3"/>
+          <p:cNvPr id="183" name="CustomShape 3"/>
           <p:cNvSpPr/>
           <p:nvPr/>
         </p:nvSpPr>
         <p:spPr>
           <a:xfrm>
             <a:off x="674640" y="1833480"/>
-            <a:ext cx="8046360" cy="4006080"/>
+            <a:ext cx="8046000" cy="4005720"/>
           </a:xfrm>
           <a:custGeom>
             <a:avLst/>
@@ -10296,14 +12046,14 @@
       </p:grpSpPr>
       <p:sp>
         <p:nvSpPr>
-          <p:cNvPr id="143" name="CustomShape 1"/>
+          <p:cNvPr id="184" name="CustomShape 1"/>
           <p:cNvSpPr/>
           <p:nvPr/>
         </p:nvSpPr>
         <p:spPr>
           <a:xfrm>
             <a:off x="611280" y="260280"/>
-            <a:ext cx="7890480" cy="834480"/>
+            <a:ext cx="7890120" cy="834120"/>
           </a:xfrm>
           <a:prstGeom prst="rect">
             <a:avLst/>
@@ -10385,14 +12135,14 @@
       </p:sp>
       <p:sp>
         <p:nvSpPr>
-          <p:cNvPr id="144" name="CustomShape 2"/>
+          <p:cNvPr id="185" name="CustomShape 2"/>
           <p:cNvSpPr/>
           <p:nvPr/>
         </p:nvSpPr>
         <p:spPr>
           <a:xfrm>
             <a:off x="674280" y="1039320"/>
-            <a:ext cx="7890840" cy="945720"/>
+            <a:ext cx="7890480" cy="945360"/>
           </a:xfrm>
           <a:prstGeom prst="rect">
             <a:avLst/>
@@ -10413,7 +12163,7 @@
             <a:normAutofit/>
           </a:bodyPr>
           <a:p>
-            <a:pPr marL="342720" indent="-307080">
+            <a:pPr marL="342720" indent="-306720">
               <a:lnSpc>
                 <a:spcPct val="100000"/>
               </a:lnSpc>
@@ -10480,7 +12230,7 @@
             </a:endParaRPr>
           </a:p>
           <a:p>
-            <a:pPr marL="342720" indent="-307080">
+            <a:pPr marL="342720" indent="-306720">
               <a:lnSpc>
                 <a:spcPct val="100000"/>
               </a:lnSpc>
@@ -10499,14 +12249,14 @@
       </p:sp>
       <p:sp>
         <p:nvSpPr>
-          <p:cNvPr id="145" name="CustomShape 3"/>
+          <p:cNvPr id="186" name="CustomShape 3"/>
           <p:cNvSpPr/>
           <p:nvPr/>
         </p:nvSpPr>
         <p:spPr>
           <a:xfrm>
             <a:off x="674640" y="1906560"/>
-            <a:ext cx="7890840" cy="4663440"/>
+            <a:ext cx="7890480" cy="4663080"/>
           </a:xfrm>
           <a:custGeom>
             <a:avLst/>
@@ -11507,14 +13257,14 @@
       </p:grpSpPr>
       <p:sp>
         <p:nvSpPr>
-          <p:cNvPr id="146" name="CustomShape 1"/>
+          <p:cNvPr id="187" name="CustomShape 1"/>
           <p:cNvSpPr/>
           <p:nvPr/>
         </p:nvSpPr>
         <p:spPr>
           <a:xfrm>
             <a:off x="611280" y="260280"/>
-            <a:ext cx="7890480" cy="834480"/>
+            <a:ext cx="7890120" cy="834120"/>
           </a:xfrm>
           <a:prstGeom prst="rect">
             <a:avLst/>
@@ -11596,14 +13346,14 @@
       </p:sp>
       <p:sp>
         <p:nvSpPr>
-          <p:cNvPr id="147" name="CustomShape 2"/>
+          <p:cNvPr id="188" name="CustomShape 2"/>
           <p:cNvSpPr/>
           <p:nvPr/>
         </p:nvSpPr>
         <p:spPr>
           <a:xfrm>
             <a:off x="674280" y="1255680"/>
-            <a:ext cx="7890840" cy="2256840"/>
+            <a:ext cx="7890480" cy="2256480"/>
           </a:xfrm>
           <a:prstGeom prst="rect">
             <a:avLst/>
@@ -11621,10 +13371,10 @@
         </p:style>
         <p:txBody>
           <a:bodyPr lIns="90000" rIns="90000" tIns="46800" bIns="46800">
-            <a:normAutofit fontScale="97000"/>
+            <a:normAutofit fontScale="91000"/>
           </a:bodyPr>
           <a:p>
-            <a:pPr marL="342720" indent="-307080">
+            <a:pPr marL="342720" indent="-306720">
               <a:lnSpc>
                 <a:spcPct val="100000"/>
               </a:lnSpc>
@@ -11663,7 +13413,7 @@
             </a:endParaRPr>
           </a:p>
           <a:p>
-            <a:pPr marL="342720" indent="-307080">
+            <a:pPr marL="342720" indent="-306720">
               <a:lnSpc>
                 <a:spcPct val="100000"/>
               </a:lnSpc>
@@ -11699,7 +13449,7 @@
             </a:endParaRPr>
           </a:p>
           <a:p>
-            <a:pPr marL="342720" indent="-307080">
+            <a:pPr marL="342720" indent="-306720">
               <a:lnSpc>
                 <a:spcPct val="100000"/>
               </a:lnSpc>
@@ -11735,7 +13485,7 @@
             </a:endParaRPr>
           </a:p>
           <a:p>
-            <a:pPr marL="342720" indent="-307080">
+            <a:pPr marL="342720" indent="-306720">
               <a:lnSpc>
                 <a:spcPct val="100000"/>
               </a:lnSpc>
@@ -11761,13 +13511,16 @@
             </a:endParaRPr>
           </a:p>
           <a:p>
-            <a:pPr marL="342720" indent="-307080">
+            <a:pPr marL="342720" indent="-306720">
               <a:lnSpc>
                 <a:spcPct val="100000"/>
               </a:lnSpc>
               <a:spcBef>
-                <a:spcPts val="598"/>
+                <a:spcPts val="595"/>
               </a:spcBef>
+              <a:spcAft>
+                <a:spcPts val="567"/>
+              </a:spcAft>
               <a:tabLst>
                 <a:tab algn="l" pos="0"/>
               </a:tabLst>
@@ -11787,7 +13540,7 @@
             </a:endParaRPr>
           </a:p>
           <a:p>
-            <a:pPr marL="342720" indent="-307080">
+            <a:pPr marL="342720" indent="-306720">
               <a:lnSpc>
                 <a:spcPct val="100000"/>
               </a:lnSpc>
@@ -11806,14 +13559,14 @@
       </p:sp>
       <p:sp>
         <p:nvSpPr>
-          <p:cNvPr id="148" name="CustomShape 3"/>
+          <p:cNvPr id="189" name="CustomShape 3"/>
           <p:cNvSpPr/>
           <p:nvPr/>
         </p:nvSpPr>
         <p:spPr>
           <a:xfrm>
             <a:off x="731880" y="3474720"/>
-            <a:ext cx="7890840" cy="2922120"/>
+            <a:ext cx="7890480" cy="2921760"/>
           </a:xfrm>
           <a:custGeom>
             <a:avLst/>
@@ -12484,14 +14237,14 @@
       </p:grpSpPr>
       <p:sp>
         <p:nvSpPr>
-          <p:cNvPr id="149" name="CustomShape 1"/>
+          <p:cNvPr id="190" name="CustomShape 1"/>
           <p:cNvSpPr/>
           <p:nvPr/>
         </p:nvSpPr>
         <p:spPr>
           <a:xfrm>
             <a:off x="611280" y="260280"/>
-            <a:ext cx="7890480" cy="834480"/>
+            <a:ext cx="7890120" cy="834120"/>
           </a:xfrm>
           <a:prstGeom prst="rect">
             <a:avLst/>
@@ -12615,14 +14368,14 @@
       </p:sp>
       <p:sp>
         <p:nvSpPr>
-          <p:cNvPr id="150" name="CustomShape 2"/>
+          <p:cNvPr id="191" name="CustomShape 2"/>
           <p:cNvSpPr/>
           <p:nvPr/>
         </p:nvSpPr>
         <p:spPr>
           <a:xfrm>
             <a:off x="674280" y="1292040"/>
-            <a:ext cx="7890840" cy="1267560"/>
+            <a:ext cx="7890480" cy="1267200"/>
           </a:xfrm>
           <a:prstGeom prst="rect">
             <a:avLst/>
@@ -12643,7 +14396,7 @@
             <a:normAutofit/>
           </a:bodyPr>
           <a:p>
-            <a:pPr marL="342720" indent="-307080">
+            <a:pPr marL="342720" indent="-306720">
               <a:lnSpc>
                 <a:spcPct val="100000"/>
               </a:lnSpc>
@@ -12689,7 +14442,7 @@
             </a:endParaRPr>
           </a:p>
           <a:p>
-            <a:pPr marL="342720" indent="-307080" algn="ctr">
+            <a:pPr marL="342720" indent="-306720" algn="ctr">
               <a:lnSpc>
                 <a:spcPct val="100000"/>
               </a:lnSpc>
@@ -12718,14 +14471,14 @@
       </p:sp>
       <p:sp>
         <p:nvSpPr>
-          <p:cNvPr id="151" name="CustomShape 3"/>
+          <p:cNvPr id="192" name="CustomShape 3"/>
           <p:cNvSpPr/>
           <p:nvPr/>
         </p:nvSpPr>
         <p:spPr>
           <a:xfrm>
             <a:off x="639720" y="2377440"/>
-            <a:ext cx="8229960" cy="3291840"/>
+            <a:ext cx="8229600" cy="3291480"/>
           </a:xfrm>
           <a:custGeom>
             <a:avLst/>
@@ -13357,14 +15110,14 @@
       </p:sp>
       <p:sp>
         <p:nvSpPr>
-          <p:cNvPr id="152" name="CustomShape 4"/>
+          <p:cNvPr id="193" name="CustomShape 4"/>
           <p:cNvSpPr/>
           <p:nvPr/>
         </p:nvSpPr>
         <p:spPr>
           <a:xfrm>
             <a:off x="365760" y="5487840"/>
-            <a:ext cx="8503920" cy="1096560"/>
+            <a:ext cx="8503560" cy="1096200"/>
           </a:xfrm>
           <a:custGeom>
             <a:avLst/>
@@ -13565,14 +15318,14 @@
       </p:sp>
       <p:sp>
         <p:nvSpPr>
-          <p:cNvPr id="153" name="CustomShape 5"/>
+          <p:cNvPr id="194" name="CustomShape 5"/>
           <p:cNvSpPr/>
           <p:nvPr/>
         </p:nvSpPr>
         <p:spPr>
           <a:xfrm>
             <a:off x="4027320" y="3339360"/>
-            <a:ext cx="1828080" cy="394560"/>
+            <a:ext cx="1827720" cy="394200"/>
           </a:xfrm>
           <a:custGeom>
             <a:avLst/>
@@ -13677,14 +15430,14 @@
       </p:sp>
       <p:sp>
         <p:nvSpPr>
-          <p:cNvPr id="154" name="CustomShape 6"/>
+          <p:cNvPr id="195" name="CustomShape 6"/>
           <p:cNvSpPr/>
           <p:nvPr/>
         </p:nvSpPr>
         <p:spPr>
           <a:xfrm>
             <a:off x="5708160" y="3339360"/>
-            <a:ext cx="1828080" cy="394560"/>
+            <a:ext cx="1827720" cy="394200"/>
           </a:xfrm>
           <a:custGeom>
             <a:avLst/>
@@ -13789,7 +15542,7 @@
       </p:sp>
       <p:sp>
         <p:nvSpPr>
-          <p:cNvPr id="155" name="Line 7"/>
+          <p:cNvPr id="196" name="Line 7"/>
           <p:cNvSpPr/>
           <p:nvPr/>
         </p:nvSpPr>
@@ -13818,7 +15571,7 @@
       </p:sp>
       <p:sp>
         <p:nvSpPr>
-          <p:cNvPr id="156" name="Line 8"/>
+          <p:cNvPr id="197" name="Line 8"/>
           <p:cNvSpPr/>
           <p:nvPr/>
         </p:nvSpPr>
@@ -13884,14 +15637,14 @@
       </p:grpSpPr>
       <p:sp>
         <p:nvSpPr>
-          <p:cNvPr id="157" name="CustomShape 1"/>
+          <p:cNvPr id="198" name="CustomShape 1"/>
           <p:cNvSpPr/>
           <p:nvPr/>
         </p:nvSpPr>
         <p:spPr>
           <a:xfrm>
             <a:off x="611280" y="260280"/>
-            <a:ext cx="7890480" cy="834480"/>
+            <a:ext cx="7890120" cy="834120"/>
           </a:xfrm>
           <a:prstGeom prst="rect">
             <a:avLst/>
@@ -14015,14 +15768,14 @@
       </p:sp>
       <p:sp>
         <p:nvSpPr>
-          <p:cNvPr id="158" name="CustomShape 2"/>
+          <p:cNvPr id="199" name="CustomShape 2"/>
           <p:cNvSpPr/>
           <p:nvPr/>
         </p:nvSpPr>
         <p:spPr>
           <a:xfrm>
             <a:off x="674280" y="1292400"/>
-            <a:ext cx="7890840" cy="992880"/>
+            <a:ext cx="7890480" cy="992520"/>
           </a:xfrm>
           <a:prstGeom prst="rect">
             <a:avLst/>
@@ -14043,7 +15796,7 @@
             <a:normAutofit/>
           </a:bodyPr>
           <a:p>
-            <a:pPr marL="342720" indent="-340560">
+            <a:pPr marL="342720" indent="-340200">
               <a:lnSpc>
                 <a:spcPct val="100000"/>
               </a:lnSpc>
@@ -14112,14 +15865,14 @@
       </p:sp>
       <p:sp>
         <p:nvSpPr>
-          <p:cNvPr id="159" name="CustomShape 3"/>
+          <p:cNvPr id="200" name="CustomShape 3"/>
           <p:cNvSpPr/>
           <p:nvPr/>
         </p:nvSpPr>
         <p:spPr>
           <a:xfrm>
             <a:off x="639720" y="2658960"/>
-            <a:ext cx="7890840" cy="2834640"/>
+            <a:ext cx="7890480" cy="2834280"/>
           </a:xfrm>
           <a:custGeom>
             <a:avLst/>
@@ -14527,14 +16280,14 @@
       </p:sp>
       <p:sp>
         <p:nvSpPr>
-          <p:cNvPr id="160" name="CustomShape 4"/>
+          <p:cNvPr id="201" name="CustomShape 4"/>
           <p:cNvSpPr/>
           <p:nvPr/>
         </p:nvSpPr>
         <p:spPr>
           <a:xfrm>
             <a:off x="731880" y="5487840"/>
-            <a:ext cx="7771680" cy="1096560"/>
+            <a:ext cx="7771320" cy="1096200"/>
           </a:xfrm>
           <a:custGeom>
             <a:avLst/>
@@ -14677,14 +16430,14 @@
       </p:sp>
       <p:sp>
         <p:nvSpPr>
-          <p:cNvPr id="161" name="CustomShape 5"/>
+          <p:cNvPr id="202" name="CustomShape 5"/>
           <p:cNvSpPr/>
           <p:nvPr/>
         </p:nvSpPr>
         <p:spPr>
           <a:xfrm>
             <a:off x="2190600" y="3843360"/>
-            <a:ext cx="1828080" cy="394560"/>
+            <a:ext cx="1827720" cy="394200"/>
           </a:xfrm>
           <a:custGeom>
             <a:avLst/>
@@ -14789,14 +16542,14 @@
       </p:sp>
       <p:sp>
         <p:nvSpPr>
-          <p:cNvPr id="162" name="CustomShape 6"/>
+          <p:cNvPr id="203" name="CustomShape 6"/>
           <p:cNvSpPr/>
           <p:nvPr/>
         </p:nvSpPr>
         <p:spPr>
           <a:xfrm>
             <a:off x="4232160" y="3843360"/>
-            <a:ext cx="1828080" cy="394560"/>
+            <a:ext cx="1827720" cy="394200"/>
           </a:xfrm>
           <a:custGeom>
             <a:avLst/>
@@ -14901,7 +16654,7 @@
       </p:sp>
       <p:sp>
         <p:nvSpPr>
-          <p:cNvPr id="163" name="Line 7"/>
+          <p:cNvPr id="204" name="Line 7"/>
           <p:cNvSpPr/>
           <p:nvPr/>
         </p:nvSpPr>
@@ -14930,7 +16683,7 @@
       </p:sp>
       <p:sp>
         <p:nvSpPr>
-          <p:cNvPr id="164" name="Line 8"/>
+          <p:cNvPr id="205" name="Line 8"/>
           <p:cNvSpPr/>
           <p:nvPr/>
         </p:nvSpPr>
@@ -14959,7 +16712,7 @@
       </p:sp>
       <p:sp>
         <p:nvSpPr>
-          <p:cNvPr id="165" name="Line 9"/>
+          <p:cNvPr id="206" name="Line 9"/>
           <p:cNvSpPr/>
           <p:nvPr/>
         </p:nvSpPr>
@@ -14988,14 +16741,14 @@
       </p:sp>
       <p:sp>
         <p:nvSpPr>
-          <p:cNvPr id="166" name="CustomShape 10"/>
+          <p:cNvPr id="207" name="CustomShape 10"/>
           <p:cNvSpPr/>
           <p:nvPr/>
         </p:nvSpPr>
         <p:spPr>
           <a:xfrm>
             <a:off x="5955480" y="3830760"/>
-            <a:ext cx="1828080" cy="394560"/>
+            <a:ext cx="1827720" cy="394200"/>
           </a:xfrm>
           <a:custGeom>
             <a:avLst/>
@@ -15137,14 +16890,14 @@
       </p:grpSpPr>
       <p:sp>
         <p:nvSpPr>
-          <p:cNvPr id="167" name="CustomShape 1"/>
+          <p:cNvPr id="208" name="CustomShape 1"/>
           <p:cNvSpPr/>
           <p:nvPr/>
         </p:nvSpPr>
         <p:spPr>
           <a:xfrm>
             <a:off x="611280" y="260280"/>
-            <a:ext cx="7890480" cy="834480"/>
+            <a:ext cx="7890120" cy="834120"/>
           </a:xfrm>
           <a:prstGeom prst="rect">
             <a:avLst/>
@@ -15226,14 +16979,14 @@
       </p:sp>
       <p:sp>
         <p:nvSpPr>
-          <p:cNvPr id="168" name="CustomShape 2"/>
+          <p:cNvPr id="209" name="CustomShape 2"/>
           <p:cNvSpPr/>
           <p:nvPr/>
         </p:nvSpPr>
         <p:spPr>
           <a:xfrm>
             <a:off x="674280" y="1292040"/>
-            <a:ext cx="7890840" cy="1267560"/>
+            <a:ext cx="7890480" cy="1267200"/>
           </a:xfrm>
           <a:prstGeom prst="rect">
             <a:avLst/>
@@ -15340,14 +17093,14 @@
       </p:sp>
       <p:sp>
         <p:nvSpPr>
-          <p:cNvPr id="169" name="CustomShape 3"/>
+          <p:cNvPr id="210" name="CustomShape 3"/>
           <p:cNvSpPr/>
           <p:nvPr/>
         </p:nvSpPr>
         <p:spPr>
           <a:xfrm>
             <a:off x="457200" y="2363760"/>
-            <a:ext cx="8171640" cy="3121920"/>
+            <a:ext cx="8171280" cy="3121560"/>
           </a:xfrm>
           <a:custGeom>
             <a:avLst/>
@@ -15969,14 +17722,14 @@
       </p:sp>
       <p:sp>
         <p:nvSpPr>
-          <p:cNvPr id="170" name="CustomShape 4"/>
+          <p:cNvPr id="211" name="CustomShape 4"/>
           <p:cNvSpPr/>
           <p:nvPr/>
         </p:nvSpPr>
         <p:spPr>
           <a:xfrm>
             <a:off x="457200" y="5640480"/>
-            <a:ext cx="6674760" cy="577080"/>
+            <a:ext cx="6674400" cy="576720"/>
           </a:xfrm>
           <a:custGeom>
             <a:avLst/>
@@ -16102,7 +17855,7 @@
       </p:sp>
       <p:sp>
         <p:nvSpPr>
-          <p:cNvPr id="171" name="Line 5"/>
+          <p:cNvPr id="212" name="Line 5"/>
           <p:cNvSpPr/>
           <p:nvPr/>
         </p:nvSpPr>
@@ -16168,14 +17921,14 @@
       </p:grpSpPr>
       <p:sp>
         <p:nvSpPr>
-          <p:cNvPr id="172" name="CustomShape 1"/>
+          <p:cNvPr id="213" name="CustomShape 1"/>
           <p:cNvSpPr/>
           <p:nvPr/>
         </p:nvSpPr>
         <p:spPr>
           <a:xfrm>
             <a:off x="611280" y="260280"/>
-            <a:ext cx="7890480" cy="834480"/>
+            <a:ext cx="7890120" cy="834120"/>
           </a:xfrm>
           <a:prstGeom prst="rect">
             <a:avLst/>
@@ -16257,14 +18010,14 @@
       </p:sp>
       <p:sp>
         <p:nvSpPr>
-          <p:cNvPr id="173" name="CustomShape 2"/>
+          <p:cNvPr id="214" name="CustomShape 2"/>
           <p:cNvSpPr/>
           <p:nvPr/>
         </p:nvSpPr>
         <p:spPr>
           <a:xfrm>
             <a:off x="674280" y="1292040"/>
-            <a:ext cx="7890840" cy="1267560"/>
+            <a:ext cx="7890480" cy="1267200"/>
           </a:xfrm>
           <a:prstGeom prst="rect">
             <a:avLst/>
@@ -16361,14 +18114,14 @@
       </p:sp>
       <p:sp>
         <p:nvSpPr>
-          <p:cNvPr id="174" name="CustomShape 3"/>
+          <p:cNvPr id="215" name="CustomShape 3"/>
           <p:cNvSpPr/>
           <p:nvPr/>
         </p:nvSpPr>
         <p:spPr>
           <a:xfrm>
             <a:off x="457200" y="2363760"/>
-            <a:ext cx="8171640" cy="2939400"/>
+            <a:ext cx="8171280" cy="2939040"/>
           </a:xfrm>
           <a:custGeom>
             <a:avLst/>
@@ -17010,14 +18763,14 @@
       </p:sp>
       <p:sp>
         <p:nvSpPr>
-          <p:cNvPr id="175" name="CustomShape 4"/>
+          <p:cNvPr id="216" name="CustomShape 4"/>
           <p:cNvSpPr/>
           <p:nvPr/>
         </p:nvSpPr>
         <p:spPr>
           <a:xfrm>
             <a:off x="863640" y="5761080"/>
-            <a:ext cx="6674760" cy="577080"/>
+            <a:ext cx="6674400" cy="576720"/>
           </a:xfrm>
           <a:custGeom>
             <a:avLst/>
@@ -17122,7 +18875,7 @@
       </p:sp>
       <p:sp>
         <p:nvSpPr>
-          <p:cNvPr id="176" name="Line 5"/>
+          <p:cNvPr id="217" name="Line 5"/>
           <p:cNvSpPr/>
           <p:nvPr/>
         </p:nvSpPr>
@@ -17188,14 +18941,14 @@
       </p:grpSpPr>
       <p:sp>
         <p:nvSpPr>
-          <p:cNvPr id="177" name="CustomShape 1"/>
+          <p:cNvPr id="218" name="CustomShape 1"/>
           <p:cNvSpPr/>
           <p:nvPr/>
         </p:nvSpPr>
         <p:spPr>
           <a:xfrm>
             <a:off x="611280" y="260280"/>
-            <a:ext cx="7890480" cy="834480"/>
+            <a:ext cx="7890120" cy="834120"/>
           </a:xfrm>
           <a:prstGeom prst="rect">
             <a:avLst/>
@@ -17277,14 +19030,14 @@
       </p:sp>
       <p:sp>
         <p:nvSpPr>
-          <p:cNvPr id="178" name="CustomShape 2"/>
+          <p:cNvPr id="219" name="CustomShape 2"/>
           <p:cNvSpPr/>
           <p:nvPr/>
         </p:nvSpPr>
         <p:spPr>
           <a:xfrm>
             <a:off x="674280" y="1399680"/>
-            <a:ext cx="7890840" cy="5092200"/>
+            <a:ext cx="7890480" cy="5091840"/>
           </a:xfrm>
           <a:prstGeom prst="rect">
             <a:avLst/>
@@ -17305,7 +19058,7 @@
             <a:normAutofit/>
           </a:bodyPr>
           <a:p>
-            <a:pPr marL="342720" indent="-307080">
+            <a:pPr marL="342720" indent="-306720">
               <a:lnSpc>
                 <a:spcPct val="100000"/>
               </a:lnSpc>
@@ -17342,7 +19095,7 @@
             </a:endParaRPr>
           </a:p>
           <a:p>
-            <a:pPr>
+            <a:pPr marL="342720" indent="-306720">
               <a:lnSpc>
                 <a:spcPct val="100000"/>
               </a:lnSpc>
@@ -17402,7 +19155,7 @@
             </a:endParaRPr>
           </a:p>
           <a:p>
-            <a:pPr marL="342720" indent="-307080">
+            <a:pPr marL="342720" indent="-306720">
               <a:lnSpc>
                 <a:spcPct val="100000"/>
               </a:lnSpc>
@@ -17438,7 +19191,7 @@
             </a:endParaRPr>
           </a:p>
           <a:p>
-            <a:pPr marL="342720" indent="-307080">
+            <a:pPr marL="342720" indent="-306720">
               <a:lnSpc>
                 <a:spcPct val="100000"/>
               </a:lnSpc>
@@ -17474,7 +19227,7 @@
             </a:endParaRPr>
           </a:p>
           <a:p>
-            <a:pPr marL="342720" indent="-307080">
+            <a:pPr marL="342720" indent="-306720">
               <a:lnSpc>
                 <a:spcPct val="100000"/>
               </a:lnSpc>
@@ -17490,7 +19243,7 @@
             </a:endParaRPr>
           </a:p>
           <a:p>
-            <a:pPr marL="342720" indent="-307080">
+            <a:pPr marL="342720" indent="-306720">
               <a:lnSpc>
                 <a:spcPct val="100000"/>
               </a:lnSpc>
@@ -17516,7 +19269,7 @@
             </a:endParaRPr>
           </a:p>
           <a:p>
-            <a:pPr marL="342720" indent="-307080">
+            <a:pPr marL="342720" indent="-306720">
               <a:lnSpc>
                 <a:spcPct val="100000"/>
               </a:lnSpc>
@@ -17552,7 +19305,7 @@
             </a:endParaRPr>
           </a:p>
           <a:p>
-            <a:pPr marL="342720" indent="-307080">
+            <a:pPr marL="342720" indent="-306720">
               <a:lnSpc>
                 <a:spcPct val="100000"/>
               </a:lnSpc>
@@ -17568,7 +19321,7 @@
             </a:endParaRPr>
           </a:p>
           <a:p>
-            <a:pPr marL="342720" indent="-307080">
+            <a:pPr marL="342720" indent="-306720">
               <a:lnSpc>
                 <a:spcPct val="100000"/>
               </a:lnSpc>
@@ -17684,14 +19437,14 @@
       </p:grpSpPr>
       <p:sp>
         <p:nvSpPr>
-          <p:cNvPr id="97" name="CustomShape 1"/>
+          <p:cNvPr id="138" name="CustomShape 1"/>
           <p:cNvSpPr/>
           <p:nvPr/>
         </p:nvSpPr>
         <p:spPr>
           <a:xfrm>
             <a:off x="611280" y="260280"/>
-            <a:ext cx="7890480" cy="834480"/>
+            <a:ext cx="7890120" cy="834120"/>
           </a:xfrm>
           <a:prstGeom prst="rect">
             <a:avLst/>
@@ -17773,14 +19526,14 @@
       </p:sp>
       <p:sp>
         <p:nvSpPr>
-          <p:cNvPr id="98" name="CustomShape 2"/>
+          <p:cNvPr id="139" name="CustomShape 2"/>
           <p:cNvSpPr/>
           <p:nvPr/>
         </p:nvSpPr>
         <p:spPr>
           <a:xfrm>
             <a:off x="612360" y="1189080"/>
-            <a:ext cx="7890840" cy="1005840"/>
+            <a:ext cx="7890480" cy="1005480"/>
           </a:xfrm>
           <a:prstGeom prst="rect">
             <a:avLst/>
@@ -17866,14 +19619,14 @@
       </p:sp>
       <p:sp>
         <p:nvSpPr>
-          <p:cNvPr id="99" name="CustomShape 3"/>
+          <p:cNvPr id="140" name="CustomShape 3"/>
           <p:cNvSpPr/>
           <p:nvPr/>
         </p:nvSpPr>
         <p:spPr>
           <a:xfrm>
             <a:off x="365040" y="2217600"/>
-            <a:ext cx="8321040" cy="2903040"/>
+            <a:ext cx="8320680" cy="2902680"/>
           </a:xfrm>
           <a:custGeom>
             <a:avLst/>
@@ -18573,14 +20326,14 @@
       </p:sp>
       <p:sp>
         <p:nvSpPr>
-          <p:cNvPr id="100" name="CustomShape 4"/>
+          <p:cNvPr id="141" name="CustomShape 4"/>
           <p:cNvSpPr/>
           <p:nvPr/>
         </p:nvSpPr>
         <p:spPr>
           <a:xfrm>
             <a:off x="281160" y="5229360"/>
-            <a:ext cx="8744760" cy="1553400"/>
+            <a:ext cx="8744400" cy="1553040"/>
           </a:xfrm>
           <a:custGeom>
             <a:avLst/>
@@ -18894,14 +20647,14 @@
       </p:grpSpPr>
       <p:sp>
         <p:nvSpPr>
-          <p:cNvPr id="179" name="CustomShape 1"/>
+          <p:cNvPr id="220" name="CustomShape 1"/>
           <p:cNvSpPr/>
           <p:nvPr/>
         </p:nvSpPr>
         <p:spPr>
           <a:xfrm>
             <a:off x="611280" y="259920"/>
-            <a:ext cx="7879680" cy="823320"/>
+            <a:ext cx="7879320" cy="822960"/>
           </a:xfrm>
           <a:prstGeom prst="rect">
             <a:avLst/>
@@ -18983,14 +20736,14 @@
       </p:sp>
       <p:sp>
         <p:nvSpPr>
-          <p:cNvPr id="180" name="CustomShape 2"/>
+          <p:cNvPr id="221" name="CustomShape 2"/>
           <p:cNvSpPr/>
           <p:nvPr/>
         </p:nvSpPr>
         <p:spPr>
           <a:xfrm>
             <a:off x="674640" y="1189080"/>
-            <a:ext cx="8011440" cy="5393520"/>
+            <a:ext cx="8011080" cy="5393160"/>
           </a:xfrm>
           <a:prstGeom prst="rect">
             <a:avLst/>
@@ -19011,7 +20764,7 @@
             <a:normAutofit/>
           </a:bodyPr>
           <a:p>
-            <a:pPr marL="342720" indent="-318240">
+            <a:pPr marL="342720" indent="-317880">
               <a:lnSpc>
                 <a:spcPct val="100000"/>
               </a:lnSpc>
@@ -19037,7 +20790,7 @@
             </a:endParaRPr>
           </a:p>
           <a:p>
-            <a:pPr marL="342720" indent="-318240">
+            <a:pPr marL="342720" indent="-317880">
               <a:lnSpc>
                 <a:spcPct val="100000"/>
               </a:lnSpc>
@@ -19053,7 +20806,7 @@
             </a:endParaRPr>
           </a:p>
           <a:p>
-            <a:pPr marL="342720" indent="-318240">
+            <a:pPr marL="342720" indent="-317880">
               <a:lnSpc>
                 <a:spcPct val="100000"/>
               </a:lnSpc>
@@ -19099,7 +20852,7 @@
             </a:endParaRPr>
           </a:p>
           <a:p>
-            <a:pPr marL="342720" indent="-318240">
+            <a:pPr marL="342720" indent="-317880">
               <a:lnSpc>
                 <a:spcPct val="100000"/>
               </a:lnSpc>
@@ -19155,7 +20908,7 @@
             </a:endParaRPr>
           </a:p>
           <a:p>
-            <a:pPr marL="342720" indent="-318240">
+            <a:pPr marL="342720" indent="-317880">
               <a:lnSpc>
                 <a:spcPct val="100000"/>
               </a:lnSpc>
@@ -19171,7 +20924,7 @@
             </a:endParaRPr>
           </a:p>
           <a:p>
-            <a:pPr marL="342720" indent="-318240">
+            <a:pPr marL="342720" indent="-317880">
               <a:lnSpc>
                 <a:spcPct val="100000"/>
               </a:lnSpc>
@@ -19217,7 +20970,7 @@
             </a:endParaRPr>
           </a:p>
           <a:p>
-            <a:pPr marL="342720" indent="-318240">
+            <a:pPr marL="342720" indent="-317880">
               <a:lnSpc>
                 <a:spcPct val="100000"/>
               </a:lnSpc>
@@ -19253,7 +21006,7 @@
             </a:endParaRPr>
           </a:p>
           <a:p>
-            <a:pPr marL="342720" indent="-318240">
+            <a:pPr marL="342720" indent="-317880">
               <a:lnSpc>
                 <a:spcPct val="100000"/>
               </a:lnSpc>
@@ -19310,7 +21063,7 @@
             </a:endParaRPr>
           </a:p>
           <a:p>
-            <a:pPr marL="342720" indent="-318240">
+            <a:pPr marL="342720" indent="-317880">
               <a:lnSpc>
                 <a:spcPct val="100000"/>
               </a:lnSpc>
@@ -19329,14 +21082,14 @@
       </p:sp>
       <p:sp>
         <p:nvSpPr>
-          <p:cNvPr id="181" name="TextShape 3"/>
-          <p:cNvSpPr txBox="1"/>
+          <p:cNvPr id="222" name="CustomShape 3"/>
+          <p:cNvSpPr/>
           <p:nvPr/>
         </p:nvSpPr>
         <p:spPr>
           <a:xfrm>
             <a:off x="274320" y="5466960"/>
-            <a:ext cx="8595360" cy="1109880"/>
+            <a:ext cx="8595000" cy="1109520"/>
           </a:xfrm>
           <a:prstGeom prst="rect">
             <a:avLst/>
@@ -19349,12 +21102,21 @@
             <a:round/>
           </a:ln>
         </p:spPr>
+        <p:style>
+          <a:lnRef idx="0"/>
+          <a:fillRef idx="0"/>
+          <a:effectRef idx="0"/>
+          <a:fontRef idx="minor"/>
+        </p:style>
         <p:txBody>
           <a:bodyPr lIns="108000" rIns="108000" tIns="63000" bIns="63000">
             <a:noAutofit/>
           </a:bodyPr>
           <a:p>
             <a:pPr algn="ctr">
+              <a:lnSpc>
+                <a:spcPct val="100000"/>
+              </a:lnSpc>
               <a:spcAft>
                 <a:spcPts val="567"/>
               </a:spcAft>
@@ -19366,8 +21128,18 @@
                 </a:solidFill>
                 <a:latin typeface="Arial"/>
               </a:rPr>
-              <a:t>Anti-</a:t>
-            </a:r>
+              <a:t>Anti-Pattern</a:t>
+            </a:r>
+            <a:endParaRPr b="0" lang="en-US" sz="3200" spc="-1" strike="noStrike">
+              <a:latin typeface="Arial"/>
+            </a:endParaRPr>
+          </a:p>
+          <a:p>
+            <a:pPr algn="ctr">
+              <a:lnSpc>
+                <a:spcPct val="100000"/>
+              </a:lnSpc>
+            </a:pPr>
             <a:r>
               <a:rPr b="0" lang="en-US" sz="3200" spc="-1" strike="noStrike">
                 <a:solidFill>
@@ -19375,64 +21147,7 @@
                 </a:solidFill>
                 <a:latin typeface="Arial"/>
               </a:rPr>
-              <a:t>Patter</a:t>
-            </a:r>
-            <a:r>
-              <a:rPr b="0" lang="en-US" sz="3200" spc="-1" strike="noStrike">
-                <a:solidFill>
-                  <a:srgbClr val="000080"/>
-                </a:solidFill>
-                <a:latin typeface="Arial"/>
-              </a:rPr>
-              <a:t>n</a:t>
-            </a:r>
-            <a:endParaRPr b="0" lang="en-US" sz="3200" spc="-1" strike="noStrike">
-              <a:latin typeface="Arial"/>
-            </a:endParaRPr>
-          </a:p>
-          <a:p>
-            <a:pPr algn="ctr"/>
-            <a:r>
-              <a:rPr b="0" lang="en-US" sz="3200" spc="-1" strike="noStrike">
-                <a:latin typeface="Arial"/>
-              </a:rPr>
-              <a:t>Hardc</a:t>
-            </a:r>
-            <a:r>
-              <a:rPr b="0" lang="en-US" sz="3200" spc="-1" strike="noStrike">
-                <a:latin typeface="Arial"/>
-              </a:rPr>
-              <a:t>oded </a:t>
-            </a:r>
-            <a:r>
-              <a:rPr b="0" lang="en-US" sz="3200" spc="-1" strike="noStrike">
-                <a:latin typeface="Arial"/>
-              </a:rPr>
-              <a:t>URLs </a:t>
-            </a:r>
-            <a:r>
-              <a:rPr b="0" lang="en-US" sz="3200" spc="-1" strike="noStrike">
-                <a:latin typeface="Arial"/>
-              </a:rPr>
-              <a:t>in </a:t>
-            </a:r>
-            <a:r>
-              <a:rPr b="0" lang="en-US" sz="3200" spc="-1" strike="noStrike">
-                <a:latin typeface="Arial"/>
-              </a:rPr>
-              <a:t>code </a:t>
-            </a:r>
-            <a:r>
-              <a:rPr b="0" lang="en-US" sz="3200" spc="-1" strike="noStrike">
-                <a:latin typeface="Arial"/>
-              </a:rPr>
-              <a:t>or web </a:t>
-            </a:r>
-            <a:r>
-              <a:rPr b="0" lang="en-US" sz="3200" spc="-1" strike="noStrike">
-                <a:latin typeface="Arial"/>
-              </a:rPr>
-              <a:t>pages.</a:t>
+              <a:t>Hardcoded URLs in code or web pages.</a:t>
             </a:r>
             <a:endParaRPr b="0" lang="en-US" sz="3200" spc="-1" strike="noStrike">
               <a:latin typeface="Arial"/>
@@ -19479,14 +21194,14 @@
       </p:grpSpPr>
       <p:sp>
         <p:nvSpPr>
-          <p:cNvPr id="182" name="CustomShape 1"/>
+          <p:cNvPr id="223" name="CustomShape 1"/>
           <p:cNvSpPr/>
           <p:nvPr/>
         </p:nvSpPr>
         <p:spPr>
           <a:xfrm>
             <a:off x="611280" y="259920"/>
-            <a:ext cx="7865280" cy="808920"/>
+            <a:ext cx="7864920" cy="808560"/>
           </a:xfrm>
           <a:prstGeom prst="rect">
             <a:avLst/>
@@ -19568,14 +21283,14 @@
       </p:sp>
       <p:sp>
         <p:nvSpPr>
-          <p:cNvPr id="183" name="CustomShape 2"/>
+          <p:cNvPr id="224" name="CustomShape 2"/>
           <p:cNvSpPr/>
           <p:nvPr/>
         </p:nvSpPr>
         <p:spPr>
           <a:xfrm>
             <a:off x="674640" y="1399680"/>
-            <a:ext cx="7865280" cy="5092200"/>
+            <a:ext cx="7864920" cy="5091840"/>
           </a:xfrm>
           <a:prstGeom prst="rect">
             <a:avLst/>
@@ -19596,7 +21311,7 @@
             <a:normAutofit/>
           </a:bodyPr>
           <a:p>
-            <a:pPr marL="342720" indent="-332640">
+            <a:pPr marL="342720" indent="-332280">
               <a:lnSpc>
                 <a:spcPct val="100000"/>
               </a:lnSpc>
@@ -19622,7 +21337,7 @@
             </a:endParaRPr>
           </a:p>
           <a:p>
-            <a:pPr marL="342720" indent="-332640">
+            <a:pPr marL="342720" indent="-332280">
               <a:lnSpc>
                 <a:spcPct val="100000"/>
               </a:lnSpc>
@@ -19648,7 +21363,7 @@
             </a:endParaRPr>
           </a:p>
           <a:p>
-            <a:pPr marL="342720" indent="-332640">
+            <a:pPr marL="342720" indent="-332280">
               <a:lnSpc>
                 <a:spcPct val="100000"/>
               </a:lnSpc>
@@ -19664,7 +21379,7 @@
             </a:endParaRPr>
           </a:p>
           <a:p>
-            <a:pPr marL="342720" indent="-332640" algn="ctr">
+            <a:pPr marL="342720" indent="-332280" algn="ctr">
               <a:lnSpc>
                 <a:spcPct val="100000"/>
               </a:lnSpc>
@@ -19690,7 +21405,7 @@
             </a:endParaRPr>
           </a:p>
           <a:p>
-            <a:pPr marL="342720" indent="-332640" algn="ctr">
+            <a:pPr marL="342720" indent="-332280" algn="ctr">
               <a:lnSpc>
                 <a:spcPct val="100000"/>
               </a:lnSpc>
@@ -19736,7 +21451,7 @@
             </a:endParaRPr>
           </a:p>
           <a:p>
-            <a:pPr marL="342720" indent="-332640">
+            <a:pPr marL="342720" indent="-332280">
               <a:lnSpc>
                 <a:spcPct val="100000"/>
               </a:lnSpc>
@@ -19762,7 +21477,7 @@
             </a:endParaRPr>
           </a:p>
           <a:p>
-            <a:pPr marL="342720" indent="-332640">
+            <a:pPr marL="342720" indent="-332280">
               <a:lnSpc>
                 <a:spcPct val="100000"/>
               </a:lnSpc>
@@ -19808,7 +21523,7 @@
             </a:endParaRPr>
           </a:p>
           <a:p>
-            <a:pPr marL="342720" indent="-332640">
+            <a:pPr marL="342720" indent="-332280">
               <a:lnSpc>
                 <a:spcPct val="100000"/>
               </a:lnSpc>
@@ -19834,7 +21549,7 @@
             </a:endParaRPr>
           </a:p>
           <a:p>
-            <a:pPr marL="342720" indent="-332640">
+            <a:pPr marL="342720" indent="-332280">
               <a:lnSpc>
                 <a:spcPct val="100000"/>
               </a:lnSpc>
@@ -19860,7 +21575,7 @@
             </a:endParaRPr>
           </a:p>
           <a:p>
-            <a:pPr marL="342720" indent="-332640">
+            <a:pPr marL="342720" indent="-332280">
               <a:lnSpc>
                 <a:spcPct val="100000"/>
               </a:lnSpc>
@@ -19946,14 +21661,14 @@
       </p:grpSpPr>
       <p:sp>
         <p:nvSpPr>
-          <p:cNvPr id="184" name="CustomShape 1"/>
+          <p:cNvPr id="225" name="CustomShape 1"/>
           <p:cNvSpPr/>
           <p:nvPr/>
         </p:nvSpPr>
         <p:spPr>
           <a:xfrm>
             <a:off x="611280" y="259920"/>
-            <a:ext cx="7865280" cy="808920"/>
+            <a:ext cx="7864920" cy="808560"/>
           </a:xfrm>
           <a:prstGeom prst="rect">
             <a:avLst/>
@@ -20056,14 +21771,14 @@
       </p:sp>
       <p:sp>
         <p:nvSpPr>
-          <p:cNvPr id="185" name="CustomShape 2"/>
+          <p:cNvPr id="226" name="CustomShape 2"/>
           <p:cNvSpPr/>
           <p:nvPr/>
         </p:nvSpPr>
         <p:spPr>
           <a:xfrm>
             <a:off x="674640" y="1292400"/>
-            <a:ext cx="7865280" cy="1249920"/>
+            <a:ext cx="7864920" cy="1249560"/>
           </a:xfrm>
           <a:prstGeom prst="rect">
             <a:avLst/>
@@ -20084,7 +21799,7 @@
             <a:normAutofit/>
           </a:bodyPr>
           <a:p>
-            <a:pPr marL="342720" indent="-332640">
+            <a:pPr marL="342720" indent="-332280">
               <a:lnSpc>
                 <a:spcPct val="100000"/>
               </a:lnSpc>
@@ -20110,7 +21825,7 @@
             </a:endParaRPr>
           </a:p>
           <a:p>
-            <a:pPr marL="342720" indent="-332640">
+            <a:pPr marL="342720" indent="-332280">
               <a:lnSpc>
                 <a:spcPct val="100000"/>
               </a:lnSpc>
@@ -20159,14 +21874,14 @@
       </p:sp>
       <p:sp>
         <p:nvSpPr>
-          <p:cNvPr id="186" name="CustomShape 3"/>
+          <p:cNvPr id="227" name="CustomShape 3"/>
           <p:cNvSpPr/>
           <p:nvPr/>
         </p:nvSpPr>
         <p:spPr>
           <a:xfrm>
             <a:off x="457200" y="2530440"/>
-            <a:ext cx="8171640" cy="3869640"/>
+            <a:ext cx="8171280" cy="3869280"/>
           </a:xfrm>
           <a:custGeom>
             <a:avLst/>
@@ -21039,14 +22754,14 @@
       </p:grpSpPr>
       <p:sp>
         <p:nvSpPr>
-          <p:cNvPr id="187" name="CustomShape 1"/>
+          <p:cNvPr id="228" name="CustomShape 1"/>
           <p:cNvSpPr/>
           <p:nvPr/>
         </p:nvSpPr>
         <p:spPr>
           <a:xfrm>
             <a:off x="611280" y="260280"/>
-            <a:ext cx="7890480" cy="834480"/>
+            <a:ext cx="7890120" cy="834120"/>
           </a:xfrm>
           <a:prstGeom prst="rect">
             <a:avLst/>
@@ -21128,14 +22843,14 @@
       </p:sp>
       <p:sp>
         <p:nvSpPr>
-          <p:cNvPr id="188" name="CustomShape 2"/>
+          <p:cNvPr id="229" name="CustomShape 2"/>
           <p:cNvSpPr/>
           <p:nvPr/>
         </p:nvSpPr>
         <p:spPr>
           <a:xfrm>
             <a:off x="612360" y="1185840"/>
-            <a:ext cx="7890840" cy="1007280"/>
+            <a:ext cx="7890480" cy="1006920"/>
           </a:xfrm>
           <a:prstGeom prst="rect">
             <a:avLst/>
@@ -21273,14 +22988,14 @@
       </p:sp>
       <p:sp>
         <p:nvSpPr>
-          <p:cNvPr id="189" name="CustomShape 3"/>
+          <p:cNvPr id="230" name="CustomShape 3"/>
           <p:cNvSpPr/>
           <p:nvPr/>
         </p:nvSpPr>
         <p:spPr>
           <a:xfrm>
             <a:off x="514440" y="1761840"/>
-            <a:ext cx="8171640" cy="3201120"/>
+            <a:ext cx="8171280" cy="3200760"/>
           </a:xfrm>
           <a:custGeom>
             <a:avLst/>
@@ -21856,14 +23571,14 @@
       </p:sp>
       <p:sp>
         <p:nvSpPr>
-          <p:cNvPr id="190" name="CustomShape 4"/>
+          <p:cNvPr id="231" name="CustomShape 4"/>
           <p:cNvSpPr/>
           <p:nvPr/>
         </p:nvSpPr>
         <p:spPr>
           <a:xfrm>
             <a:off x="520560" y="5300640"/>
-            <a:ext cx="7890840" cy="1007280"/>
+            <a:ext cx="7890480" cy="1006920"/>
           </a:xfrm>
           <a:custGeom>
             <a:avLst/>
@@ -22009,14 +23724,14 @@
       </p:grpSpPr>
       <p:sp>
         <p:nvSpPr>
-          <p:cNvPr id="191" name="CustomShape 1"/>
+          <p:cNvPr id="232" name="CustomShape 1"/>
           <p:cNvSpPr/>
           <p:nvPr/>
         </p:nvSpPr>
         <p:spPr>
           <a:xfrm>
             <a:off x="611280" y="260280"/>
-            <a:ext cx="7858800" cy="802800"/>
+            <a:ext cx="7858440" cy="802440"/>
           </a:xfrm>
           <a:prstGeom prst="rect">
             <a:avLst/>
@@ -22095,14 +23810,14 @@
       </p:sp>
       <p:sp>
         <p:nvSpPr>
-          <p:cNvPr id="192" name="CustomShape 2"/>
+          <p:cNvPr id="233" name="CustomShape 2"/>
           <p:cNvSpPr/>
           <p:nvPr/>
         </p:nvSpPr>
         <p:spPr>
           <a:xfrm>
             <a:off x="674280" y="1399680"/>
-            <a:ext cx="7859160" cy="4401720"/>
+            <a:ext cx="7858800" cy="4401360"/>
           </a:xfrm>
           <a:prstGeom prst="rect">
             <a:avLst/>
@@ -22189,7 +23904,7 @@
             </a:endParaRPr>
           </a:p>
           <a:p>
-            <a:pPr marL="342720" indent="-339120">
+            <a:pPr marL="342720" indent="-338760">
               <a:lnSpc>
                 <a:spcPct val="100000"/>
               </a:lnSpc>
@@ -22205,7 +23920,7 @@
             </a:endParaRPr>
           </a:p>
           <a:p>
-            <a:pPr marL="342720" indent="-339120">
+            <a:pPr marL="342720" indent="-338760">
               <a:lnSpc>
                 <a:spcPct val="100000"/>
               </a:lnSpc>
@@ -22251,7 +23966,7 @@
             </a:endParaRPr>
           </a:p>
           <a:p>
-            <a:pPr marL="342720" indent="-339120">
+            <a:pPr marL="342720" indent="-338760">
               <a:lnSpc>
                 <a:spcPct val="100000"/>
               </a:lnSpc>
@@ -22267,7 +23982,7 @@
             </a:endParaRPr>
           </a:p>
           <a:p>
-            <a:pPr marL="342720" indent="-339120">
+            <a:pPr marL="342720" indent="-338760">
               <a:lnSpc>
                 <a:spcPct val="100000"/>
               </a:lnSpc>
@@ -22293,7 +24008,7 @@
             </a:endParaRPr>
           </a:p>
           <a:p>
-            <a:pPr marL="342720" indent="-339120">
+            <a:pPr marL="342720" indent="-338760">
               <a:lnSpc>
                 <a:spcPct val="100000"/>
               </a:lnSpc>
@@ -22319,7 +24034,7 @@
             </a:endParaRPr>
           </a:p>
           <a:p>
-            <a:pPr marL="342720" indent="-339120">
+            <a:pPr marL="342720" indent="-338760">
               <a:lnSpc>
                 <a:spcPct val="100000"/>
               </a:lnSpc>
@@ -22345,7 +24060,7 @@
             </a:endParaRPr>
           </a:p>
           <a:p>
-            <a:pPr marL="342720" indent="-339120">
+            <a:pPr marL="342720" indent="-338760">
               <a:lnSpc>
                 <a:spcPct val="100000"/>
               </a:lnSpc>
@@ -22371,7 +24086,7 @@
             </a:endParaRPr>
           </a:p>
           <a:p>
-            <a:pPr marL="342720" indent="-339120">
+            <a:pPr marL="342720" indent="-338760">
               <a:lnSpc>
                 <a:spcPct val="100000"/>
               </a:lnSpc>
@@ -22437,14 +24152,14 @@
       </p:grpSpPr>
       <p:sp>
         <p:nvSpPr>
-          <p:cNvPr id="193" name="CustomShape 1"/>
+          <p:cNvPr id="234" name="CustomShape 1"/>
           <p:cNvSpPr/>
           <p:nvPr/>
         </p:nvSpPr>
         <p:spPr>
           <a:xfrm>
             <a:off x="611280" y="260280"/>
-            <a:ext cx="7858800" cy="802800"/>
+            <a:ext cx="7858440" cy="802440"/>
           </a:xfrm>
           <a:prstGeom prst="rect">
             <a:avLst/>
@@ -22513,17 +24228,7 @@
                 <a:latin typeface="Arial"/>
                 <a:ea typeface="DejaVu Sans"/>
               </a:rPr>
-              <a:t>Domain Model </a:t>
-            </a:r>
-            <a:r>
-              <a:rPr b="0" lang="en-US" sz="3600" spc="-1" strike="noStrike">
-                <a:solidFill>
-                  <a:srgbClr val="333399"/>
-                </a:solidFill>
-                <a:latin typeface="Arial"/>
-                <a:ea typeface="DejaVu Sans"/>
-              </a:rPr>
-              <a:t>Guidance</a:t>
+              <a:t>Domain Model Guidance</a:t>
             </a:r>
             <a:endParaRPr b="0" lang="en-US" sz="3600" spc="-1" strike="noStrike">
               <a:latin typeface="Arial"/>
@@ -22533,14 +24238,14 @@
       </p:sp>
       <p:sp>
         <p:nvSpPr>
-          <p:cNvPr id="194" name="CustomShape 2"/>
+          <p:cNvPr id="235" name="CustomShape 2"/>
           <p:cNvSpPr/>
           <p:nvPr/>
         </p:nvSpPr>
         <p:spPr>
           <a:xfrm>
             <a:off x="674280" y="1399680"/>
-            <a:ext cx="7859160" cy="4401720"/>
+            <a:ext cx="7858800" cy="4401360"/>
           </a:xfrm>
           <a:prstGeom prst="rect">
             <a:avLst/>
@@ -22561,7 +24266,7 @@
             <a:normAutofit/>
           </a:bodyPr>
           <a:p>
-            <a:pPr marL="216000" indent="-216000">
+            <a:pPr marL="216000" indent="-215640">
               <a:lnSpc>
                 <a:spcPct val="100000"/>
               </a:lnSpc>
@@ -22615,24 +24320,14 @@
                 <a:latin typeface="Arial"/>
                 <a:ea typeface="DejaVu Sans"/>
               </a:rPr>
-              <a:t>domain </a:t>
-            </a:r>
-            <a:r>
-              <a:rPr b="0" i="1" lang="en-US" sz="2400" spc="-1" strike="noStrike">
-                <a:solidFill>
-                  <a:srgbClr val="000000"/>
-                </a:solidFill>
-                <a:latin typeface="Arial"/>
-                <a:ea typeface="DejaVu Sans"/>
-              </a:rPr>
-              <a:t>model.</a:t>
+              <a:t>domain model.</a:t>
             </a:r>
             <a:endParaRPr b="0" lang="en-US" sz="2400" spc="-1" strike="noStrike">
               <a:latin typeface="Arial"/>
             </a:endParaRPr>
           </a:p>
           <a:p>
-            <a:pPr marL="216000" indent="-216000">
+            <a:pPr marL="216000" indent="-215640">
               <a:lnSpc>
                 <a:spcPct val="100000"/>
               </a:lnSpc>
@@ -22663,7 +24358,7 @@
             </a:endParaRPr>
           </a:p>
           <a:p>
-            <a:pPr marL="216000" indent="-216000">
+            <a:pPr marL="216000" indent="-215640">
               <a:lnSpc>
                 <a:spcPct val="100000"/>
               </a:lnSpc>
@@ -22704,7 +24399,7 @@
             </a:endParaRPr>
           </a:p>
           <a:p>
-            <a:pPr marL="216000" indent="-216000">
+            <a:pPr marL="216000" indent="-215640">
               <a:lnSpc>
                 <a:spcPct val="100000"/>
               </a:lnSpc>
@@ -22746,7 +24441,7 @@
             </a:endParaRPr>
           </a:p>
           <a:p>
-            <a:pPr marL="216000" indent="-216000">
+            <a:pPr marL="216000" indent="-215640">
               <a:lnSpc>
                 <a:spcPct val="100000"/>
               </a:lnSpc>
@@ -22828,7 +24523,7 @@
             </a:endParaRPr>
           </a:p>
           <a:p>
-            <a:pPr marL="342720" indent="-339120">
+            <a:pPr marL="342720" indent="-338760">
               <a:lnSpc>
                 <a:spcPct val="100000"/>
               </a:lnSpc>
@@ -22844,7 +24539,7 @@
             </a:endParaRPr>
           </a:p>
           <a:p>
-            <a:pPr marL="342720" indent="-339120">
+            <a:pPr marL="342720" indent="-338760">
               <a:lnSpc>
                 <a:spcPct val="100000"/>
               </a:lnSpc>
@@ -22873,7 +24568,7 @@
       </p:sp>
       <p:pic>
         <p:nvPicPr>
-          <p:cNvPr id="195" name="" descr=""/>
+          <p:cNvPr id="236" name="" descr=""/>
           <p:cNvPicPr/>
           <p:nvPr/>
         </p:nvPicPr>
@@ -22884,7 +24579,7 @@
         <p:spPr>
           <a:xfrm>
             <a:off x="-13680" y="4898880"/>
-            <a:ext cx="9200520" cy="1554480"/>
+            <a:ext cx="9200160" cy="1554120"/>
           </a:xfrm>
           <a:prstGeom prst="rect">
             <a:avLst/>
@@ -22933,14 +24628,14 @@
       </p:grpSpPr>
       <p:sp>
         <p:nvSpPr>
-          <p:cNvPr id="196" name="CustomShape 1"/>
+          <p:cNvPr id="237" name="CustomShape 1"/>
           <p:cNvSpPr/>
           <p:nvPr/>
         </p:nvSpPr>
         <p:spPr>
           <a:xfrm>
             <a:off x="611280" y="260280"/>
-            <a:ext cx="7858800" cy="802800"/>
+            <a:ext cx="7858440" cy="802440"/>
           </a:xfrm>
           <a:prstGeom prst="rect">
             <a:avLst/>
@@ -23019,14 +24714,14 @@
       </p:sp>
       <p:sp>
         <p:nvSpPr>
-          <p:cNvPr id="197" name="CustomShape 2"/>
+          <p:cNvPr id="238" name="CustomShape 2"/>
           <p:cNvSpPr/>
           <p:nvPr/>
         </p:nvSpPr>
         <p:spPr>
           <a:xfrm>
             <a:off x="274320" y="1399680"/>
-            <a:ext cx="8686800" cy="5275440"/>
+            <a:ext cx="8686440" cy="5275080"/>
           </a:xfrm>
           <a:prstGeom prst="rect">
             <a:avLst/>
@@ -23044,7 +24739,7 @@
         </p:style>
         <p:txBody>
           <a:bodyPr lIns="90000" rIns="90000" tIns="46800" bIns="46800">
-            <a:normAutofit fontScale="88000"/>
+            <a:normAutofit/>
           </a:bodyPr>
           <a:p>
             <a:pPr>
@@ -23060,6 +24755,9 @@
             </a:pPr>
             <a:r>
               <a:rPr b="0" lang="en-US" sz="2400" spc="-1" strike="noStrike">
+                <a:solidFill>
+                  <a:srgbClr val="000000"/>
+                </a:solidFill>
                 <a:latin typeface="Arial"/>
                 <a:ea typeface="DejaVu Sans"/>
               </a:rPr>
@@ -23083,6 +24781,9 @@
             </a:pPr>
             <a:r>
               <a:rPr b="0" lang="en-US" sz="2400" spc="-1" strike="noStrike">
+                <a:solidFill>
+                  <a:srgbClr val="000000"/>
+                </a:solidFill>
                 <a:latin typeface="Arial"/>
                 <a:ea typeface="DejaVu Sans"/>
               </a:rPr>
@@ -23106,6 +24807,9 @@
             </a:pPr>
             <a:r>
               <a:rPr b="0" lang="en-US" sz="2400" spc="-1" strike="noStrike">
+                <a:solidFill>
+                  <a:srgbClr val="000000"/>
+                </a:solidFill>
                 <a:latin typeface="Arial"/>
                 <a:ea typeface="DejaVu Sans"/>
               </a:rPr>
@@ -23113,6 +24817,9 @@
             </a:r>
             <a:r>
               <a:rPr b="0" lang="en-US" sz="2400" spc="-1" strike="noStrike" u="sng">
+                <a:solidFill>
+                  <a:srgbClr val="000000"/>
+                </a:solidFill>
                 <a:uFillTx/>
                 <a:latin typeface="Arial"/>
                 <a:ea typeface="DejaVu Sans"/>
@@ -23121,6 +24828,9 @@
             </a:r>
             <a:r>
               <a:rPr b="0" lang="en-US" sz="2400" spc="-1" strike="noStrike">
+                <a:solidFill>
+                  <a:srgbClr val="000000"/>
+                </a:solidFill>
                 <a:latin typeface="Arial"/>
                 <a:ea typeface="DejaVu Sans"/>
               </a:rPr>
@@ -23144,6 +24854,9 @@
             </a:pPr>
             <a:r>
               <a:rPr b="0" lang="en-US" sz="2400" spc="-1" strike="noStrike">
+                <a:solidFill>
+                  <a:srgbClr val="000000"/>
+                </a:solidFill>
                 <a:latin typeface="Arial"/>
                 <a:ea typeface="DejaVu Sans"/>
               </a:rPr>
@@ -23154,7 +24867,7 @@
             </a:endParaRPr>
           </a:p>
           <a:p>
-            <a:pPr marL="342720" indent="-339120">
+            <a:pPr marL="342720" indent="-338760">
               <a:lnSpc>
                 <a:spcPct val="100000"/>
               </a:lnSpc>
@@ -23170,7 +24883,7 @@
             </a:endParaRPr>
           </a:p>
           <a:p>
-            <a:pPr marL="342720" indent="-339120">
+            <a:pPr marL="342720" indent="-338760">
               <a:lnSpc>
                 <a:spcPct val="100000"/>
               </a:lnSpc>
@@ -23209,14 +24922,14 @@
                 <a:latin typeface="Arial"/>
                 <a:ea typeface="DejaVu Sans"/>
               </a:rPr>
-              <a:t>" includes:</a:t>
+              <a:t>" should include:</a:t>
             </a:r>
             <a:endParaRPr b="0" lang="en-US" sz="2400" spc="-1" strike="noStrike">
               <a:latin typeface="Arial"/>
             </a:endParaRPr>
           </a:p>
           <a:p>
-            <a:pPr marL="342720" indent="-339120">
+            <a:pPr marL="342720" indent="-338760">
               <a:lnSpc>
                 <a:spcPct val="100000"/>
               </a:lnSpc>
@@ -23227,12 +24940,32 @@
                 <a:tab algn="l" pos="0"/>
               </a:tabLst>
             </a:pPr>
-            <a:endParaRPr b="0" lang="en-US" sz="2400" spc="-1" strike="noStrike">
-              <a:latin typeface="Arial"/>
-            </a:endParaRPr>
-          </a:p>
-          <a:p>
-            <a:pPr marL="342720" indent="-339120">
+            <a:r>
+              <a:rPr b="0" lang="en-US" sz="2800" spc="-1" strike="noStrike">
+                <a:solidFill>
+                  <a:srgbClr val="000000"/>
+                </a:solidFill>
+                <a:latin typeface="Courier New"/>
+                <a:ea typeface="DejaVu Sans"/>
+              </a:rPr>
+              <a:t>  </a:t>
+            </a:r>
+            <a:r>
+              <a:rPr b="0" lang="en-US" sz="2800" spc="-1" strike="noStrike">
+                <a:solidFill>
+                  <a:srgbClr val="000000"/>
+                </a:solidFill>
+                <a:latin typeface="Courier New"/>
+                <a:ea typeface="DejaVu Sans"/>
+              </a:rPr>
+              <a:t>Question </a:t>
+            </a:r>
+            <a:endParaRPr b="0" lang="en-US" sz="2800" spc="-1" strike="noStrike">
+              <a:latin typeface="Arial"/>
+            </a:endParaRPr>
+          </a:p>
+          <a:p>
+            <a:pPr marL="342720" indent="-338760">
               <a:lnSpc>
                 <a:spcPct val="100000"/>
               </a:lnSpc>
@@ -23251,14 +24984,24 @@
                 <a:latin typeface="Courier New"/>
                 <a:ea typeface="DejaVu Sans"/>
               </a:rPr>
-              <a:t>Question </a:t>
+              <a:t>  </a:t>
+            </a:r>
+            <a:r>
+              <a:rPr b="0" lang="en-US" sz="2800" spc="-1" strike="noStrike">
+                <a:solidFill>
+                  <a:srgbClr val="000000"/>
+                </a:solidFill>
+                <a:latin typeface="Courier New"/>
+                <a:ea typeface="DejaVu Sans"/>
+              </a:rPr>
+              <a:t>Choice</a:t>
             </a:r>
             <a:endParaRPr b="0" lang="en-US" sz="2800" spc="-1" strike="noStrike">
               <a:latin typeface="Arial"/>
             </a:endParaRPr>
           </a:p>
           <a:p>
-            <a:pPr marL="342720" indent="-339120">
+            <a:pPr marL="342720" indent="-338760">
               <a:lnSpc>
                 <a:spcPct val="100000"/>
               </a:lnSpc>
@@ -23277,14 +25020,24 @@
                 <a:latin typeface="Courier New"/>
                 <a:ea typeface="DejaVu Sans"/>
               </a:rPr>
-              <a:t>Choice</a:t>
+              <a:t>  </a:t>
+            </a:r>
+            <a:r>
+              <a:rPr b="0" lang="en-US" sz="2800" spc="-1" strike="noStrike">
+                <a:solidFill>
+                  <a:srgbClr val="000000"/>
+                </a:solidFill>
+                <a:latin typeface="Courier New"/>
+                <a:ea typeface="DejaVu Sans"/>
+              </a:rPr>
+              <a:t>votes</a:t>
             </a:r>
             <a:endParaRPr b="0" lang="en-US" sz="2800" spc="-1" strike="noStrike">
               <a:latin typeface="Arial"/>
             </a:endParaRPr>
           </a:p>
           <a:p>
-            <a:pPr marL="342720" indent="-339120">
+            <a:pPr marL="342720" indent="-338760">
               <a:lnSpc>
                 <a:spcPct val="100000"/>
               </a:lnSpc>
@@ -23303,14 +25056,24 @@
                 <a:latin typeface="Courier New"/>
                 <a:ea typeface="DejaVu Sans"/>
               </a:rPr>
-              <a:t>votes</a:t>
+              <a:t>  </a:t>
+            </a:r>
+            <a:r>
+              <a:rPr b="0" lang="en-US" sz="2800" spc="-1" strike="noStrike">
+                <a:solidFill>
+                  <a:srgbClr val="000000"/>
+                </a:solidFill>
+                <a:latin typeface="Courier New"/>
+                <a:ea typeface="DejaVu Sans"/>
+              </a:rPr>
+              <a:t>question text</a:t>
             </a:r>
             <a:endParaRPr b="0" lang="en-US" sz="2800" spc="-1" strike="noStrike">
               <a:latin typeface="Arial"/>
             </a:endParaRPr>
           </a:p>
           <a:p>
-            <a:pPr marL="342720" indent="-339120">
+            <a:pPr marL="342720" indent="-338760">
               <a:lnSpc>
                 <a:spcPct val="100000"/>
               </a:lnSpc>
@@ -23329,24 +25092,8 @@
                 <a:latin typeface="Courier New"/>
                 <a:ea typeface="DejaVu Sans"/>
               </a:rPr>
-              <a:t>question text</a:t>
-            </a:r>
-            <a:endParaRPr b="0" lang="en-US" sz="2800" spc="-1" strike="noStrike">
-              <a:latin typeface="Arial"/>
-            </a:endParaRPr>
-          </a:p>
-          <a:p>
-            <a:pPr marL="342720" indent="-339120">
-              <a:lnSpc>
-                <a:spcPct val="100000"/>
-              </a:lnSpc>
-              <a:spcBef>
-                <a:spcPts val="598"/>
-              </a:spcBef>
-              <a:tabLst>
-                <a:tab algn="l" pos="0"/>
-              </a:tabLst>
-            </a:pPr>
+              <a:t>  </a:t>
+            </a:r>
             <a:r>
               <a:rPr b="0" lang="en-US" sz="2800" spc="-1" strike="noStrike">
                 <a:solidFill>
@@ -23393,29 +25140,6 @@
           <a:chExt cx="0" cy="0"/>
         </a:xfrm>
       </p:grpSpPr>
-      <p:pic>
-        <p:nvPicPr>
-          <p:cNvPr id="198" name="" descr=""/>
-          <p:cNvPicPr/>
-          <p:nvPr/>
-        </p:nvPicPr>
-        <p:blipFill>
-          <a:blip r:embed="rId1"/>
-          <a:stretch/>
-        </p:blipFill>
-        <p:spPr>
-          <a:xfrm>
-            <a:off x="274320" y="2297880"/>
-            <a:ext cx="8503920" cy="1908360"/>
-          </a:xfrm>
-          <a:prstGeom prst="rect">
-            <a:avLst/>
-          </a:prstGeom>
-          <a:ln>
-            <a:noFill/>
-          </a:ln>
-        </p:spPr>
-      </p:pic>
     </p:spTree>
   </p:cSld>
   <mc:AlternateContent>
@@ -23455,14 +25179,14 @@
       </p:grpSpPr>
       <p:sp>
         <p:nvSpPr>
-          <p:cNvPr id="199" name="CustomShape 1"/>
+          <p:cNvPr id="239" name="CustomShape 1"/>
           <p:cNvSpPr/>
           <p:nvPr/>
         </p:nvSpPr>
         <p:spPr>
           <a:xfrm>
             <a:off x="611280" y="260280"/>
-            <a:ext cx="7858800" cy="802800"/>
+            <a:ext cx="7858440" cy="802440"/>
           </a:xfrm>
           <a:prstGeom prst="rect">
             <a:avLst/>
@@ -23531,7 +25255,28 @@
                 <a:latin typeface="Arial"/>
                 <a:ea typeface="DejaVu Sans"/>
               </a:rPr>
-              <a:t>UML Software Model (not D.M.)</a:t>
+              <a:t>UML Software Model (</a:t>
+            </a:r>
+            <a:r>
+              <a:rPr b="0" lang="en-US" sz="3600" spc="-1" strike="noStrike" u="sng">
+                <a:solidFill>
+                  <a:srgbClr val="c9211e"/>
+                </a:solidFill>
+                <a:uFillTx/>
+                <a:latin typeface="Arial"/>
+                <a:ea typeface="DejaVu Sans"/>
+              </a:rPr>
+              <a:t>not</a:t>
+            </a:r>
+            <a:r>
+              <a:rPr b="0" lang="en-US" sz="3600" spc="-1" strike="noStrike">
+                <a:solidFill>
+                  <a:srgbClr val="333399"/>
+                </a:solidFill>
+                <a:latin typeface="Arial"/>
+                <a:ea typeface="DejaVu Sans"/>
+              </a:rPr>
+              <a:t> a D.M.)</a:t>
             </a:r>
             <a:endParaRPr b="0" lang="en-US" sz="3600" spc="-1" strike="noStrike">
               <a:latin typeface="Arial"/>
@@ -23541,7 +25286,7 @@
       </p:sp>
       <p:pic>
         <p:nvPicPr>
-          <p:cNvPr id="200" name="" descr=""/>
+          <p:cNvPr id="240" name="" descr=""/>
           <p:cNvPicPr/>
           <p:nvPr/>
         </p:nvPicPr>
@@ -23552,7 +25297,7 @@
         <p:spPr>
           <a:xfrm>
             <a:off x="444600" y="1498680"/>
-            <a:ext cx="8151120" cy="4261680"/>
+            <a:ext cx="8150760" cy="4261320"/>
           </a:xfrm>
           <a:prstGeom prst="rect">
             <a:avLst/>
@@ -23562,6 +25307,42 @@
           </a:ln>
         </p:spPr>
       </p:pic>
+      <p:sp>
+        <p:nvSpPr>
+          <p:cNvPr id="241" name="TextShape 2"/>
+          <p:cNvSpPr txBox="1"/>
+          <p:nvPr/>
+        </p:nvSpPr>
+        <p:spPr>
+          <a:xfrm>
+            <a:off x="182880" y="6035040"/>
+            <a:ext cx="8778240" cy="602280"/>
+          </a:xfrm>
+          <a:prstGeom prst="rect">
+            <a:avLst/>
+          </a:prstGeom>
+          <a:noFill/>
+          <a:ln>
+            <a:noFill/>
+          </a:ln>
+        </p:spPr>
+        <p:txBody>
+          <a:bodyPr lIns="90000" rIns="90000" tIns="45000" bIns="45000">
+            <a:noAutofit/>
+          </a:bodyPr>
+          <a:p>
+            <a:r>
+              <a:rPr b="0" lang="en-US" sz="1800" spc="-1" strike="noStrike">
+                <a:latin typeface="Arial"/>
+              </a:rPr>
+              <a:t>A software model shows what you intend to implement.  It may differ from the domain model, and includes a lot more detail.</a:t>
+            </a:r>
+            <a:endParaRPr b="0" lang="en-US" sz="1800" spc="-1" strike="noStrike">
+              <a:latin typeface="Arial"/>
+            </a:endParaRPr>
+          </a:p>
+        </p:txBody>
+      </p:sp>
     </p:spTree>
   </p:cSld>
   <mc:AlternateContent>
@@ -23601,14 +25382,14 @@
       </p:grpSpPr>
       <p:sp>
         <p:nvSpPr>
-          <p:cNvPr id="201" name="CustomShape 1"/>
+          <p:cNvPr id="242" name="CustomShape 1"/>
           <p:cNvSpPr/>
           <p:nvPr/>
         </p:nvSpPr>
         <p:spPr>
           <a:xfrm>
             <a:off x="611280" y="259920"/>
-            <a:ext cx="7879680" cy="823320"/>
+            <a:ext cx="7879320" cy="822960"/>
           </a:xfrm>
           <a:prstGeom prst="rect">
             <a:avLst/>
@@ -23690,14 +25471,14 @@
       </p:sp>
       <p:sp>
         <p:nvSpPr>
-          <p:cNvPr id="202" name="CustomShape 2"/>
+          <p:cNvPr id="243" name="CustomShape 2"/>
           <p:cNvSpPr/>
           <p:nvPr/>
         </p:nvSpPr>
         <p:spPr>
           <a:xfrm>
             <a:off x="674640" y="1400040"/>
-            <a:ext cx="7879680" cy="4422240"/>
+            <a:ext cx="7879320" cy="4421880"/>
           </a:xfrm>
           <a:prstGeom prst="rect">
             <a:avLst/>
@@ -23718,7 +25499,7 @@
             <a:normAutofit/>
           </a:bodyPr>
           <a:p>
-            <a:pPr marL="342720" indent="-318240">
+            <a:pPr marL="342720" indent="-317880">
               <a:lnSpc>
                 <a:spcPct val="100000"/>
               </a:lnSpc>
@@ -23737,14 +25518,14 @@
                 <a:latin typeface="Arial"/>
                 <a:ea typeface="DejaVu Sans"/>
               </a:rPr>
-              <a:t>All Persistence Frameworks provide a way to...</a:t>
+              <a:t>Applications need a way to...</a:t>
             </a:r>
             <a:endParaRPr b="0" lang="en-US" sz="2400" spc="-1" strike="noStrike">
               <a:latin typeface="Arial"/>
             </a:endParaRPr>
           </a:p>
           <a:p>
-            <a:pPr marL="342720" indent="-318240">
+            <a:pPr marL="342720" indent="-317880">
               <a:lnSpc>
                 <a:spcPct val="100000"/>
               </a:lnSpc>
@@ -23760,7 +25541,7 @@
             </a:endParaRPr>
           </a:p>
           <a:p>
-            <a:pPr marL="536400" indent="-535680">
+            <a:pPr marL="536400" indent="-535320">
               <a:lnSpc>
                 <a:spcPct val="100000"/>
               </a:lnSpc>
@@ -23838,7 +25619,7 @@
             </a:endParaRPr>
           </a:p>
           <a:p>
-            <a:pPr marL="536400" indent="-535680">
+            <a:pPr marL="536400" indent="-535320">
               <a:lnSpc>
                 <a:spcPct val="100000"/>
               </a:lnSpc>
@@ -23916,7 +25697,7 @@
             </a:endParaRPr>
           </a:p>
           <a:p>
-            <a:pPr marL="536400" indent="-535680">
+            <a:pPr marL="536400" indent="-535320">
               <a:lnSpc>
                 <a:spcPct val="100000"/>
               </a:lnSpc>
@@ -23994,7 +25775,7 @@
             </a:endParaRPr>
           </a:p>
           <a:p>
-            <a:pPr marL="536400" indent="-535680">
+            <a:pPr marL="536400" indent="-535320">
               <a:lnSpc>
                 <a:spcPct val="100000"/>
               </a:lnSpc>
@@ -24072,7 +25853,7 @@
             </a:endParaRPr>
           </a:p>
           <a:p>
-            <a:pPr marL="536400" indent="-535680">
+            <a:pPr marL="536400" indent="-535320">
               <a:lnSpc>
                 <a:spcPct val="100000"/>
               </a:lnSpc>
@@ -24143,19 +25924,19 @@
                 <a:latin typeface="Arial"/>
                 <a:ea typeface="DejaVu Sans"/>
               </a:rPr>
-              <a:t> an entity (object) from database</a:t>
+              <a:t> an entity (object) from the database</a:t>
             </a:r>
             <a:endParaRPr b="0" lang="en-US" sz="2400" spc="-1" strike="noStrike">
               <a:latin typeface="Arial"/>
             </a:endParaRPr>
           </a:p>
           <a:p>
-            <a:pPr marL="342720" indent="-318240">
+            <a:pPr marL="342720" indent="-317880" algn="ctr">
               <a:lnSpc>
                 <a:spcPct val="100000"/>
               </a:lnSpc>
               <a:spcBef>
-                <a:spcPts val="1423"/>
+                <a:spcPts val="2835"/>
               </a:spcBef>
               <a:tabLst>
                 <a:tab algn="l" pos="0"/>
@@ -24164,7 +25945,7 @@
             <a:r>
               <a:rPr b="0" lang="en-US" sz="2400" spc="-1" strike="noStrike">
                 <a:solidFill>
-                  <a:srgbClr val="000000"/>
+                  <a:srgbClr val="ff0000"/>
                 </a:solidFill>
                 <a:latin typeface="Arial"/>
                 <a:ea typeface="DejaVu Sans"/>
@@ -24216,14 +25997,14 @@
       </p:grpSpPr>
       <p:sp>
         <p:nvSpPr>
-          <p:cNvPr id="101" name="CustomShape 1"/>
+          <p:cNvPr id="142" name="CustomShape 1"/>
           <p:cNvSpPr/>
           <p:nvPr/>
         </p:nvSpPr>
         <p:spPr>
           <a:xfrm>
             <a:off x="611280" y="260280"/>
-            <a:ext cx="7890480" cy="834480"/>
+            <a:ext cx="7890120" cy="834120"/>
           </a:xfrm>
           <a:prstGeom prst="rect">
             <a:avLst/>
@@ -24305,14 +26086,14 @@
       </p:sp>
       <p:sp>
         <p:nvSpPr>
-          <p:cNvPr id="102" name="CustomShape 2"/>
+          <p:cNvPr id="143" name="CustomShape 2"/>
           <p:cNvSpPr/>
           <p:nvPr/>
         </p:nvSpPr>
         <p:spPr>
           <a:xfrm>
             <a:off x="612360" y="1188720"/>
-            <a:ext cx="7890840" cy="731160"/>
+            <a:ext cx="7890480" cy="730800"/>
           </a:xfrm>
           <a:prstGeom prst="rect">
             <a:avLst/>
@@ -24333,7 +26114,7 @@
             <a:normAutofit/>
           </a:bodyPr>
           <a:p>
-            <a:pPr marL="342720" indent="-307080">
+            <a:pPr marL="342720" indent="-306720">
               <a:lnSpc>
                 <a:spcPct val="100000"/>
               </a:lnSpc>
@@ -24362,14 +26143,14 @@
       </p:sp>
       <p:sp>
         <p:nvSpPr>
-          <p:cNvPr id="103" name="CustomShape 3"/>
+          <p:cNvPr id="144" name="CustomShape 3"/>
           <p:cNvSpPr/>
           <p:nvPr/>
         </p:nvSpPr>
         <p:spPr>
           <a:xfrm>
             <a:off x="449280" y="1828800"/>
-            <a:ext cx="8321040" cy="731160"/>
+            <a:ext cx="8320680" cy="730800"/>
           </a:xfrm>
           <a:custGeom>
             <a:avLst/>
@@ -24673,14 +26454,14 @@
       </p:sp>
       <p:sp>
         <p:nvSpPr>
-          <p:cNvPr id="104" name="CustomShape 4"/>
+          <p:cNvPr id="145" name="CustomShape 4"/>
           <p:cNvSpPr/>
           <p:nvPr/>
         </p:nvSpPr>
         <p:spPr>
           <a:xfrm>
             <a:off x="457200" y="3840120"/>
-            <a:ext cx="8043120" cy="1553400"/>
+            <a:ext cx="8042760" cy="1553040"/>
           </a:xfrm>
           <a:custGeom>
             <a:avLst/>
@@ -24973,14 +26754,14 @@
       </p:sp>
       <p:sp>
         <p:nvSpPr>
-          <p:cNvPr id="105" name="CustomShape 5"/>
+          <p:cNvPr id="146" name="CustomShape 5"/>
           <p:cNvSpPr/>
           <p:nvPr/>
         </p:nvSpPr>
         <p:spPr>
           <a:xfrm>
             <a:off x="612720" y="2925720"/>
-            <a:ext cx="7890840" cy="731160"/>
+            <a:ext cx="7890480" cy="730800"/>
           </a:xfrm>
           <a:custGeom>
             <a:avLst/>
@@ -25024,7 +26805,7 @@
             <a:noAutofit/>
           </a:bodyPr>
           <a:p>
-            <a:pPr marL="342720" indent="-307080">
+            <a:pPr marL="342720" indent="-306720">
               <a:lnSpc>
                 <a:spcPct val="100000"/>
               </a:lnSpc>
@@ -25101,14 +26882,14 @@
       </p:grpSpPr>
       <p:sp>
         <p:nvSpPr>
-          <p:cNvPr id="203" name="CustomShape 1"/>
+          <p:cNvPr id="244" name="CustomShape 1"/>
           <p:cNvSpPr/>
           <p:nvPr/>
         </p:nvSpPr>
         <p:spPr>
           <a:xfrm>
             <a:off x="611280" y="259920"/>
-            <a:ext cx="7879680" cy="823320"/>
+            <a:ext cx="7879320" cy="822960"/>
           </a:xfrm>
           <a:prstGeom prst="rect">
             <a:avLst/>
@@ -25180,67 +26961,7 @@
                 <a:latin typeface="Arial"/>
                 <a:ea typeface="DejaVu Sans"/>
               </a:rPr>
-              <a:t>Try </a:t>
-            </a:r>
-            <a:r>
-              <a:rPr b="0" lang="en-US" sz="3600" spc="-1" strike="noStrike">
-                <a:solidFill>
-                  <a:srgbClr val="333399"/>
-                </a:solidFill>
-                <a:latin typeface="Arial"/>
-                <a:ea typeface="DejaVu Sans"/>
-              </a:rPr>
-              <a:t>Persis</a:t>
-            </a:r>
-            <a:r>
-              <a:rPr b="0" lang="en-US" sz="3600" spc="-1" strike="noStrike">
-                <a:solidFill>
-                  <a:srgbClr val="333399"/>
-                </a:solidFill>
-                <a:latin typeface="Arial"/>
-                <a:ea typeface="DejaVu Sans"/>
-              </a:rPr>
-              <a:t>tence </a:t>
-            </a:r>
-            <a:r>
-              <a:rPr b="0" lang="en-US" sz="3600" spc="-1" strike="noStrike">
-                <a:solidFill>
-                  <a:srgbClr val="333399"/>
-                </a:solidFill>
-                <a:latin typeface="Arial"/>
-                <a:ea typeface="DejaVu Sans"/>
-              </a:rPr>
-              <a:t>Using </a:t>
-            </a:r>
-            <a:r>
-              <a:rPr b="0" lang="en-US" sz="3600" spc="-1" strike="noStrike">
-                <a:solidFill>
-                  <a:srgbClr val="333399"/>
-                </a:solidFill>
-                <a:latin typeface="Arial"/>
-                <a:ea typeface="DejaVu Sans"/>
-              </a:rPr>
-              <a:t>Djang</a:t>
-            </a:r>
-            <a:r>
-              <a:rPr b="0" lang="en-US" sz="3600" spc="-1" strike="noStrike">
-                <a:solidFill>
-                  <a:srgbClr val="333399"/>
-                </a:solidFill>
-                <a:latin typeface="Arial"/>
-                <a:ea typeface="DejaVu Sans"/>
-              </a:rPr>
-              <a:t>o </a:t>
-            </a:r>
-            <a:r>
-              <a:rPr b="0" lang="en-US" sz="3600" spc="-1" strike="noStrike">
-                <a:solidFill>
-                  <a:srgbClr val="333399"/>
-                </a:solidFill>
-                <a:latin typeface="Arial"/>
-                <a:ea typeface="DejaVu Sans"/>
-              </a:rPr>
-              <a:t>Shell</a:t>
+              <a:t>Try Persistence Using Django Shell</a:t>
             </a:r>
             <a:endParaRPr b="0" lang="en-US" sz="3600" spc="-1" strike="noStrike">
               <a:latin typeface="Arial"/>
@@ -25250,14 +26971,14 @@
       </p:sp>
       <p:sp>
         <p:nvSpPr>
-          <p:cNvPr id="204" name="CustomShape 2"/>
+          <p:cNvPr id="245" name="CustomShape 2"/>
           <p:cNvSpPr/>
           <p:nvPr/>
         </p:nvSpPr>
         <p:spPr>
           <a:xfrm>
             <a:off x="674640" y="1400040"/>
-            <a:ext cx="7879680" cy="4422240"/>
+            <a:ext cx="7879320" cy="4421880"/>
           </a:xfrm>
           <a:prstGeom prst="rect">
             <a:avLst/>
@@ -25278,7 +26999,7 @@
             <a:normAutofit/>
           </a:bodyPr>
           <a:p>
-            <a:pPr marL="342720" indent="-318240">
+            <a:pPr marL="342720" indent="-317880">
               <a:lnSpc>
                 <a:spcPct val="100000"/>
               </a:lnSpc>
@@ -25304,7 +27025,7 @@
             </a:endParaRPr>
           </a:p>
           <a:p>
-            <a:pPr marL="342720" indent="-318240">
+            <a:pPr marL="342720" indent="-317880">
               <a:lnSpc>
                 <a:spcPct val="100000"/>
               </a:lnSpc>
@@ -25333,34 +27054,14 @@
                 <a:latin typeface="Arial"/>
                 <a:ea typeface="DejaVu Sans"/>
               </a:rPr>
-              <a:t>from polls.models </a:t>
-            </a:r>
-            <a:r>
-              <a:rPr b="1" lang="en-US" sz="2600" spc="-1" strike="noStrike">
-                <a:solidFill>
-                  <a:srgbClr val="000000"/>
-                </a:solidFill>
-                <a:latin typeface="Arial"/>
-                <a:ea typeface="DejaVu Sans"/>
-              </a:rPr>
-              <a:t>import Question, </a:t>
-            </a:r>
-            <a:r>
-              <a:rPr b="1" lang="en-US" sz="2600" spc="-1" strike="noStrike">
-                <a:solidFill>
-                  <a:srgbClr val="000000"/>
-                </a:solidFill>
-                <a:latin typeface="Arial"/>
-                <a:ea typeface="DejaVu Sans"/>
-              </a:rPr>
-              <a:t>Choice</a:t>
+              <a:t>from polls.models import Question, Choice</a:t>
             </a:r>
             <a:endParaRPr b="0" lang="en-US" sz="2600" spc="-1" strike="noStrike">
               <a:latin typeface="Arial"/>
             </a:endParaRPr>
           </a:p>
           <a:p>
-            <a:pPr marL="342720" indent="-318240">
+            <a:pPr marL="342720" indent="-317880">
               <a:lnSpc>
                 <a:spcPct val="100000"/>
               </a:lnSpc>
@@ -25426,14 +27127,14 @@
       </p:grpSpPr>
       <p:sp>
         <p:nvSpPr>
-          <p:cNvPr id="205" name="CustomShape 1"/>
+          <p:cNvPr id="246" name="CustomShape 1"/>
           <p:cNvSpPr/>
           <p:nvPr/>
         </p:nvSpPr>
         <p:spPr>
           <a:xfrm>
             <a:off x="0" y="259920"/>
-            <a:ext cx="9144000" cy="823320"/>
+            <a:ext cx="9143640" cy="822960"/>
           </a:xfrm>
           <a:prstGeom prst="rect">
             <a:avLst/>
@@ -25515,14 +27216,14 @@
       </p:sp>
       <p:sp>
         <p:nvSpPr>
-          <p:cNvPr id="206" name="CustomShape 2"/>
+          <p:cNvPr id="247" name="CustomShape 2"/>
           <p:cNvSpPr/>
           <p:nvPr/>
         </p:nvSpPr>
         <p:spPr>
           <a:xfrm>
             <a:off x="674640" y="1400040"/>
-            <a:ext cx="7879680" cy="4422240"/>
+            <a:ext cx="8286480" cy="4421880"/>
           </a:xfrm>
           <a:prstGeom prst="rect">
             <a:avLst/>
@@ -25543,7 +27244,7 @@
             <a:normAutofit/>
           </a:bodyPr>
           <a:p>
-            <a:pPr marL="342720" indent="-318240">
+            <a:pPr marL="342720" indent="-317880">
               <a:lnSpc>
                 <a:spcPct val="100000"/>
               </a:lnSpc>
@@ -25569,7 +27270,7 @@
             </a:endParaRPr>
           </a:p>
           <a:p>
-            <a:pPr marL="342720" indent="-318240">
+            <a:pPr marL="342720" indent="-317880">
               <a:lnSpc>
                 <a:spcPct val="100000"/>
               </a:lnSpc>
@@ -25588,24 +27289,14 @@
                 <a:latin typeface="Arial"/>
                 <a:ea typeface="DejaVu Sans"/>
               </a:rPr>
-              <a:t>Set a reference (q) to the question you </a:t>
-            </a:r>
-            <a:r>
-              <a:rPr b="0" lang="en-US" sz="2600" spc="-1" strike="noStrike">
-                <a:solidFill>
-                  <a:srgbClr val="000000"/>
-                </a:solidFill>
-                <a:latin typeface="Arial"/>
-                <a:ea typeface="DejaVu Sans"/>
-              </a:rPr>
-              <a:t>create!</a:t>
+              <a:t>Set a reference (q) to the question you create!</a:t>
             </a:r>
             <a:endParaRPr b="0" lang="en-US" sz="2600" spc="-1" strike="noStrike">
               <a:latin typeface="Arial"/>
             </a:endParaRPr>
           </a:p>
           <a:p>
-            <a:pPr marL="342720" indent="-318240">
+            <a:pPr marL="342720" indent="-317880">
               <a:lnSpc>
                 <a:spcPct val="100000"/>
               </a:lnSpc>
@@ -25621,7 +27312,7 @@
             </a:endParaRPr>
           </a:p>
           <a:p>
-            <a:pPr marL="342720" indent="-318240">
+            <a:pPr marL="342720" indent="-317880">
               <a:lnSpc>
                 <a:spcPct val="100000"/>
               </a:lnSpc>
@@ -25643,21 +27334,41 @@
               <a:t>&gt;&gt;&gt; </a:t>
             </a:r>
             <a:r>
+              <a:rPr b="0" lang="en-US" sz="2600" spc="-1" strike="noStrike">
+                <a:solidFill>
+                  <a:srgbClr val="000080"/>
+                </a:solidFill>
+                <a:latin typeface="Courier New"/>
+                <a:ea typeface="DejaVu Sans"/>
+              </a:rPr>
+              <a:t>q = Question.objects.</a:t>
+            </a:r>
+            <a:r>
               <a:rPr b="1" lang="en-US" sz="2600" spc="-1" strike="noStrike">
                 <a:solidFill>
-                  <a:srgbClr val="c9211e"/>
-                </a:solidFill>
-                <a:latin typeface="Arial"/>
-                <a:ea typeface="DejaVu Sans"/>
-              </a:rPr>
-              <a:t>q = ???</a:t>
+                  <a:srgbClr val="000080"/>
+                </a:solidFill>
+                <a:latin typeface="Courier New"/>
+                <a:ea typeface="DejaVu Sans"/>
+              </a:rPr>
+              <a:t>create</a:t>
+            </a:r>
+            <a:r>
+              <a:rPr b="0" lang="en-US" sz="2600" spc="-1" strike="noStrike">
+                <a:solidFill>
+                  <a:srgbClr val="000080"/>
+                </a:solidFill>
+                <a:latin typeface="Courier New"/>
+                <a:ea typeface="DejaVu Sans"/>
+              </a:rPr>
+              <a:t>(</a:t>
             </a:r>
             <a:endParaRPr b="0" lang="en-US" sz="2600" spc="-1" strike="noStrike">
               <a:latin typeface="Arial"/>
             </a:endParaRPr>
           </a:p>
           <a:p>
-            <a:pPr marL="342720" indent="-318240">
+            <a:pPr marL="342720" indent="-317880">
               <a:lnSpc>
                 <a:spcPct val="100000"/>
               </a:lnSpc>
@@ -25671,12 +27382,136 @@
             <a:r>
               <a:rPr b="0" lang="en-US" sz="2600" spc="-1" strike="noStrike">
                 <a:solidFill>
+                  <a:srgbClr val="000080"/>
+                </a:solidFill>
+                <a:latin typeface="Courier New"/>
+                <a:ea typeface="DejaVu Sans"/>
+              </a:rPr>
+              <a:t>       </a:t>
+            </a:r>
+            <a:r>
+              <a:rPr b="0" lang="en-US" sz="2600" spc="-1" strike="noStrike">
+                <a:solidFill>
+                  <a:srgbClr val="000080"/>
+                </a:solidFill>
+                <a:latin typeface="Courier New"/>
+                <a:ea typeface="DejaVu Sans"/>
+              </a:rPr>
+              <a:t>question_text="..." pub_date=...)</a:t>
+            </a:r>
+            <a:endParaRPr b="0" lang="en-US" sz="2600" spc="-1" strike="noStrike">
+              <a:latin typeface="Arial"/>
+            </a:endParaRPr>
+          </a:p>
+          <a:p>
+            <a:pPr marL="342720" indent="-317880">
+              <a:lnSpc>
+                <a:spcPct val="100000"/>
+              </a:lnSpc>
+              <a:spcBef>
+                <a:spcPts val="598"/>
+              </a:spcBef>
+              <a:tabLst>
+                <a:tab algn="l" pos="0"/>
+              </a:tabLst>
+            </a:pPr>
+            <a:r>
+              <a:rPr b="0" lang="en-US" sz="2600" spc="-1" strike="noStrike">
+                <a:solidFill>
                   <a:srgbClr val="000000"/>
                 </a:solidFill>
                 <a:latin typeface="Arial"/>
                 <a:ea typeface="DejaVu Sans"/>
               </a:rPr>
-              <a:t>&gt;&gt;&gt;</a:t>
+              <a:t>&gt;&gt;&gt; </a:t>
+            </a:r>
+            <a:r>
+              <a:rPr b="0" lang="en-US" sz="2600" spc="-1" strike="noStrike">
+                <a:solidFill>
+                  <a:srgbClr val="000080"/>
+                </a:solidFill>
+                <a:latin typeface="Courier New"/>
+                <a:ea typeface="DejaVu Sans"/>
+              </a:rPr>
+              <a:t>q.id</a:t>
+            </a:r>
+            <a:endParaRPr b="0" lang="en-US" sz="2600" spc="-1" strike="noStrike">
+              <a:latin typeface="Arial"/>
+            </a:endParaRPr>
+          </a:p>
+          <a:p>
+            <a:pPr marL="342720" indent="-317880">
+              <a:lnSpc>
+                <a:spcPct val="100000"/>
+              </a:lnSpc>
+              <a:spcBef>
+                <a:spcPts val="598"/>
+              </a:spcBef>
+              <a:tabLst>
+                <a:tab algn="l" pos="0"/>
+              </a:tabLst>
+            </a:pPr>
+            <a:r>
+              <a:rPr b="0" lang="en-US" sz="2600" spc="-1" strike="noStrike">
+                <a:solidFill>
+                  <a:srgbClr val="000000"/>
+                </a:solidFill>
+                <a:latin typeface="Arial"/>
+                <a:ea typeface="DejaVu Sans"/>
+              </a:rPr>
+              <a:t>(shows the id of this question)</a:t>
+            </a:r>
+            <a:endParaRPr b="0" lang="en-US" sz="2600" spc="-1" strike="noStrike">
+              <a:latin typeface="Arial"/>
+            </a:endParaRPr>
+          </a:p>
+          <a:p>
+            <a:pPr marL="342720" indent="-317880">
+              <a:lnSpc>
+                <a:spcPct val="100000"/>
+              </a:lnSpc>
+              <a:spcBef>
+                <a:spcPts val="598"/>
+              </a:spcBef>
+              <a:tabLst>
+                <a:tab algn="l" pos="0"/>
+              </a:tabLst>
+            </a:pPr>
+            <a:endParaRPr b="0" lang="en-US" sz="2600" spc="-1" strike="noStrike">
+              <a:latin typeface="Arial"/>
+            </a:endParaRPr>
+          </a:p>
+          <a:p>
+            <a:pPr marL="342720" indent="-317880">
+              <a:lnSpc>
+                <a:spcPct val="100000"/>
+              </a:lnSpc>
+              <a:spcBef>
+                <a:spcPts val="598"/>
+              </a:spcBef>
+              <a:tabLst>
+                <a:tab algn="l" pos="0"/>
+              </a:tabLst>
+            </a:pPr>
+            <a:r>
+              <a:rPr b="0" lang="en-US" sz="2600" spc="-1" strike="noStrike">
+                <a:solidFill>
+                  <a:srgbClr val="000000"/>
+                </a:solidFill>
+                <a:latin typeface="Arial"/>
+                <a:ea typeface="DejaVu Sans"/>
+              </a:rPr>
+              <a:t>&gt;&gt;&gt; </a:t>
+            </a:r>
+            <a:r>
+              <a:rPr b="0" lang="en-US" sz="2600" spc="-1" strike="noStrike">
+                <a:solidFill>
+                  <a:srgbClr val="ff0000"/>
+                </a:solidFill>
+                <a:latin typeface="Arial"/>
+                <a:ea typeface="DejaVu Sans"/>
+              </a:rPr>
+              <a:t>what is another way to create &amp; save a Question?</a:t>
             </a:r>
             <a:endParaRPr b="0" lang="en-US" sz="2600" spc="-1" strike="noStrike">
               <a:latin typeface="Arial"/>
@@ -25723,14 +27558,14 @@
       </p:grpSpPr>
       <p:sp>
         <p:nvSpPr>
-          <p:cNvPr id="207" name="CustomShape 1"/>
+          <p:cNvPr id="248" name="CustomShape 1"/>
           <p:cNvSpPr/>
           <p:nvPr/>
         </p:nvSpPr>
         <p:spPr>
           <a:xfrm>
             <a:off x="0" y="259920"/>
-            <a:ext cx="9144000" cy="823320"/>
+            <a:ext cx="9143640" cy="822960"/>
           </a:xfrm>
           <a:prstGeom prst="rect">
             <a:avLst/>
@@ -25812,14 +27647,14 @@
       </p:sp>
       <p:sp>
         <p:nvSpPr>
-          <p:cNvPr id="208" name="CustomShape 2"/>
+          <p:cNvPr id="249" name="CustomShape 2"/>
           <p:cNvSpPr/>
           <p:nvPr/>
         </p:nvSpPr>
         <p:spPr>
           <a:xfrm>
             <a:off x="674640" y="1400040"/>
-            <a:ext cx="7879680" cy="4422240"/>
+            <a:ext cx="7879320" cy="4421880"/>
           </a:xfrm>
           <a:prstGeom prst="rect">
             <a:avLst/>
@@ -25840,7 +27675,7 @@
             <a:normAutofit/>
           </a:bodyPr>
           <a:p>
-            <a:pPr marL="342720" indent="-318240">
+            <a:pPr marL="342720" indent="-317880">
               <a:lnSpc>
                 <a:spcPct val="100000"/>
               </a:lnSpc>
@@ -25859,14 +27694,34 @@
                 <a:latin typeface="Arial"/>
                 <a:ea typeface="DejaVu Sans"/>
               </a:rPr>
-              <a:t>Create a choice for your question.</a:t>
+              <a:t>Create a </a:t>
+            </a:r>
+            <a:r>
+              <a:rPr b="0" lang="en-US" sz="2600" spc="-1" strike="noStrike">
+                <a:solidFill>
+                  <a:srgbClr val="ff0000"/>
+                </a:solidFill>
+                <a:latin typeface="Arial"/>
+                <a:ea typeface="DejaVu Sans"/>
+              </a:rPr>
+              <a:t>choice</a:t>
+            </a:r>
+            <a:r>
+              <a:rPr b="0" lang="en-US" sz="2600" spc="-1" strike="noStrike">
+                <a:solidFill>
+                  <a:srgbClr val="000000"/>
+                </a:solidFill>
+                <a:latin typeface="Arial"/>
+                <a:ea typeface="DejaVu Sans"/>
+              </a:rPr>
+              <a:t> for your question.</a:t>
             </a:r>
             <a:endParaRPr b="0" lang="en-US" sz="2600" spc="-1" strike="noStrike">
               <a:latin typeface="Arial"/>
             </a:endParaRPr>
           </a:p>
           <a:p>
-            <a:pPr marL="342720" indent="-318240">
+            <a:pPr marL="342720" indent="-317880">
               <a:lnSpc>
                 <a:spcPct val="100000"/>
               </a:lnSpc>
@@ -25882,7 +27737,7 @@
             </a:endParaRPr>
           </a:p>
           <a:p>
-            <a:pPr marL="342720" indent="-318240">
+            <a:pPr marL="342720" indent="-317880">
               <a:lnSpc>
                 <a:spcPct val="100000"/>
               </a:lnSpc>
@@ -25908,7 +27763,7 @@
             </a:endParaRPr>
           </a:p>
           <a:p>
-            <a:pPr marL="342720" indent="-318240">
+            <a:pPr marL="342720" indent="-317880">
               <a:lnSpc>
                 <a:spcPct val="100000"/>
               </a:lnSpc>
@@ -25974,14 +27829,14 @@
       </p:grpSpPr>
       <p:sp>
         <p:nvSpPr>
-          <p:cNvPr id="209" name="CustomShape 1"/>
+          <p:cNvPr id="250" name="CustomShape 1"/>
           <p:cNvSpPr/>
           <p:nvPr/>
         </p:nvSpPr>
         <p:spPr>
           <a:xfrm>
             <a:off x="0" y="259920"/>
-            <a:ext cx="9144000" cy="823320"/>
+            <a:ext cx="9143640" cy="822960"/>
           </a:xfrm>
           <a:prstGeom prst="rect">
             <a:avLst/>
@@ -26063,14 +27918,14 @@
       </p:sp>
       <p:sp>
         <p:nvSpPr>
-          <p:cNvPr id="210" name="CustomShape 2"/>
+          <p:cNvPr id="251" name="CustomShape 2"/>
           <p:cNvSpPr/>
           <p:nvPr/>
         </p:nvSpPr>
         <p:spPr>
           <a:xfrm>
             <a:off x="674640" y="1400040"/>
-            <a:ext cx="7879680" cy="4422240"/>
+            <a:ext cx="7879320" cy="4421880"/>
           </a:xfrm>
           <a:prstGeom prst="rect">
             <a:avLst/>
@@ -26091,7 +27946,7 @@
             <a:normAutofit/>
           </a:bodyPr>
           <a:p>
-            <a:pPr marL="342720" indent="-318240">
+            <a:pPr marL="342720" indent="-317880">
               <a:lnSpc>
                 <a:spcPct val="100000"/>
               </a:lnSpc>
@@ -26110,14 +27965,14 @@
                 <a:latin typeface="Arial"/>
                 <a:ea typeface="DejaVu Sans"/>
               </a:rPr>
-              <a:t>Many ways to do this.</a:t>
+              <a:t>Many ways to retrieve objects from storage.</a:t>
             </a:r>
             <a:endParaRPr b="0" lang="en-US" sz="2600" spc="-1" strike="noStrike">
               <a:latin typeface="Arial"/>
             </a:endParaRPr>
           </a:p>
           <a:p>
-            <a:pPr marL="342720" indent="-318240">
+            <a:pPr marL="342720" indent="-317880">
               <a:lnSpc>
                 <a:spcPct val="100000"/>
               </a:lnSpc>
@@ -26143,7 +27998,7 @@
             </a:endParaRPr>
           </a:p>
           <a:p>
-            <a:pPr marL="342720" indent="-318240">
+            <a:pPr marL="342720" indent="-317880">
               <a:lnSpc>
                 <a:spcPct val="100000"/>
               </a:lnSpc>
@@ -26169,7 +28024,7 @@
             </a:endParaRPr>
           </a:p>
           <a:p>
-            <a:pPr marL="342720" indent="-318240">
+            <a:pPr marL="342720" indent="-317880">
               <a:lnSpc>
                 <a:spcPct val="100000"/>
               </a:lnSpc>
@@ -26185,7 +28040,7 @@
             </a:endParaRPr>
           </a:p>
           <a:p>
-            <a:pPr marL="342720" indent="-318240">
+            <a:pPr marL="342720" indent="-317880">
               <a:lnSpc>
                 <a:spcPct val="100000"/>
               </a:lnSpc>
@@ -26211,7 +28066,7 @@
             </a:endParaRPr>
           </a:p>
           <a:p>
-            <a:pPr marL="342720" indent="-318240">
+            <a:pPr marL="342720" indent="-317880">
               <a:lnSpc>
                 <a:spcPct val="100000"/>
               </a:lnSpc>
@@ -26277,14 +28132,14 @@
       </p:grpSpPr>
       <p:sp>
         <p:nvSpPr>
-          <p:cNvPr id="211" name="CustomShape 1"/>
+          <p:cNvPr id="252" name="CustomShape 1"/>
           <p:cNvSpPr/>
           <p:nvPr/>
         </p:nvSpPr>
         <p:spPr>
           <a:xfrm>
             <a:off x="0" y="259920"/>
-            <a:ext cx="9144000" cy="823320"/>
+            <a:ext cx="9143640" cy="822960"/>
           </a:xfrm>
           <a:prstGeom prst="rect">
             <a:avLst/>
@@ -26366,14 +28221,14 @@
       </p:sp>
       <p:sp>
         <p:nvSpPr>
-          <p:cNvPr id="212" name="CustomShape 2"/>
+          <p:cNvPr id="253" name="CustomShape 2"/>
           <p:cNvSpPr/>
           <p:nvPr/>
         </p:nvSpPr>
         <p:spPr>
           <a:xfrm>
             <a:off x="674640" y="1400040"/>
-            <a:ext cx="7879680" cy="4422240"/>
+            <a:ext cx="7879320" cy="4421880"/>
           </a:xfrm>
           <a:prstGeom prst="rect">
             <a:avLst/>
@@ -26394,7 +28249,7 @@
             <a:normAutofit/>
           </a:bodyPr>
           <a:p>
-            <a:pPr marL="342720" indent="-318240">
+            <a:pPr marL="342720" indent="-317880">
               <a:lnSpc>
                 <a:spcPct val="100000"/>
               </a:lnSpc>
@@ -26405,12 +28260,12 @@
                 <a:tab algn="l" pos="0"/>
               </a:tabLst>
             </a:pPr>
-            <a:endParaRPr b="0" lang="en-US" sz="2600" spc="-1" strike="noStrike">
-              <a:latin typeface="Arial"/>
-            </a:endParaRPr>
-          </a:p>
-          <a:p>
-            <a:pPr marL="342720" indent="-318240">
+            <a:endParaRPr b="0" lang="en-US" sz="1800" spc="-1" strike="noStrike">
+              <a:latin typeface="Arial"/>
+            </a:endParaRPr>
+          </a:p>
+          <a:p>
+            <a:pPr marL="342720" indent="-317880">
               <a:lnSpc>
                 <a:spcPct val="100000"/>
               </a:lnSpc>
@@ -26421,12 +28276,12 @@
                 <a:tab algn="l" pos="0"/>
               </a:tabLst>
             </a:pPr>
-            <a:endParaRPr b="0" lang="en-US" sz="2600" spc="-1" strike="noStrike">
-              <a:latin typeface="Arial"/>
-            </a:endParaRPr>
-          </a:p>
-          <a:p>
-            <a:pPr marL="342720" indent="-318240">
+            <a:endParaRPr b="0" lang="en-US" sz="1800" spc="-1" strike="noStrike">
+              <a:latin typeface="Arial"/>
+            </a:endParaRPr>
+          </a:p>
+          <a:p>
+            <a:pPr marL="342720" indent="-317880">
               <a:lnSpc>
                 <a:spcPct val="100000"/>
               </a:lnSpc>
@@ -26452,7 +28307,7 @@
             </a:endParaRPr>
           </a:p>
           <a:p>
-            <a:pPr marL="342720" indent="-318240">
+            <a:pPr marL="342720" indent="-317880">
               <a:lnSpc>
                 <a:spcPct val="100000"/>
               </a:lnSpc>
@@ -26488,7 +28343,7 @@
             </a:endParaRPr>
           </a:p>
           <a:p>
-            <a:pPr marL="342720" indent="-318240">
+            <a:pPr marL="342720" indent="-317880">
               <a:lnSpc>
                 <a:spcPct val="100000"/>
               </a:lnSpc>
@@ -26514,7 +28369,7 @@
             </a:endParaRPr>
           </a:p>
           <a:p>
-            <a:pPr marL="342720" indent="-318240">
+            <a:pPr marL="342720" indent="-317880">
               <a:lnSpc>
                 <a:spcPct val="100000"/>
               </a:lnSpc>
@@ -26538,7 +28393,7 @@
             <a:r>
               <a:rPr b="1" lang="en-US" sz="2600" spc="-1" strike="noStrike">
                 <a:solidFill>
-                  <a:srgbClr val="000000"/>
+                  <a:srgbClr val="ff0000"/>
                 </a:solidFill>
                 <a:latin typeface="Arial"/>
                 <a:ea typeface="DejaVu Sans"/>
@@ -26590,14 +28445,14 @@
       </p:grpSpPr>
       <p:sp>
         <p:nvSpPr>
-          <p:cNvPr id="213" name="CustomShape 1"/>
+          <p:cNvPr id="254" name="CustomShape 1"/>
           <p:cNvSpPr/>
           <p:nvPr/>
         </p:nvSpPr>
         <p:spPr>
           <a:xfrm>
             <a:off x="0" y="259920"/>
-            <a:ext cx="9144000" cy="823320"/>
+            <a:ext cx="9143640" cy="822960"/>
           </a:xfrm>
           <a:prstGeom prst="rect">
             <a:avLst/>
@@ -26679,14 +28534,14 @@
       </p:sp>
       <p:sp>
         <p:nvSpPr>
-          <p:cNvPr id="214" name="CustomShape 2"/>
+          <p:cNvPr id="255" name="CustomShape 2"/>
           <p:cNvSpPr/>
           <p:nvPr/>
         </p:nvSpPr>
         <p:spPr>
           <a:xfrm>
             <a:off x="674640" y="1400040"/>
-            <a:ext cx="7879680" cy="4422240"/>
+            <a:ext cx="7879320" cy="4421880"/>
           </a:xfrm>
           <a:prstGeom prst="rect">
             <a:avLst/>
@@ -26707,7 +28562,7 @@
             <a:normAutofit/>
           </a:bodyPr>
           <a:p>
-            <a:pPr marL="342720" indent="-318240">
+            <a:pPr marL="342720" indent="-317880">
               <a:lnSpc>
                 <a:spcPct val="100000"/>
               </a:lnSpc>
@@ -26718,12 +28573,12 @@
                 <a:tab algn="l" pos="0"/>
               </a:tabLst>
             </a:pPr>
-            <a:endParaRPr b="0" lang="en-US" sz="2600" spc="-1" strike="noStrike">
-              <a:latin typeface="Arial"/>
-            </a:endParaRPr>
-          </a:p>
-          <a:p>
-            <a:pPr marL="342720" indent="-318240">
+            <a:endParaRPr b="0" lang="en-US" sz="1800" spc="-1" strike="noStrike">
+              <a:latin typeface="Arial"/>
+            </a:endParaRPr>
+          </a:p>
+          <a:p>
+            <a:pPr marL="342720" indent="-317880">
               <a:lnSpc>
                 <a:spcPct val="100000"/>
               </a:lnSpc>
@@ -26734,12 +28589,12 @@
                 <a:tab algn="l" pos="0"/>
               </a:tabLst>
             </a:pPr>
-            <a:endParaRPr b="0" lang="en-US" sz="2600" spc="-1" strike="noStrike">
-              <a:latin typeface="Arial"/>
-            </a:endParaRPr>
-          </a:p>
-          <a:p>
-            <a:pPr marL="342720" indent="-318240">
+            <a:endParaRPr b="0" lang="en-US" sz="1800" spc="-1" strike="noStrike">
+              <a:latin typeface="Arial"/>
+            </a:endParaRPr>
+          </a:p>
+          <a:p>
+            <a:pPr marL="342720" indent="-317880">
               <a:lnSpc>
                 <a:spcPct val="100000"/>
               </a:lnSpc>
@@ -26765,7 +28620,7 @@
             </a:endParaRPr>
           </a:p>
           <a:p>
-            <a:pPr marL="342720" indent="-318240">
+            <a:pPr marL="342720" indent="-317880">
               <a:lnSpc>
                 <a:spcPct val="100000"/>
               </a:lnSpc>
@@ -26831,14 +28686,14 @@
       </p:grpSpPr>
       <p:sp>
         <p:nvSpPr>
-          <p:cNvPr id="215" name="CustomShape 1"/>
+          <p:cNvPr id="256" name="CustomShape 1"/>
           <p:cNvSpPr/>
           <p:nvPr/>
         </p:nvSpPr>
         <p:spPr>
           <a:xfrm>
             <a:off x="611280" y="260280"/>
-            <a:ext cx="7890480" cy="834480"/>
+            <a:ext cx="7890120" cy="834120"/>
           </a:xfrm>
           <a:prstGeom prst="rect">
             <a:avLst/>
@@ -26920,14 +28775,14 @@
       </p:sp>
       <p:sp>
         <p:nvSpPr>
-          <p:cNvPr id="216" name="CustomShape 2"/>
+          <p:cNvPr id="257" name="CustomShape 2"/>
           <p:cNvSpPr/>
           <p:nvPr/>
         </p:nvSpPr>
         <p:spPr>
           <a:xfrm>
             <a:off x="611280" y="1095480"/>
-            <a:ext cx="7890480" cy="1007280"/>
+            <a:ext cx="7890120" cy="1006920"/>
           </a:xfrm>
           <a:prstGeom prst="rect">
             <a:avLst/>
@@ -27065,14 +28920,14 @@
       </p:sp>
       <p:sp>
         <p:nvSpPr>
-          <p:cNvPr id="217" name="CustomShape 3"/>
+          <p:cNvPr id="258" name="CustomShape 3"/>
           <p:cNvSpPr/>
           <p:nvPr/>
         </p:nvSpPr>
         <p:spPr>
           <a:xfrm>
             <a:off x="457200" y="1736640"/>
-            <a:ext cx="8171640" cy="4558680"/>
+            <a:ext cx="8171280" cy="4558320"/>
           </a:xfrm>
           <a:custGeom>
             <a:avLst/>
@@ -27316,7 +29171,7 @@
                 <a:latin typeface="Courier New"/>
                 <a:ea typeface="DejaVu Sans"/>
               </a:rPr>
-              <a:t># Foreign Key.  You have to find this separately.</a:t>
+              <a:t># Foreign Key.  You have to find the question id.</a:t>
             </a:r>
             <a:endParaRPr b="0" lang="en-US" sz="2000" spc="-1" strike="noStrike">
               <a:latin typeface="Arial"/>
@@ -27919,12 +29774,12 @@
             <a:r>
               <a:rPr b="1" lang="en-US" sz="2000" spc="-1" strike="noStrike">
                 <a:solidFill>
-                  <a:srgbClr val="000080"/>
-                </a:solidFill>
-                <a:latin typeface="Courier New"/>
-                <a:ea typeface="DejaVu Sans"/>
-              </a:rPr>
-              <a:t>pascal.delete()</a:t>
+                  <a:srgbClr val="ff0000"/>
+                </a:solidFill>
+                <a:latin typeface="Courier New"/>
+                <a:ea typeface="DejaVu Sans"/>
+              </a:rPr>
+              <a:t>??? delete it ???</a:t>
             </a:r>
             <a:endParaRPr b="0" lang="en-US" sz="2000" spc="-1" strike="noStrike">
               <a:latin typeface="Arial"/>
@@ -27964,14 +29819,14 @@
       </p:grpSpPr>
       <p:sp>
         <p:nvSpPr>
-          <p:cNvPr id="218" name="TextShape 1"/>
-          <p:cNvSpPr txBox="1"/>
+          <p:cNvPr id="259" name="CustomShape 1"/>
+          <p:cNvSpPr/>
           <p:nvPr/>
         </p:nvSpPr>
         <p:spPr>
           <a:xfrm>
             <a:off x="457200" y="273600"/>
-            <a:ext cx="8229240" cy="915120"/>
+            <a:ext cx="8228880" cy="914760"/>
           </a:xfrm>
           <a:prstGeom prst="rect">
             <a:avLst/>
@@ -27981,12 +29836,22 @@
             <a:noFill/>
           </a:ln>
         </p:spPr>
+        <p:style>
+          <a:lnRef idx="0"/>
+          <a:fillRef idx="0"/>
+          <a:effectRef idx="0"/>
+          <a:fontRef idx="minor"/>
+        </p:style>
         <p:txBody>
           <a:bodyPr lIns="0" rIns="0" tIns="0" bIns="0" anchor="ctr">
             <a:noAutofit/>
           </a:bodyPr>
           <a:p>
-            <a:pPr algn="ctr"/>
+            <a:pPr algn="ctr">
+              <a:lnSpc>
+                <a:spcPct val="100000"/>
+              </a:lnSpc>
+            </a:pPr>
             <a:r>
               <a:rPr b="0" lang="en-US" sz="4400" spc="-1" strike="noStrike">
                 <a:solidFill>
@@ -27997,9 +29862,6 @@
               <a:t>Testing</a:t>
             </a:r>
             <a:endParaRPr b="0" lang="en-US" sz="4400" spc="-1" strike="noStrike">
-              <a:solidFill>
-                <a:srgbClr val="000080"/>
-              </a:solidFill>
               <a:latin typeface="Arial"/>
             </a:endParaRPr>
           </a:p>
@@ -28044,14 +29906,14 @@
       </p:grpSpPr>
       <p:sp>
         <p:nvSpPr>
-          <p:cNvPr id="219" name="CustomShape 1"/>
+          <p:cNvPr id="260" name="CustomShape 1"/>
           <p:cNvSpPr/>
           <p:nvPr/>
         </p:nvSpPr>
         <p:spPr>
           <a:xfrm>
             <a:off x="611280" y="259920"/>
-            <a:ext cx="7879680" cy="823320"/>
+            <a:ext cx="7879320" cy="822960"/>
           </a:xfrm>
           <a:prstGeom prst="rect">
             <a:avLst/>
@@ -28133,14 +29995,14 @@
       </p:sp>
       <p:sp>
         <p:nvSpPr>
-          <p:cNvPr id="220" name="CustomShape 2"/>
+          <p:cNvPr id="261" name="CustomShape 2"/>
           <p:cNvSpPr/>
           <p:nvPr/>
         </p:nvSpPr>
         <p:spPr>
           <a:xfrm>
             <a:off x="674640" y="1400040"/>
-            <a:ext cx="7879680" cy="4422240"/>
+            <a:ext cx="7879320" cy="4421880"/>
           </a:xfrm>
           <a:prstGeom prst="rect">
             <a:avLst/>
@@ -28161,7 +30023,7 @@
             <a:normAutofit/>
           </a:bodyPr>
           <a:p>
-            <a:pPr marL="342720" indent="-318240">
+            <a:pPr marL="342720" indent="-317880">
               <a:lnSpc>
                 <a:spcPct val="100000"/>
               </a:lnSpc>
@@ -28187,7 +30049,7 @@
             </a:endParaRPr>
           </a:p>
           <a:p>
-            <a:pPr marL="342720" indent="-318240">
+            <a:pPr marL="342720" indent="-317880">
               <a:lnSpc>
                 <a:spcPct val="100000"/>
               </a:lnSpc>
@@ -28203,7 +30065,7 @@
             </a:endParaRPr>
           </a:p>
           <a:p>
-            <a:pPr marL="342720" indent="-318240">
+            <a:pPr marL="342720" indent="-317880">
               <a:lnSpc>
                 <a:spcPct val="100000"/>
               </a:lnSpc>
@@ -28249,7 +30111,7 @@
             </a:endParaRPr>
           </a:p>
           <a:p>
-            <a:pPr marL="342720" indent="-318240">
+            <a:pPr marL="342720" indent="-317880">
               <a:lnSpc>
                 <a:spcPct val="100000"/>
               </a:lnSpc>
@@ -28285,7 +30147,7 @@
             </a:endParaRPr>
           </a:p>
           <a:p>
-            <a:pPr marL="342720" indent="-318240">
+            <a:pPr marL="342720" indent="-317880">
               <a:lnSpc>
                 <a:spcPct val="100000"/>
               </a:lnSpc>
@@ -28321,7 +30183,7 @@
             </a:endParaRPr>
           </a:p>
           <a:p>
-            <a:pPr marL="342720" indent="-318240">
+            <a:pPr marL="342720" indent="-317880">
               <a:lnSpc>
                 <a:spcPct val="100000"/>
               </a:lnSpc>
@@ -28360,14 +30222,14 @@
       </p:sp>
       <p:sp>
         <p:nvSpPr>
-          <p:cNvPr id="221" name="CustomShape 3"/>
+          <p:cNvPr id="262" name="CustomShape 3"/>
           <p:cNvSpPr/>
           <p:nvPr/>
         </p:nvSpPr>
         <p:spPr>
           <a:xfrm>
             <a:off x="2193840" y="4754520"/>
-            <a:ext cx="6638400" cy="1735920"/>
+            <a:ext cx="6638040" cy="1735560"/>
           </a:xfrm>
           <a:custGeom>
             <a:avLst/>
@@ -28688,7 +30550,7 @@
       </p:sp>
       <p:sp>
         <p:nvSpPr>
-          <p:cNvPr id="222" name="Line 4"/>
+          <p:cNvPr id="263" name="Line 4"/>
           <p:cNvSpPr/>
           <p:nvPr/>
         </p:nvSpPr>
@@ -28754,14 +30616,14 @@
       </p:grpSpPr>
       <p:sp>
         <p:nvSpPr>
-          <p:cNvPr id="223" name="CustomShape 1"/>
+          <p:cNvPr id="264" name="CustomShape 1"/>
           <p:cNvSpPr/>
           <p:nvPr/>
         </p:nvSpPr>
         <p:spPr>
           <a:xfrm>
             <a:off x="611280" y="259920"/>
-            <a:ext cx="7879680" cy="823320"/>
+            <a:ext cx="7879320" cy="822960"/>
           </a:xfrm>
           <a:prstGeom prst="rect">
             <a:avLst/>
@@ -28843,14 +30705,14 @@
       </p:sp>
       <p:sp>
         <p:nvSpPr>
-          <p:cNvPr id="224" name="CustomShape 2"/>
+          <p:cNvPr id="265" name="CustomShape 2"/>
           <p:cNvSpPr/>
           <p:nvPr/>
         </p:nvSpPr>
         <p:spPr>
           <a:xfrm>
             <a:off x="674640" y="1399680"/>
-            <a:ext cx="7879680" cy="5000040"/>
+            <a:ext cx="7879320" cy="4999680"/>
           </a:xfrm>
           <a:prstGeom prst="rect">
             <a:avLst/>
@@ -28874,7 +30736,7 @@
             <a:normAutofit/>
           </a:bodyPr>
           <a:p>
-            <a:pPr marL="342720" indent="-318240">
+            <a:pPr marL="342720" indent="-317880">
               <a:lnSpc>
                 <a:spcPct val="100000"/>
               </a:lnSpc>
@@ -28910,7 +30772,7 @@
             </a:endParaRPr>
           </a:p>
           <a:p>
-            <a:pPr marL="342720" indent="-318240">
+            <a:pPr marL="342720" indent="-317880">
               <a:lnSpc>
                 <a:spcPct val="100000"/>
               </a:lnSpc>
@@ -28946,7 +30808,7 @@
             </a:endParaRPr>
           </a:p>
           <a:p>
-            <a:pPr marL="342720" indent="-318240">
+            <a:pPr marL="342720" indent="-317880">
               <a:lnSpc>
                 <a:spcPct val="100000"/>
               </a:lnSpc>
@@ -28992,7 +30854,7 @@
             </a:endParaRPr>
           </a:p>
           <a:p>
-            <a:pPr marL="342720" indent="-318240">
+            <a:pPr marL="342720" indent="-317880">
               <a:lnSpc>
                 <a:spcPct val="100000"/>
               </a:lnSpc>
@@ -29028,7 +30890,7 @@
             </a:endParaRPr>
           </a:p>
           <a:p>
-            <a:pPr marL="342720" indent="-318240">
+            <a:pPr marL="342720" indent="-317880">
               <a:lnSpc>
                 <a:spcPct val="100000"/>
               </a:lnSpc>
@@ -29064,7 +30926,7 @@
             </a:endParaRPr>
           </a:p>
           <a:p>
-            <a:pPr marL="342720" indent="-318240">
+            <a:pPr marL="342720" indent="-317880">
               <a:lnSpc>
                 <a:spcPct val="100000"/>
               </a:lnSpc>
@@ -29100,7 +30962,7 @@
             </a:endParaRPr>
           </a:p>
           <a:p>
-            <a:pPr marL="342720" indent="-318240">
+            <a:pPr marL="342720" indent="-317880">
               <a:lnSpc>
                 <a:spcPct val="100000"/>
               </a:lnSpc>
@@ -29136,7 +30998,7 @@
             </a:endParaRPr>
           </a:p>
           <a:p>
-            <a:pPr marL="342720" indent="-318240">
+            <a:pPr marL="342720" indent="-317880">
               <a:lnSpc>
                 <a:spcPct val="100000"/>
               </a:lnSpc>
@@ -29172,7 +31034,7 @@
             </a:endParaRPr>
           </a:p>
           <a:p>
-            <a:pPr marL="342720" indent="-318240">
+            <a:pPr marL="342720" indent="-317880">
               <a:lnSpc>
                 <a:spcPct val="100000"/>
               </a:lnSpc>
@@ -29208,7 +31070,7 @@
             </a:endParaRPr>
           </a:p>
           <a:p>
-            <a:pPr marL="342720" indent="-318240">
+            <a:pPr marL="342720" indent="-317880">
               <a:lnSpc>
                 <a:spcPct val="100000"/>
               </a:lnSpc>
@@ -29244,7 +31106,7 @@
             </a:endParaRPr>
           </a:p>
           <a:p>
-            <a:pPr marL="342720" indent="-318240">
+            <a:pPr marL="342720" indent="-317880">
               <a:lnSpc>
                 <a:spcPct val="100000"/>
               </a:lnSpc>
@@ -29300,14 +31162,14 @@
       </p:grpSpPr>
       <p:sp>
         <p:nvSpPr>
-          <p:cNvPr id="106" name="CustomShape 1"/>
+          <p:cNvPr id="147" name="CustomShape 1"/>
           <p:cNvSpPr/>
           <p:nvPr/>
         </p:nvSpPr>
         <p:spPr>
           <a:xfrm>
             <a:off x="611280" y="260280"/>
-            <a:ext cx="7890480" cy="834480"/>
+            <a:ext cx="7890120" cy="834120"/>
           </a:xfrm>
           <a:prstGeom prst="rect">
             <a:avLst/>
@@ -29410,14 +31272,14 @@
       </p:sp>
       <p:sp>
         <p:nvSpPr>
-          <p:cNvPr id="107" name="CustomShape 2"/>
+          <p:cNvPr id="148" name="CustomShape 2"/>
           <p:cNvSpPr/>
           <p:nvPr/>
         </p:nvSpPr>
         <p:spPr>
           <a:xfrm>
             <a:off x="566640" y="1188720"/>
-            <a:ext cx="8103600" cy="2010600"/>
+            <a:ext cx="8103240" cy="2010240"/>
           </a:xfrm>
           <a:prstGeom prst="rect">
             <a:avLst/>
@@ -29586,14 +31448,14 @@
       </p:sp>
       <p:sp>
         <p:nvSpPr>
-          <p:cNvPr id="108" name="CustomShape 3"/>
+          <p:cNvPr id="149" name="CustomShape 3"/>
           <p:cNvSpPr/>
           <p:nvPr/>
         </p:nvSpPr>
         <p:spPr>
           <a:xfrm>
             <a:off x="457200" y="1920240"/>
-            <a:ext cx="8321040" cy="3991680"/>
+            <a:ext cx="8320680" cy="3991320"/>
           </a:xfrm>
           <a:custGeom>
             <a:avLst/>
@@ -30348,14 +32210,14 @@
       </p:grpSpPr>
       <p:sp>
         <p:nvSpPr>
-          <p:cNvPr id="225" name="CustomShape 1"/>
+          <p:cNvPr id="266" name="CustomShape 1"/>
           <p:cNvSpPr/>
           <p:nvPr/>
         </p:nvSpPr>
         <p:spPr>
           <a:xfrm>
             <a:off x="611280" y="259920"/>
-            <a:ext cx="7879680" cy="823320"/>
+            <a:ext cx="7879320" cy="822960"/>
           </a:xfrm>
           <a:prstGeom prst="rect">
             <a:avLst/>
@@ -30437,14 +32299,14 @@
       </p:sp>
       <p:sp>
         <p:nvSpPr>
-          <p:cNvPr id="226" name="CustomShape 2"/>
+          <p:cNvPr id="267" name="CustomShape 2"/>
           <p:cNvSpPr/>
           <p:nvPr/>
         </p:nvSpPr>
         <p:spPr>
           <a:xfrm>
             <a:off x="674640" y="1400040"/>
-            <a:ext cx="7879680" cy="4422240"/>
+            <a:ext cx="7879320" cy="4421880"/>
           </a:xfrm>
           <a:prstGeom prst="rect">
             <a:avLst/>
@@ -30465,7 +32327,7 @@
             <a:normAutofit/>
           </a:bodyPr>
           <a:p>
-            <a:pPr marL="342720" indent="-318240">
+            <a:pPr marL="342720" indent="-317880">
               <a:lnSpc>
                 <a:spcPct val="100000"/>
               </a:lnSpc>
@@ -30501,7 +32363,7 @@
             </a:endParaRPr>
           </a:p>
           <a:p>
-            <a:pPr marL="342720" indent="-318240">
+            <a:pPr marL="342720" indent="-317880">
               <a:lnSpc>
                 <a:spcPct val="100000"/>
               </a:lnSpc>
@@ -30517,7 +32379,7 @@
             </a:endParaRPr>
           </a:p>
           <a:p>
-            <a:pPr marL="342720" indent="-318240">
+            <a:pPr marL="342720" indent="-317880">
               <a:lnSpc>
                 <a:spcPct val="100000"/>
               </a:lnSpc>
@@ -30553,7 +32415,7 @@
             </a:endParaRPr>
           </a:p>
           <a:p>
-            <a:pPr marL="537840" indent="-537120">
+            <a:pPr marL="537840" indent="-536760">
               <a:lnSpc>
                 <a:spcPct val="100000"/>
               </a:lnSpc>
@@ -30621,7 +32483,7 @@
             </a:endParaRPr>
           </a:p>
           <a:p>
-            <a:pPr marL="537840" indent="-537120">
+            <a:pPr marL="537840" indent="-536760">
               <a:lnSpc>
                 <a:spcPct val="100000"/>
               </a:lnSpc>
@@ -30699,7 +32561,7 @@
             </a:endParaRPr>
           </a:p>
           <a:p>
-            <a:pPr marL="537840" indent="-537120">
+            <a:pPr marL="537840" indent="-536760">
               <a:lnSpc>
                 <a:spcPct val="100000"/>
               </a:lnSpc>
@@ -30817,14 +32679,14 @@
       </p:grpSpPr>
       <p:sp>
         <p:nvSpPr>
-          <p:cNvPr id="227" name="CustomShape 1"/>
+          <p:cNvPr id="268" name="CustomShape 1"/>
           <p:cNvSpPr/>
           <p:nvPr/>
         </p:nvSpPr>
         <p:spPr>
           <a:xfrm>
             <a:off x="610920" y="260280"/>
-            <a:ext cx="7877880" cy="821520"/>
+            <a:ext cx="7877520" cy="821160"/>
           </a:xfrm>
           <a:prstGeom prst="rect">
             <a:avLst/>
@@ -30906,14 +32768,14 @@
       </p:sp>
       <p:sp>
         <p:nvSpPr>
-          <p:cNvPr id="228" name="CustomShape 2"/>
+          <p:cNvPr id="269" name="CustomShape 2"/>
           <p:cNvSpPr/>
           <p:nvPr/>
         </p:nvSpPr>
         <p:spPr>
           <a:xfrm>
             <a:off x="674640" y="1399680"/>
-            <a:ext cx="7878240" cy="4420440"/>
+            <a:ext cx="7877880" cy="4420080"/>
           </a:xfrm>
           <a:prstGeom prst="rect">
             <a:avLst/>
@@ -30934,7 +32796,7 @@
             <a:normAutofit/>
           </a:bodyPr>
           <a:p>
-            <a:pPr marL="342720" indent="-320040">
+            <a:pPr marL="342720" indent="-319680">
               <a:lnSpc>
                 <a:spcPct val="100000"/>
               </a:lnSpc>
@@ -30980,7 +32842,7 @@
             </a:endParaRPr>
           </a:p>
           <a:p>
-            <a:pPr marL="342720" indent="-320040">
+            <a:pPr marL="342720" indent="-319680">
               <a:lnSpc>
                 <a:spcPct val="100000"/>
               </a:lnSpc>
@@ -31046,7 +32908,7 @@
             </a:endParaRPr>
           </a:p>
           <a:p>
-            <a:pPr marL="342720" indent="-320040">
+            <a:pPr marL="342720" indent="-319680">
               <a:lnSpc>
                 <a:spcPct val="100000"/>
               </a:lnSpc>
@@ -31062,7 +32924,7 @@
             </a:endParaRPr>
           </a:p>
           <a:p>
-            <a:pPr marL="342720" indent="-320040">
+            <a:pPr marL="342720" indent="-319680">
               <a:lnSpc>
                 <a:spcPct val="100000"/>
               </a:lnSpc>
@@ -31088,7 +32950,7 @@
             </a:endParaRPr>
           </a:p>
           <a:p>
-            <a:pPr marL="342720" indent="-320040">
+            <a:pPr marL="342720" indent="-319680">
               <a:lnSpc>
                 <a:spcPct val="100000"/>
               </a:lnSpc>
@@ -31114,7 +32976,7 @@
             </a:endParaRPr>
           </a:p>
           <a:p>
-            <a:pPr marL="342720" indent="-320040">
+            <a:pPr marL="342720" indent="-319680">
               <a:lnSpc>
                 <a:spcPct val="100000"/>
               </a:lnSpc>
@@ -31130,7 +32992,7 @@
             </a:endParaRPr>
           </a:p>
           <a:p>
-            <a:pPr marL="342720" indent="-320040">
+            <a:pPr marL="342720" indent="-319680">
               <a:lnSpc>
                 <a:spcPct val="100000"/>
               </a:lnSpc>
@@ -31156,7 +33018,7 @@
             </a:endParaRPr>
           </a:p>
           <a:p>
-            <a:pPr marL="342720" indent="-320040">
+            <a:pPr marL="342720" indent="-319680">
               <a:lnSpc>
                 <a:spcPct val="100000"/>
               </a:lnSpc>
@@ -31222,14 +33084,14 @@
       </p:grpSpPr>
       <p:sp>
         <p:nvSpPr>
-          <p:cNvPr id="229" name="CustomShape 1"/>
+          <p:cNvPr id="270" name="CustomShape 1"/>
           <p:cNvSpPr/>
           <p:nvPr/>
         </p:nvSpPr>
         <p:spPr>
           <a:xfrm>
             <a:off x="610920" y="260280"/>
-            <a:ext cx="7877880" cy="821520"/>
+            <a:ext cx="7877520" cy="821160"/>
           </a:xfrm>
           <a:prstGeom prst="rect">
             <a:avLst/>
@@ -31311,14 +33173,14 @@
       </p:sp>
       <p:sp>
         <p:nvSpPr>
-          <p:cNvPr id="230" name="CustomShape 2"/>
+          <p:cNvPr id="271" name="CustomShape 2"/>
           <p:cNvSpPr/>
           <p:nvPr/>
         </p:nvSpPr>
         <p:spPr>
           <a:xfrm>
             <a:off x="674640" y="1399680"/>
-            <a:ext cx="7878240" cy="4420440"/>
+            <a:ext cx="7877880" cy="4420080"/>
           </a:xfrm>
           <a:prstGeom prst="rect">
             <a:avLst/>
@@ -31339,7 +33201,7 @@
             <a:normAutofit/>
           </a:bodyPr>
           <a:p>
-            <a:pPr marL="342720" indent="-320040">
+            <a:pPr marL="342720" indent="-319680">
               <a:lnSpc>
                 <a:spcPct val="100000"/>
               </a:lnSpc>
@@ -31365,7 +33227,7 @@
             </a:endParaRPr>
           </a:p>
           <a:p>
-            <a:pPr marL="342720" indent="-320040">
+            <a:pPr marL="342720" indent="-319680">
               <a:lnSpc>
                 <a:spcPct val="100000"/>
               </a:lnSpc>
@@ -31381,7 +33243,7 @@
             </a:endParaRPr>
           </a:p>
           <a:p>
-            <a:pPr marL="342720" indent="-320040">
+            <a:pPr marL="342720" indent="-319680">
               <a:lnSpc>
                 <a:spcPct val="100000"/>
               </a:lnSpc>
@@ -31407,7 +33269,7 @@
             </a:endParaRPr>
           </a:p>
           <a:p>
-            <a:pPr marL="342720" indent="-320040">
+            <a:pPr marL="342720" indent="-319680">
               <a:lnSpc>
                 <a:spcPct val="100000"/>
               </a:lnSpc>
@@ -31423,7 +33285,7 @@
             </a:endParaRPr>
           </a:p>
           <a:p>
-            <a:pPr marL="342720" indent="-320040">
+            <a:pPr marL="342720" indent="-319680">
               <a:lnSpc>
                 <a:spcPct val="100000"/>
               </a:lnSpc>
@@ -31489,14 +33351,14 @@
       </p:grpSpPr>
       <p:sp>
         <p:nvSpPr>
-          <p:cNvPr id="231" name="CustomShape 1"/>
+          <p:cNvPr id="272" name="CustomShape 1"/>
           <p:cNvSpPr/>
           <p:nvPr/>
         </p:nvSpPr>
         <p:spPr>
           <a:xfrm>
             <a:off x="610920" y="260280"/>
-            <a:ext cx="7877880" cy="821520"/>
+            <a:ext cx="7877520" cy="821160"/>
           </a:xfrm>
           <a:prstGeom prst="rect">
             <a:avLst/>
@@ -31578,14 +33440,14 @@
       </p:sp>
       <p:sp>
         <p:nvSpPr>
-          <p:cNvPr id="232" name="CustomShape 2"/>
+          <p:cNvPr id="273" name="CustomShape 2"/>
           <p:cNvSpPr/>
           <p:nvPr/>
         </p:nvSpPr>
         <p:spPr>
           <a:xfrm>
             <a:off x="457200" y="1400040"/>
-            <a:ext cx="8228880" cy="4817520"/>
+            <a:ext cx="8228520" cy="4817160"/>
           </a:xfrm>
           <a:prstGeom prst="rect">
             <a:avLst/>
@@ -31606,7 +33468,7 @@
             <a:normAutofit/>
           </a:bodyPr>
           <a:p>
-            <a:pPr marL="342720" indent="-320040">
+            <a:pPr marL="342720" indent="-319680">
               <a:lnSpc>
                 <a:spcPct val="100000"/>
               </a:lnSpc>
@@ -31632,7 +33494,7 @@
             </a:endParaRPr>
           </a:p>
           <a:p>
-            <a:pPr marL="342720" indent="-320040">
+            <a:pPr marL="342720" indent="-319680">
               <a:lnSpc>
                 <a:spcPct val="100000"/>
               </a:lnSpc>
@@ -31689,7 +33551,7 @@
             </a:endParaRPr>
           </a:p>
           <a:p>
-            <a:pPr marL="342720" indent="-320040">
+            <a:pPr marL="342720" indent="-319680">
               <a:lnSpc>
                 <a:spcPct val="100000"/>
               </a:lnSpc>
@@ -31705,7 +33567,7 @@
             </a:endParaRPr>
           </a:p>
           <a:p>
-            <a:pPr marL="342720" indent="-320040">
+            <a:pPr marL="342720" indent="-319680">
               <a:lnSpc>
                 <a:spcPct val="100000"/>
               </a:lnSpc>
@@ -31721,7 +33583,7 @@
             </a:endParaRPr>
           </a:p>
           <a:p>
-            <a:pPr marL="342720" indent="-320040">
+            <a:pPr marL="342720" indent="-319680">
               <a:lnSpc>
                 <a:spcPct val="100000"/>
               </a:lnSpc>
@@ -31737,7 +33599,7 @@
             </a:endParaRPr>
           </a:p>
           <a:p>
-            <a:pPr marL="342720" indent="-320040">
+            <a:pPr marL="342720" indent="-319680">
               <a:lnSpc>
                 <a:spcPct val="100000"/>
               </a:lnSpc>
@@ -31753,7 +33615,7 @@
             </a:endParaRPr>
           </a:p>
           <a:p>
-            <a:pPr marL="342720" indent="-320040">
+            <a:pPr marL="342720" indent="-319680">
               <a:lnSpc>
                 <a:spcPct val="100000"/>
               </a:lnSpc>
@@ -31789,7 +33651,7 @@
             </a:endParaRPr>
           </a:p>
           <a:p>
-            <a:pPr marL="342720" indent="-320040">
+            <a:pPr marL="342720" indent="-319680">
               <a:lnSpc>
                 <a:spcPct val="100000"/>
               </a:lnSpc>
@@ -31835,7 +33697,7 @@
             </a:endParaRPr>
           </a:p>
           <a:p>
-            <a:pPr marL="342720" indent="-320040">
+            <a:pPr marL="342720" indent="-319680">
               <a:lnSpc>
                 <a:spcPct val="100000"/>
               </a:lnSpc>
@@ -31941,14 +33803,14 @@
       </p:grpSpPr>
       <p:sp>
         <p:nvSpPr>
-          <p:cNvPr id="233" name="CustomShape 1"/>
+          <p:cNvPr id="274" name="CustomShape 1"/>
           <p:cNvSpPr/>
           <p:nvPr/>
         </p:nvSpPr>
         <p:spPr>
           <a:xfrm>
             <a:off x="610920" y="260280"/>
-            <a:ext cx="7860600" cy="804240"/>
+            <a:ext cx="7860240" cy="803880"/>
           </a:xfrm>
           <a:prstGeom prst="rect">
             <a:avLst/>
@@ -32028,14 +33890,14 @@
       </p:sp>
       <p:sp>
         <p:nvSpPr>
-          <p:cNvPr id="234" name="CustomShape 2"/>
+          <p:cNvPr id="275" name="CustomShape 2"/>
           <p:cNvSpPr/>
           <p:nvPr/>
         </p:nvSpPr>
         <p:spPr>
           <a:xfrm>
             <a:off x="674280" y="1399680"/>
-            <a:ext cx="7860600" cy="4403160"/>
+            <a:ext cx="7860240" cy="4402800"/>
           </a:xfrm>
           <a:prstGeom prst="rect">
             <a:avLst/>
@@ -32056,7 +33918,7 @@
             <a:normAutofit/>
           </a:bodyPr>
           <a:p>
-            <a:pPr marL="342720" indent="-337320">
+            <a:pPr marL="342720" indent="-336960">
               <a:lnSpc>
                 <a:spcPct val="100000"/>
               </a:lnSpc>
@@ -32082,7 +33944,7 @@
             </a:endParaRPr>
           </a:p>
           <a:p>
-            <a:pPr marL="342720" indent="-337320">
+            <a:pPr marL="342720" indent="-336960">
               <a:lnSpc>
                 <a:spcPct val="100000"/>
               </a:lnSpc>
@@ -32148,14 +34010,14 @@
       </p:grpSpPr>
       <p:sp>
         <p:nvSpPr>
-          <p:cNvPr id="235" name="CustomShape 1"/>
+          <p:cNvPr id="276" name="CustomShape 1"/>
           <p:cNvSpPr/>
           <p:nvPr/>
         </p:nvSpPr>
         <p:spPr>
           <a:xfrm>
             <a:off x="610920" y="260280"/>
-            <a:ext cx="7860600" cy="804240"/>
+            <a:ext cx="7860240" cy="803880"/>
           </a:xfrm>
           <a:prstGeom prst="rect">
             <a:avLst/>
@@ -32235,14 +34097,14 @@
       </p:sp>
       <p:sp>
         <p:nvSpPr>
-          <p:cNvPr id="236" name="CustomShape 2"/>
+          <p:cNvPr id="277" name="CustomShape 2"/>
           <p:cNvSpPr/>
           <p:nvPr/>
         </p:nvSpPr>
         <p:spPr>
           <a:xfrm>
             <a:off x="1736640" y="5616720"/>
-            <a:ext cx="2377440" cy="691200"/>
+            <a:ext cx="2377080" cy="690840"/>
           </a:xfrm>
           <a:prstGeom prst="rect">
             <a:avLst/>
@@ -32263,7 +34125,7 @@
             <a:normAutofit/>
           </a:bodyPr>
           <a:p>
-            <a:pPr marL="342720" indent="-337320">
+            <a:pPr marL="342720" indent="-336960">
               <a:lnSpc>
                 <a:spcPct val="100000"/>
               </a:lnSpc>
@@ -32292,7 +34154,7 @@
       </p:sp>
       <p:pic>
         <p:nvPicPr>
-          <p:cNvPr id="237" name="" descr=""/>
+          <p:cNvPr id="278" name="" descr=""/>
           <p:cNvPicPr/>
           <p:nvPr/>
         </p:nvPicPr>
@@ -32303,7 +34165,7 @@
         <p:spPr>
           <a:xfrm>
             <a:off x="457200" y="2492280"/>
-            <a:ext cx="1188360" cy="3999960"/>
+            <a:ext cx="1188000" cy="3999600"/>
           </a:xfrm>
           <a:prstGeom prst="rect">
             <a:avLst/>
@@ -32315,14 +34177,14 @@
       </p:pic>
       <p:sp>
         <p:nvSpPr>
-          <p:cNvPr id="238" name="CustomShape 3"/>
+          <p:cNvPr id="279" name="CustomShape 3"/>
           <p:cNvSpPr/>
           <p:nvPr/>
         </p:nvSpPr>
         <p:spPr>
           <a:xfrm>
             <a:off x="2013120" y="1279440"/>
-            <a:ext cx="6765120" cy="2342520"/>
+            <a:ext cx="6764760" cy="2342160"/>
           </a:xfrm>
           <a:prstGeom prst="cloudCallout">
             <a:avLst>
@@ -32653,14 +34515,14 @@
       </p:grpSpPr>
       <p:sp>
         <p:nvSpPr>
-          <p:cNvPr id="239" name="CustomShape 1"/>
+          <p:cNvPr id="280" name="CustomShape 1"/>
           <p:cNvSpPr/>
           <p:nvPr/>
         </p:nvSpPr>
         <p:spPr>
           <a:xfrm>
             <a:off x="610920" y="66600"/>
-            <a:ext cx="7860600" cy="1190160"/>
+            <a:ext cx="7860240" cy="1189800"/>
           </a:xfrm>
           <a:prstGeom prst="rect">
             <a:avLst/>
@@ -32740,14 +34602,14 @@
       </p:sp>
       <p:sp>
         <p:nvSpPr>
-          <p:cNvPr id="240" name="CustomShape 2"/>
+          <p:cNvPr id="281" name="CustomShape 2"/>
           <p:cNvSpPr/>
           <p:nvPr/>
         </p:nvSpPr>
         <p:spPr>
           <a:xfrm>
             <a:off x="674280" y="1399680"/>
-            <a:ext cx="7860600" cy="4403160"/>
+            <a:ext cx="7860240" cy="4402800"/>
           </a:xfrm>
           <a:prstGeom prst="rect">
             <a:avLst/>
@@ -32768,7 +34630,7 @@
             <a:normAutofit/>
           </a:bodyPr>
           <a:p>
-            <a:pPr marL="342720" indent="-337320" algn="ctr">
+            <a:pPr marL="342720" indent="-336960" algn="ctr">
               <a:lnSpc>
                 <a:spcPct val="100000"/>
               </a:lnSpc>
@@ -32794,7 +34656,7 @@
             </a:endParaRPr>
           </a:p>
           <a:p>
-            <a:pPr marL="342720" indent="-337320" algn="ctr">
+            <a:pPr marL="342720" indent="-336960" algn="ctr">
               <a:lnSpc>
                 <a:spcPct val="100000"/>
               </a:lnSpc>
@@ -32810,7 +34672,7 @@
             </a:endParaRPr>
           </a:p>
           <a:p>
-            <a:pPr marL="342720" indent="-337320" algn="ctr">
+            <a:pPr marL="342720" indent="-336960" algn="ctr">
               <a:lnSpc>
                 <a:spcPct val="100000"/>
               </a:lnSpc>
@@ -32876,14 +34738,14 @@
       </p:grpSpPr>
       <p:sp>
         <p:nvSpPr>
-          <p:cNvPr id="241" name="CustomShape 1"/>
+          <p:cNvPr id="282" name="CustomShape 1"/>
           <p:cNvSpPr/>
           <p:nvPr/>
         </p:nvSpPr>
         <p:spPr>
           <a:xfrm>
             <a:off x="610920" y="259920"/>
-            <a:ext cx="7901640" cy="845640"/>
+            <a:ext cx="7901280" cy="845280"/>
           </a:xfrm>
           <a:prstGeom prst="rect">
             <a:avLst/>
@@ -32964,14 +34826,14 @@
       </p:sp>
       <p:sp>
         <p:nvSpPr>
-          <p:cNvPr id="242" name="CustomShape 2"/>
+          <p:cNvPr id="283" name="CustomShape 2"/>
           <p:cNvSpPr/>
           <p:nvPr/>
         </p:nvSpPr>
         <p:spPr>
           <a:xfrm>
             <a:off x="611280" y="1371600"/>
-            <a:ext cx="8074800" cy="1463040"/>
+            <a:ext cx="8074440" cy="1462680"/>
           </a:xfrm>
           <a:prstGeom prst="rect">
             <a:avLst/>
@@ -33123,7 +34985,7 @@
             </a:endParaRPr>
           </a:p>
           <a:p>
-            <a:pPr marL="342720" indent="-329400">
+            <a:pPr marL="342720" indent="-329040">
               <a:lnSpc>
                 <a:spcPct val="100000"/>
               </a:lnSpc>
@@ -33142,7 +35004,7 @@
       </p:sp>
       <p:sp>
         <p:nvSpPr>
-          <p:cNvPr id="243" name="Line 3"/>
+          <p:cNvPr id="284" name="Line 3"/>
           <p:cNvSpPr/>
           <p:nvPr/>
         </p:nvSpPr>
@@ -33172,7 +35034,7 @@
       </p:sp>
       <p:pic>
         <p:nvPicPr>
-          <p:cNvPr id="244" name="" descr=""/>
+          <p:cNvPr id="285" name="" descr=""/>
           <p:cNvPicPr/>
           <p:nvPr/>
         </p:nvPicPr>
@@ -33183,7 +35045,7 @@
         <p:spPr>
           <a:xfrm>
             <a:off x="855720" y="3014640"/>
-            <a:ext cx="1370880" cy="1370880"/>
+            <a:ext cx="1370520" cy="1370520"/>
           </a:xfrm>
           <a:prstGeom prst="rect">
             <a:avLst/>
@@ -33195,7 +35057,7 @@
       </p:pic>
       <p:pic>
         <p:nvPicPr>
-          <p:cNvPr id="245" name="" descr=""/>
+          <p:cNvPr id="286" name="" descr=""/>
           <p:cNvPicPr/>
           <p:nvPr/>
         </p:nvPicPr>
@@ -33207,7 +35069,7 @@
         <p:spPr>
           <a:xfrm>
             <a:off x="2724120" y="3208320"/>
-            <a:ext cx="953280" cy="639000"/>
+            <a:ext cx="952920" cy="638640"/>
           </a:xfrm>
           <a:prstGeom prst="rect">
             <a:avLst/>
@@ -33222,7 +35084,7 @@
       </p:pic>
       <p:sp>
         <p:nvSpPr>
-          <p:cNvPr id="246" name="Line 4"/>
+          <p:cNvPr id="287" name="Line 4"/>
           <p:cNvSpPr/>
           <p:nvPr/>
         </p:nvSpPr>
@@ -33251,7 +35113,7 @@
       </p:sp>
       <p:pic>
         <p:nvPicPr>
-          <p:cNvPr id="247" name="" descr=""/>
+          <p:cNvPr id="288" name="" descr=""/>
           <p:cNvPicPr/>
           <p:nvPr/>
         </p:nvPicPr>
@@ -33263,7 +35125,7 @@
         <p:spPr>
           <a:xfrm>
             <a:off x="6265800" y="2751120"/>
-            <a:ext cx="1645560" cy="1507320"/>
+            <a:ext cx="1645200" cy="1506960"/>
           </a:xfrm>
           <a:prstGeom prst="rect">
             <a:avLst/>
@@ -33275,14 +35137,14 @@
       </p:pic>
       <p:sp>
         <p:nvSpPr>
-          <p:cNvPr id="248" name="CustomShape 5"/>
+          <p:cNvPr id="289" name="CustomShape 5"/>
           <p:cNvSpPr/>
           <p:nvPr/>
         </p:nvSpPr>
         <p:spPr>
           <a:xfrm>
             <a:off x="2481120" y="3865680"/>
-            <a:ext cx="1426680" cy="759600"/>
+            <a:ext cx="1426320" cy="759240"/>
           </a:xfrm>
           <a:custGeom>
             <a:avLst/>
@@ -33386,14 +35248,14 @@
       </p:sp>
       <p:sp>
         <p:nvSpPr>
-          <p:cNvPr id="249" name="CustomShape 6"/>
+          <p:cNvPr id="290" name="CustomShape 6"/>
           <p:cNvSpPr/>
           <p:nvPr/>
         </p:nvSpPr>
         <p:spPr>
           <a:xfrm>
             <a:off x="4751280" y="3259080"/>
-            <a:ext cx="1045440" cy="547200"/>
+            <a:ext cx="1045080" cy="546840"/>
           </a:xfrm>
           <a:custGeom>
             <a:avLst/>
@@ -33501,14 +35363,14 @@
       </p:sp>
       <p:sp>
         <p:nvSpPr>
-          <p:cNvPr id="250" name="CustomShape 7"/>
+          <p:cNvPr id="291" name="CustomShape 7"/>
           <p:cNvSpPr/>
           <p:nvPr/>
         </p:nvSpPr>
         <p:spPr>
           <a:xfrm>
             <a:off x="4330800" y="4051440"/>
-            <a:ext cx="1793160" cy="1004040"/>
+            <a:ext cx="1792800" cy="1003680"/>
           </a:xfrm>
           <a:custGeom>
             <a:avLst/>
@@ -33611,7 +35473,7 @@
       </p:sp>
       <p:sp>
         <p:nvSpPr>
-          <p:cNvPr id="251" name="Line 8"/>
+          <p:cNvPr id="292" name="Line 8"/>
           <p:cNvSpPr/>
           <p:nvPr/>
         </p:nvSpPr>
@@ -33640,14 +35502,14 @@
       </p:sp>
       <p:sp>
         <p:nvSpPr>
-          <p:cNvPr id="252" name="CustomShape 9"/>
+          <p:cNvPr id="293" name="CustomShape 9"/>
           <p:cNvSpPr/>
           <p:nvPr/>
         </p:nvSpPr>
         <p:spPr>
           <a:xfrm>
             <a:off x="639720" y="5303880"/>
-            <a:ext cx="8074800" cy="1463040"/>
+            <a:ext cx="8074440" cy="1462680"/>
           </a:xfrm>
           <a:custGeom>
             <a:avLst/>
@@ -33691,7 +35553,7 @@
             <a:noAutofit/>
           </a:bodyPr>
           <a:p>
-            <a:pPr marL="215640" indent="-212040">
+            <a:pPr marL="215640" indent="-211680">
               <a:lnSpc>
                 <a:spcPct val="100000"/>
               </a:lnSpc>
@@ -33717,7 +35579,7 @@
             </a:endParaRPr>
           </a:p>
           <a:p>
-            <a:pPr marL="212400" indent="-211680">
+            <a:pPr marL="212400" indent="-211320">
               <a:lnSpc>
                 <a:spcPct val="100000"/>
               </a:lnSpc>
@@ -33825,7 +35687,7 @@
             </a:endParaRPr>
           </a:p>
           <a:p>
-            <a:pPr marL="342720" indent="-329400">
+            <a:pPr marL="342720" indent="-329040">
               <a:lnSpc>
                 <a:spcPct val="100000"/>
               </a:lnSpc>
@@ -33881,14 +35743,14 @@
       </p:grpSpPr>
       <p:sp>
         <p:nvSpPr>
-          <p:cNvPr id="109" name="CustomShape 1"/>
+          <p:cNvPr id="150" name="CustomShape 1"/>
           <p:cNvSpPr/>
           <p:nvPr/>
         </p:nvSpPr>
         <p:spPr>
           <a:xfrm>
             <a:off x="611280" y="260280"/>
-            <a:ext cx="7890480" cy="834480"/>
+            <a:ext cx="7890120" cy="834120"/>
           </a:xfrm>
           <a:prstGeom prst="rect">
             <a:avLst/>
@@ -33970,14 +35832,14 @@
       </p:sp>
       <p:sp>
         <p:nvSpPr>
-          <p:cNvPr id="110" name="CustomShape 2"/>
+          <p:cNvPr id="151" name="CustomShape 2"/>
           <p:cNvSpPr/>
           <p:nvPr/>
         </p:nvSpPr>
         <p:spPr>
           <a:xfrm>
             <a:off x="674280" y="1399680"/>
-            <a:ext cx="8195400" cy="5092200"/>
+            <a:ext cx="8195040" cy="5091840"/>
           </a:xfrm>
           <a:prstGeom prst="rect">
             <a:avLst/>
@@ -33998,7 +35860,7 @@
             <a:normAutofit/>
           </a:bodyPr>
           <a:p>
-            <a:pPr marL="342720" indent="-307080">
+            <a:pPr marL="342720" indent="-306720">
               <a:lnSpc>
                 <a:spcPct val="100000"/>
               </a:lnSpc>
@@ -34064,7 +35926,7 @@
             </a:endParaRPr>
           </a:p>
           <a:p>
-            <a:pPr marL="342720" indent="-307080">
+            <a:pPr marL="342720" indent="-306720">
               <a:lnSpc>
                 <a:spcPct val="100000"/>
               </a:lnSpc>
@@ -34080,7 +35942,7 @@
             </a:endParaRPr>
           </a:p>
           <a:p>
-            <a:pPr marL="342720" indent="-307080">
+            <a:pPr marL="342720" indent="-306720">
               <a:lnSpc>
                 <a:spcPct val="100000"/>
               </a:lnSpc>
@@ -34106,7 +35968,7 @@
             </a:endParaRPr>
           </a:p>
           <a:p>
-            <a:pPr marL="342720" indent="-307080">
+            <a:pPr marL="342720" indent="-306720">
               <a:lnSpc>
                 <a:spcPct val="100000"/>
               </a:lnSpc>
@@ -34152,7 +36014,7 @@
             </a:endParaRPr>
           </a:p>
           <a:p>
-            <a:pPr marL="342720" indent="-307080">
+            <a:pPr marL="342720" indent="-306720">
               <a:lnSpc>
                 <a:spcPct val="100000"/>
               </a:lnSpc>
@@ -34198,7 +36060,7 @@
             </a:endParaRPr>
           </a:p>
           <a:p>
-            <a:pPr marL="342720" indent="-307080">
+            <a:pPr marL="342720" indent="-306720">
               <a:lnSpc>
                 <a:spcPct val="100000"/>
               </a:lnSpc>
@@ -34224,7 +36086,7 @@
             </a:endParaRPr>
           </a:p>
           <a:p>
-            <a:pPr marL="342720" indent="-307080">
+            <a:pPr marL="342720" indent="-306720">
               <a:lnSpc>
                 <a:spcPct val="100000"/>
               </a:lnSpc>
@@ -34250,7 +36112,7 @@
             </a:endParaRPr>
           </a:p>
           <a:p>
-            <a:pPr marL="342720" indent="-307080">
+            <a:pPr marL="342720" indent="-306720">
               <a:lnSpc>
                 <a:spcPct val="100000"/>
               </a:lnSpc>
@@ -34276,7 +36138,7 @@
             </a:endParaRPr>
           </a:p>
           <a:p>
-            <a:pPr marL="342720" indent="-307080">
+            <a:pPr marL="342720" indent="-306720">
               <a:lnSpc>
                 <a:spcPct val="100000"/>
               </a:lnSpc>
@@ -34292,7 +36154,7 @@
             </a:endParaRPr>
           </a:p>
           <a:p>
-            <a:pPr marL="342720" indent="-307080">
+            <a:pPr marL="342720" indent="-306720">
               <a:lnSpc>
                 <a:spcPct val="100000"/>
               </a:lnSpc>
@@ -34318,7 +36180,7 @@
             </a:endParaRPr>
           </a:p>
           <a:p>
-            <a:pPr marL="342720" indent="-307080">
+            <a:pPr marL="342720" indent="-306720">
               <a:lnSpc>
                 <a:spcPct val="100000"/>
               </a:lnSpc>
@@ -34344,7 +36206,7 @@
             </a:endParaRPr>
           </a:p>
           <a:p>
-            <a:pPr marL="342720" indent="-307080">
+            <a:pPr marL="342720" indent="-306720">
               <a:lnSpc>
                 <a:spcPct val="100000"/>
               </a:lnSpc>
@@ -34400,14 +36262,14 @@
       </p:grpSpPr>
       <p:sp>
         <p:nvSpPr>
-          <p:cNvPr id="111" name="CustomShape 1"/>
+          <p:cNvPr id="152" name="CustomShape 1"/>
           <p:cNvSpPr/>
           <p:nvPr/>
         </p:nvSpPr>
         <p:spPr>
           <a:xfrm>
             <a:off x="611280" y="260280"/>
-            <a:ext cx="7874640" cy="818640"/>
+            <a:ext cx="7874280" cy="818280"/>
           </a:xfrm>
           <a:prstGeom prst="rect">
             <a:avLst/>
@@ -34489,14 +36351,14 @@
       </p:sp>
       <p:sp>
         <p:nvSpPr>
-          <p:cNvPr id="112" name="CustomShape 2"/>
+          <p:cNvPr id="153" name="CustomShape 2"/>
           <p:cNvSpPr/>
           <p:nvPr/>
         </p:nvSpPr>
         <p:spPr>
           <a:xfrm>
             <a:off x="719280" y="1093320"/>
-            <a:ext cx="7874640" cy="1188360"/>
+            <a:ext cx="7874280" cy="1188000"/>
           </a:xfrm>
           <a:prstGeom prst="rect">
             <a:avLst/>
@@ -34517,7 +36379,7 @@
             <a:normAutofit/>
           </a:bodyPr>
           <a:p>
-            <a:pPr marL="342720" indent="-318240">
+            <a:pPr marL="342720" indent="-317880">
               <a:lnSpc>
                 <a:spcPct val="100000"/>
               </a:lnSpc>
@@ -34563,7 +36425,7 @@
             </a:endParaRPr>
           </a:p>
           <a:p>
-            <a:pPr marL="342720" indent="-318240" algn="ctr">
+            <a:pPr marL="342720" indent="-317880" algn="ctr">
               <a:lnSpc>
                 <a:spcPct val="100000"/>
               </a:lnSpc>
@@ -34629,7 +36491,7 @@
             </a:endParaRPr>
           </a:p>
           <a:p>
-            <a:pPr marL="342720" indent="-318240">
+            <a:pPr marL="342720" indent="-317880">
               <a:lnSpc>
                 <a:spcPct val="100000"/>
               </a:lnSpc>
@@ -34645,7 +36507,7 @@
             </a:endParaRPr>
           </a:p>
           <a:p>
-            <a:pPr marL="342720" indent="-318240">
+            <a:pPr marL="342720" indent="-317880">
               <a:lnSpc>
                 <a:spcPct val="100000"/>
               </a:lnSpc>
@@ -34664,14 +36526,14 @@
       </p:sp>
       <p:sp>
         <p:nvSpPr>
-          <p:cNvPr id="113" name="CustomShape 3"/>
+          <p:cNvPr id="154" name="CustomShape 3"/>
           <p:cNvSpPr/>
           <p:nvPr/>
         </p:nvSpPr>
         <p:spPr>
           <a:xfrm>
             <a:off x="914400" y="3382920"/>
-            <a:ext cx="1463040" cy="912240"/>
+            <a:ext cx="1462680" cy="911880"/>
           </a:xfrm>
           <a:custGeom>
             <a:avLst/>
@@ -34837,14 +36699,14 @@
       </p:sp>
       <p:sp>
         <p:nvSpPr>
-          <p:cNvPr id="114" name="CustomShape 4"/>
+          <p:cNvPr id="155" name="CustomShape 4"/>
           <p:cNvSpPr/>
           <p:nvPr/>
         </p:nvSpPr>
         <p:spPr>
           <a:xfrm>
             <a:off x="914400" y="5487840"/>
-            <a:ext cx="1463040" cy="912240"/>
+            <a:ext cx="1462680" cy="911880"/>
           </a:xfrm>
           <a:custGeom>
             <a:avLst/>
@@ -35000,14 +36862,14 @@
       </p:sp>
       <p:sp>
         <p:nvSpPr>
-          <p:cNvPr id="115" name="CustomShape 5"/>
+          <p:cNvPr id="156" name="CustomShape 5"/>
           <p:cNvSpPr/>
           <p:nvPr/>
         </p:nvSpPr>
         <p:spPr>
           <a:xfrm>
             <a:off x="3282840" y="3151080"/>
-            <a:ext cx="1750320" cy="1332720"/>
+            <a:ext cx="1749960" cy="1332360"/>
           </a:xfrm>
           <a:custGeom>
             <a:avLst/>
@@ -35208,14 +37070,14 @@
       </p:sp>
       <p:sp>
         <p:nvSpPr>
-          <p:cNvPr id="116" name="CustomShape 6"/>
+          <p:cNvPr id="157" name="CustomShape 6"/>
           <p:cNvSpPr/>
           <p:nvPr/>
         </p:nvSpPr>
         <p:spPr>
           <a:xfrm>
             <a:off x="3333600" y="3111480"/>
-            <a:ext cx="1553760" cy="1463040"/>
+            <a:ext cx="1553400" cy="1462680"/>
           </a:xfrm>
           <a:prstGeom prst="ellipse">
             <a:avLst/>
@@ -35237,7 +37099,7 @@
       </p:sp>
       <p:sp>
         <p:nvSpPr>
-          <p:cNvPr id="117" name="Line 7"/>
+          <p:cNvPr id="158" name="Line 7"/>
           <p:cNvSpPr/>
           <p:nvPr/>
         </p:nvSpPr>
@@ -35266,7 +37128,7 @@
       </p:sp>
       <p:sp>
         <p:nvSpPr>
-          <p:cNvPr id="118" name="Line 8"/>
+          <p:cNvPr id="159" name="Line 8"/>
           <p:cNvSpPr/>
           <p:nvPr/>
         </p:nvSpPr>
@@ -35295,7 +37157,7 @@
       </p:sp>
       <p:sp>
         <p:nvSpPr>
-          <p:cNvPr id="119" name="Line 9"/>
+          <p:cNvPr id="160" name="Line 9"/>
           <p:cNvSpPr/>
           <p:nvPr/>
         </p:nvSpPr>
@@ -35324,14 +37186,14 @@
       </p:sp>
       <p:sp>
         <p:nvSpPr>
-          <p:cNvPr id="120" name="CustomShape 10"/>
+          <p:cNvPr id="161" name="CustomShape 10"/>
           <p:cNvSpPr/>
           <p:nvPr/>
         </p:nvSpPr>
         <p:spPr>
           <a:xfrm>
             <a:off x="1636560" y="4694400"/>
-            <a:ext cx="1188360" cy="364320"/>
+            <a:ext cx="1188000" cy="363960"/>
           </a:xfrm>
           <a:custGeom>
             <a:avLst/>
@@ -35436,14 +37298,14 @@
       </p:sp>
       <p:sp>
         <p:nvSpPr>
-          <p:cNvPr id="121" name="CustomShape 11"/>
+          <p:cNvPr id="162" name="CustomShape 11"/>
           <p:cNvSpPr/>
           <p:nvPr/>
         </p:nvSpPr>
         <p:spPr>
           <a:xfrm>
             <a:off x="2071800" y="3440160"/>
-            <a:ext cx="1338840" cy="408960"/>
+            <a:ext cx="1338480" cy="408600"/>
           </a:xfrm>
           <a:custGeom>
             <a:avLst/>
@@ -35548,14 +37410,14 @@
       </p:sp>
       <p:sp>
         <p:nvSpPr>
-          <p:cNvPr id="122" name="CustomShape 12"/>
+          <p:cNvPr id="163" name="CustomShape 12"/>
           <p:cNvSpPr/>
           <p:nvPr/>
         </p:nvSpPr>
         <p:spPr>
           <a:xfrm>
             <a:off x="6126120" y="4389480"/>
-            <a:ext cx="2377440" cy="2100960"/>
+            <a:ext cx="2377080" cy="2100600"/>
           </a:xfrm>
           <a:custGeom>
             <a:avLst/>
@@ -35827,7 +37689,7 @@
       </p:sp>
       <p:sp>
         <p:nvSpPr>
-          <p:cNvPr id="123" name="Line 13"/>
+          <p:cNvPr id="164" name="Line 13"/>
           <p:cNvSpPr/>
           <p:nvPr/>
         </p:nvSpPr>
@@ -35856,14 +37718,14 @@
       </p:sp>
       <p:sp>
         <p:nvSpPr>
-          <p:cNvPr id="124" name="CustomShape 14"/>
+          <p:cNvPr id="165" name="CustomShape 14"/>
           <p:cNvSpPr/>
           <p:nvPr/>
         </p:nvSpPr>
         <p:spPr>
           <a:xfrm>
             <a:off x="5943600" y="2378160"/>
-            <a:ext cx="2902680" cy="1461240"/>
+            <a:ext cx="2902320" cy="1460880"/>
           </a:xfrm>
           <a:custGeom>
             <a:avLst/>
@@ -36165,14 +38027,14 @@
       </p:sp>
       <p:sp>
         <p:nvSpPr>
-          <p:cNvPr id="125" name="CustomShape 15"/>
+          <p:cNvPr id="166" name="CustomShape 15"/>
           <p:cNvSpPr/>
           <p:nvPr/>
         </p:nvSpPr>
         <p:spPr>
           <a:xfrm>
             <a:off x="4479840" y="2602080"/>
-            <a:ext cx="1485360" cy="364320"/>
+            <a:ext cx="1485000" cy="363960"/>
           </a:xfrm>
           <a:custGeom>
             <a:avLst/>
@@ -36277,14 +38139,14 @@
       </p:sp>
       <p:sp>
         <p:nvSpPr>
-          <p:cNvPr id="126" name="CustomShape 16"/>
+          <p:cNvPr id="167" name="CustomShape 16"/>
           <p:cNvSpPr/>
           <p:nvPr/>
         </p:nvSpPr>
         <p:spPr>
           <a:xfrm>
             <a:off x="4572000" y="4664160"/>
-            <a:ext cx="1188360" cy="364320"/>
+            <a:ext cx="1188000" cy="363960"/>
           </a:xfrm>
           <a:custGeom>
             <a:avLst/>
@@ -36389,7 +38251,7 @@
       </p:sp>
       <p:sp>
         <p:nvSpPr>
-          <p:cNvPr id="127" name="Line 17"/>
+          <p:cNvPr id="168" name="Line 17"/>
           <p:cNvSpPr/>
           <p:nvPr/>
         </p:nvSpPr>
@@ -36417,7 +38279,7 @@
       </p:sp>
       <p:sp>
         <p:nvSpPr>
-          <p:cNvPr id="128" name="Line 18"/>
+          <p:cNvPr id="169" name="Line 18"/>
           <p:cNvSpPr/>
           <p:nvPr/>
         </p:nvSpPr>
@@ -36483,14 +38345,14 @@
       </p:grpSpPr>
       <p:sp>
         <p:nvSpPr>
-          <p:cNvPr id="129" name="CustomShape 1"/>
+          <p:cNvPr id="170" name="CustomShape 1"/>
           <p:cNvSpPr/>
           <p:nvPr/>
         </p:nvSpPr>
         <p:spPr>
           <a:xfrm>
             <a:off x="611280" y="260280"/>
-            <a:ext cx="7890480" cy="834480"/>
+            <a:ext cx="7890120" cy="834120"/>
           </a:xfrm>
           <a:prstGeom prst="rect">
             <a:avLst/>
@@ -36562,7 +38424,7 @@
                 <a:latin typeface="Arial"/>
                 <a:ea typeface="DejaVu Sans"/>
               </a:rPr>
-              <a:t>Explicitly invoke rendering</a:t>
+              <a:t>You can explicitly invoke rendering</a:t>
             </a:r>
             <a:endParaRPr b="0" lang="en-US" sz="3600" spc="-1" strike="noStrike">
               <a:latin typeface="Arial"/>
@@ -36572,14 +38434,14 @@
       </p:sp>
       <p:sp>
         <p:nvSpPr>
-          <p:cNvPr id="130" name="CustomShape 2"/>
+          <p:cNvPr id="171" name="CustomShape 2"/>
           <p:cNvSpPr/>
           <p:nvPr/>
         </p:nvSpPr>
         <p:spPr>
           <a:xfrm>
             <a:off x="639360" y="1308240"/>
-            <a:ext cx="7890840" cy="5091840"/>
+            <a:ext cx="7890480" cy="5091480"/>
           </a:xfrm>
           <a:prstGeom prst="rect">
             <a:avLst/>
@@ -36600,7 +38462,7 @@
             <a:normAutofit/>
           </a:bodyPr>
           <a:p>
-            <a:pPr marL="342720" indent="-307080">
+            <a:pPr marL="342720" indent="-306720">
               <a:lnSpc>
                 <a:spcPct val="100000"/>
               </a:lnSpc>
@@ -36626,7 +38488,7 @@
             </a:endParaRPr>
           </a:p>
           <a:p>
-            <a:pPr marL="342720" indent="-307080">
+            <a:pPr marL="342720" indent="-306720">
               <a:lnSpc>
                 <a:spcPct val="100000"/>
               </a:lnSpc>
@@ -36642,7 +38504,7 @@
             </a:endParaRPr>
           </a:p>
           <a:p>
-            <a:pPr marL="342720" indent="-307080">
+            <a:pPr marL="342720" indent="-306720">
               <a:lnSpc>
                 <a:spcPct val="100000"/>
               </a:lnSpc>
@@ -36678,7 +38540,7 @@
             </a:endParaRPr>
           </a:p>
           <a:p>
-            <a:pPr marL="342720" indent="-307080">
+            <a:pPr marL="342720" indent="-306720">
               <a:lnSpc>
                 <a:spcPct val="100000"/>
               </a:lnSpc>
@@ -36755,7 +38617,7 @@
             </a:endParaRPr>
           </a:p>
           <a:p>
-            <a:pPr marL="342720" indent="-307080">
+            <a:pPr marL="342720" indent="-306720">
               <a:lnSpc>
                 <a:spcPct val="100000"/>
               </a:lnSpc>
@@ -36771,7 +38633,7 @@
             </a:endParaRPr>
           </a:p>
           <a:p>
-            <a:pPr marL="342720" indent="-307080">
+            <a:pPr marL="342720" indent="-306720">
               <a:lnSpc>
                 <a:spcPct val="100000"/>
               </a:lnSpc>
@@ -36797,7 +38659,7 @@
             </a:endParaRPr>
           </a:p>
           <a:p>
-            <a:pPr marL="342720" indent="-307080">
+            <a:pPr marL="342720" indent="-306720">
               <a:lnSpc>
                 <a:spcPct val="100000"/>
               </a:lnSpc>
@@ -36823,7 +38685,7 @@
             </a:endParaRPr>
           </a:p>
           <a:p>
-            <a:pPr marL="342720" indent="-307080">
+            <a:pPr marL="342720" indent="-306720">
               <a:lnSpc>
                 <a:spcPct val="100000"/>
               </a:lnSpc>
@@ -36889,7 +38751,7 @@
             </a:endParaRPr>
           </a:p>
           <a:p>
-            <a:pPr marL="342720" indent="-307080">
+            <a:pPr marL="342720" indent="-306720">
               <a:lnSpc>
                 <a:spcPct val="100000"/>
               </a:lnSpc>
@@ -36905,7 +38767,7 @@
             </a:endParaRPr>
           </a:p>
           <a:p>
-            <a:pPr marL="342720" indent="-307080">
+            <a:pPr marL="342720" indent="-306720">
               <a:lnSpc>
                 <a:spcPct val="100000"/>
               </a:lnSpc>
@@ -36971,14 +38833,14 @@
       </p:grpSpPr>
       <p:sp>
         <p:nvSpPr>
-          <p:cNvPr id="131" name="CustomShape 1"/>
+          <p:cNvPr id="172" name="CustomShape 1"/>
           <p:cNvSpPr/>
           <p:nvPr/>
         </p:nvSpPr>
         <p:spPr>
           <a:xfrm>
             <a:off x="611280" y="260280"/>
-            <a:ext cx="7890480" cy="834480"/>
+            <a:ext cx="7890120" cy="834120"/>
           </a:xfrm>
           <a:prstGeom prst="rect">
             <a:avLst/>
@@ -37060,14 +38922,14 @@
       </p:sp>
       <p:sp>
         <p:nvSpPr>
-          <p:cNvPr id="132" name="CustomShape 2"/>
+          <p:cNvPr id="173" name="CustomShape 2"/>
           <p:cNvSpPr/>
           <p:nvPr/>
         </p:nvSpPr>
         <p:spPr>
           <a:xfrm>
             <a:off x="674280" y="1399680"/>
-            <a:ext cx="7890840" cy="5092200"/>
+            <a:ext cx="7890480" cy="5091840"/>
           </a:xfrm>
           <a:prstGeom prst="rect">
             <a:avLst/>
@@ -37088,7 +38950,7 @@
             <a:normAutofit/>
           </a:bodyPr>
           <a:p>
-            <a:pPr marL="342720" indent="-307080">
+            <a:pPr marL="342720" indent="-306720">
               <a:lnSpc>
                 <a:spcPct val="100000"/>
               </a:lnSpc>
@@ -37124,7 +38986,7 @@
             </a:endParaRPr>
           </a:p>
           <a:p>
-            <a:pPr marL="342720" indent="-307080">
+            <a:pPr marL="342720" indent="-306720">
               <a:lnSpc>
                 <a:spcPct val="100000"/>
               </a:lnSpc>
@@ -37140,7 +39002,7 @@
             </a:endParaRPr>
           </a:p>
           <a:p>
-            <a:pPr marL="342720" indent="-307080">
+            <a:pPr marL="342720" indent="-306720">
               <a:lnSpc>
                 <a:spcPct val="100000"/>
               </a:lnSpc>
@@ -37166,7 +39028,7 @@
             </a:endParaRPr>
           </a:p>
           <a:p>
-            <a:pPr marL="342720" indent="-307080">
+            <a:pPr marL="342720" indent="-306720">
               <a:lnSpc>
                 <a:spcPct val="100000"/>
               </a:lnSpc>
@@ -37182,7 +39044,7 @@
             </a:endParaRPr>
           </a:p>
           <a:p>
-            <a:pPr marL="342720" indent="-307080">
+            <a:pPr marL="342720" indent="-306720">
               <a:lnSpc>
                 <a:spcPct val="100000"/>
               </a:lnSpc>
@@ -37208,7 +39070,7 @@
             </a:endParaRPr>
           </a:p>
           <a:p>
-            <a:pPr marL="342720" indent="-307080">
+            <a:pPr marL="342720" indent="-306720">
               <a:lnSpc>
                 <a:spcPct val="100000"/>
               </a:lnSpc>
@@ -37254,7 +39116,7 @@
             </a:endParaRPr>
           </a:p>
           <a:p>
-            <a:pPr marL="342720" indent="-307080">
+            <a:pPr marL="342720" indent="-306720">
               <a:lnSpc>
                 <a:spcPct val="100000"/>
               </a:lnSpc>
@@ -37310,7 +39172,7 @@
             </a:endParaRPr>
           </a:p>
           <a:p>
-            <a:pPr marL="342720" indent="-307080">
+            <a:pPr marL="342720" indent="-306720">
               <a:lnSpc>
                 <a:spcPct val="100000"/>
               </a:lnSpc>
@@ -37396,14 +39258,14 @@
       </p:grpSpPr>
       <p:sp>
         <p:nvSpPr>
-          <p:cNvPr id="133" name="CustomShape 1"/>
+          <p:cNvPr id="174" name="CustomShape 1"/>
           <p:cNvSpPr/>
           <p:nvPr/>
         </p:nvSpPr>
         <p:spPr>
           <a:xfrm>
             <a:off x="611280" y="260280"/>
-            <a:ext cx="7890480" cy="834480"/>
+            <a:ext cx="7890120" cy="834120"/>
           </a:xfrm>
           <a:prstGeom prst="rect">
             <a:avLst/>
@@ -37505,14 +39367,14 @@
       </p:sp>
       <p:sp>
         <p:nvSpPr>
-          <p:cNvPr id="134" name="CustomShape 2"/>
+          <p:cNvPr id="175" name="CustomShape 2"/>
           <p:cNvSpPr/>
           <p:nvPr/>
         </p:nvSpPr>
         <p:spPr>
           <a:xfrm>
             <a:off x="674280" y="1399680"/>
-            <a:ext cx="7890840" cy="5092200"/>
+            <a:ext cx="7890480" cy="5091840"/>
           </a:xfrm>
           <a:prstGeom prst="rect">
             <a:avLst/>
@@ -37533,7 +39395,7 @@
             <a:normAutofit/>
           </a:bodyPr>
           <a:p>
-            <a:pPr marL="342720" indent="-307080">
+            <a:pPr marL="342720" indent="-306720">
               <a:lnSpc>
                 <a:spcPct val="100000"/>
               </a:lnSpc>
@@ -37572,7 +39434,7 @@
                 <a:latin typeface="Arial"/>
                 <a:ea typeface="DejaVu Sans"/>
               </a:rPr>
-              <a:t> can also access vars from the </a:t>
+              <a:t> can access vars from the </a:t>
             </a:r>
             <a:r>
               <a:rPr b="1" lang="en-US" sz="2400" spc="-1" strike="noStrike">
@@ -37592,14 +39454,14 @@
                 <a:latin typeface="Arial"/>
                 <a:ea typeface="DejaVu Sans"/>
               </a:rPr>
-              <a:t>.</a:t>
+              <a:t> object.</a:t>
             </a:r>
             <a:endParaRPr b="0" lang="en-US" sz="2400" spc="-1" strike="noStrike">
               <a:latin typeface="Arial"/>
             </a:endParaRPr>
           </a:p>
           <a:p>
-            <a:pPr marL="342720" indent="-307080">
+            <a:pPr marL="342720" indent="-306720">
               <a:lnSpc>
                 <a:spcPct val="100000"/>
               </a:lnSpc>
@@ -37615,7 +39477,7 @@
             </a:endParaRPr>
           </a:p>
           <a:p>
-            <a:pPr marL="342720" indent="-307080">
+            <a:pPr marL="342720" indent="-306720">
               <a:lnSpc>
                 <a:spcPct val="100000"/>
               </a:lnSpc>
@@ -37661,7 +39523,7 @@
             </a:endParaRPr>
           </a:p>
           <a:p>
-            <a:pPr marL="342720" indent="-307080">
+            <a:pPr marL="342720" indent="-306720">
               <a:lnSpc>
                 <a:spcPct val="100000"/>
               </a:lnSpc>
@@ -37717,7 +39579,7 @@
             </a:endParaRPr>
           </a:p>
           <a:p>
-            <a:pPr marL="342720" indent="-307080">
+            <a:pPr marL="342720" indent="-306720">
               <a:lnSpc>
                 <a:spcPct val="100000"/>
               </a:lnSpc>
@@ -37743,7 +39605,7 @@
             </a:endParaRPr>
           </a:p>
           <a:p>
-            <a:pPr marL="342720" indent="-307080">
+            <a:pPr marL="342720" indent="-306720">
               <a:lnSpc>
                 <a:spcPct val="100000"/>
               </a:lnSpc>
@@ -37779,7 +39641,7 @@
             </a:endParaRPr>
           </a:p>
           <a:p>
-            <a:pPr marL="342720" indent="-307080">
+            <a:pPr marL="342720" indent="-306720">
               <a:lnSpc>
                 <a:spcPct val="100000"/>
               </a:lnSpc>
@@ -37805,7 +39667,7 @@
             </a:endParaRPr>
           </a:p>
           <a:p>
-            <a:pPr marL="342720" indent="-307080">
+            <a:pPr marL="342720" indent="-306720">
               <a:lnSpc>
                 <a:spcPct val="100000"/>
               </a:lnSpc>
@@ -37821,7 +39683,7 @@
             </a:endParaRPr>
           </a:p>
           <a:p>
-            <a:pPr marL="342720" indent="-307080">
+            <a:pPr marL="342720" indent="-306720">
               <a:lnSpc>
                 <a:spcPct val="100000"/>
               </a:lnSpc>
@@ -37867,7 +39729,7 @@
             </a:endParaRPr>
           </a:p>
           <a:p>
-            <a:pPr marL="342720" indent="-307080">
+            <a:pPr marL="342720" indent="-306720">
               <a:lnSpc>
                 <a:spcPct val="100000"/>
               </a:lnSpc>
@@ -37923,7 +39785,7 @@
             </a:endParaRPr>
           </a:p>
           <a:p>
-            <a:pPr marL="342720" indent="-307080">
+            <a:pPr marL="342720" indent="-306720">
               <a:lnSpc>
                 <a:spcPct val="100000"/>
               </a:lnSpc>
@@ -38629,4 +40491,230 @@
     </a:fmtScheme>
   </a:themeElements>
 </a:theme>
+</file>
+
+<file path=ppt/theme/theme4.xml><?xml version="1.0" encoding="utf-8"?>
+<a:theme xmlns:a="http://schemas.openxmlformats.org/drawingml/2006/main" name="Office Theme">
+  <a:themeElements>
+    <a:clrScheme name="Office">
+      <a:dk1>
+        <a:sysClr val="windowText" lastClr="000000"/>
+      </a:dk1>
+      <a:lt1>
+        <a:sysClr val="window" lastClr="FFFFFF"/>
+      </a:lt1>
+      <a:dk2>
+        <a:srgbClr val="1f497d"/>
+      </a:dk2>
+      <a:lt2>
+        <a:srgbClr val="eeece1"/>
+      </a:lt2>
+      <a:accent1>
+        <a:srgbClr val="4f81bd"/>
+      </a:accent1>
+      <a:accent2>
+        <a:srgbClr val="c0504d"/>
+      </a:accent2>
+      <a:accent3>
+        <a:srgbClr val="9bbb59"/>
+      </a:accent3>
+      <a:accent4>
+        <a:srgbClr val="8064a2"/>
+      </a:accent4>
+      <a:accent5>
+        <a:srgbClr val="4bacc6"/>
+      </a:accent5>
+      <a:accent6>
+        <a:srgbClr val="f79646"/>
+      </a:accent6>
+      <a:hlink>
+        <a:srgbClr val="0000ff"/>
+      </a:hlink>
+      <a:folHlink>
+        <a:srgbClr val="800080"/>
+      </a:folHlink>
+    </a:clrScheme>
+    <a:fontScheme name="Office">
+      <a:majorFont>
+        <a:latin typeface="Arial"/>
+        <a:ea typeface="DejaVu Sans"/>
+        <a:cs typeface="DejaVu Sans"/>
+      </a:majorFont>
+      <a:minorFont>
+        <a:latin typeface="Arial"/>
+        <a:ea typeface="DejaVu Sans"/>
+        <a:cs typeface="DejaVu Sans"/>
+      </a:minorFont>
+    </a:fontScheme>
+    <a:fmtScheme name="Office">
+      <a:fillStyleLst>
+        <a:solidFill>
+          <a:schemeClr val="phClr"/>
+        </a:solidFill>
+        <a:gradFill rotWithShape="1">
+          <a:gsLst>
+            <a:gs pos="0">
+              <a:schemeClr val="phClr">
+                <a:tint val="50000"/>
+                <a:satMod val="300000"/>
+              </a:schemeClr>
+            </a:gs>
+            <a:gs pos="35000">
+              <a:schemeClr val="phClr">
+                <a:tint val="37000"/>
+                <a:satMod val="300000"/>
+              </a:schemeClr>
+            </a:gs>
+            <a:gs pos="100000">
+              <a:schemeClr val="phClr">
+                <a:tint val="15000"/>
+                <a:satMod val="350000"/>
+              </a:schemeClr>
+            </a:gs>
+          </a:gsLst>
+          <a:lin ang="16200000" scaled="1"/>
+        </a:gradFill>
+        <a:gradFill rotWithShape="1">
+          <a:gsLst>
+            <a:gs pos="0">
+              <a:schemeClr val="phClr">
+                <a:shade val="51000"/>
+                <a:satMod val="130000"/>
+              </a:schemeClr>
+            </a:gs>
+            <a:gs pos="80000">
+              <a:schemeClr val="phClr">
+                <a:shade val="93000"/>
+                <a:satMod val="130000"/>
+              </a:schemeClr>
+            </a:gs>
+            <a:gs pos="100000">
+              <a:schemeClr val="phClr">
+                <a:shade val="94000"/>
+                <a:satMod val="135000"/>
+              </a:schemeClr>
+            </a:gs>
+          </a:gsLst>
+          <a:lin ang="16200000" scaled="0"/>
+        </a:gradFill>
+      </a:fillStyleLst>
+      <a:lnStyleLst>
+        <a:ln w="9525" cap="flat" cmpd="sng" algn="ctr">
+          <a:solidFill>
+            <a:schemeClr val="phClr">
+              <a:shade val="95000"/>
+              <a:satMod val="105000"/>
+            </a:schemeClr>
+          </a:solidFill>
+          <a:prstDash val="solid"/>
+          <a:miter/>
+        </a:ln>
+        <a:ln w="25400" cap="flat" cmpd="sng" algn="ctr">
+          <a:solidFill>
+            <a:schemeClr val="phClr"/>
+          </a:solidFill>
+          <a:prstDash val="solid"/>
+          <a:miter/>
+        </a:ln>
+        <a:ln w="38100" cap="flat" cmpd="sng" algn="ctr">
+          <a:solidFill>
+            <a:schemeClr val="phClr"/>
+          </a:solidFill>
+          <a:prstDash val="solid"/>
+          <a:miter/>
+        </a:ln>
+      </a:lnStyleLst>
+      <a:effectStyleLst>
+        <a:effectStyle>
+          <a:effectLst>
+            <a:outerShdw blurRad="40000" dist="20000" dir="5400000" rotWithShape="0">
+              <a:srgbClr val="000000">
+                <a:alpha val="38000"/>
+              </a:srgbClr>
+            </a:outerShdw>
+          </a:effectLst>
+        </a:effectStyle>
+        <a:effectStyle>
+          <a:effectLst>
+            <a:outerShdw blurRad="40000" dist="23000" dir="5400000" rotWithShape="0">
+              <a:srgbClr val="000000">
+                <a:alpha val="35000"/>
+              </a:srgbClr>
+            </a:outerShdw>
+          </a:effectLst>
+        </a:effectStyle>
+        <a:effectStyle>
+          <a:effectLst>
+            <a:outerShdw blurRad="40000" dist="23000" dir="5400000" rotWithShape="0">
+              <a:srgbClr val="000000">
+                <a:alpha val="35000"/>
+              </a:srgbClr>
+            </a:outerShdw>
+          </a:effectLst>
+          <a:scene3d>
+            <a:camera prst="orthographicFront">
+              <a:rot lat="0" lon="0" rev="0"/>
+            </a:camera>
+            <a:lightRig rig="threePt" dir="t">
+              <a:rot lat="0" lon="0" rev="1200000"/>
+            </a:lightRig>
+          </a:scene3d>
+          <a:sp3d>
+            <a:bevelT w="63500" h="25400"/>
+          </a:sp3d>
+        </a:effectStyle>
+      </a:effectStyleLst>
+      <a:bgFillStyleLst>
+        <a:solidFill>
+          <a:schemeClr val="phClr"/>
+        </a:solidFill>
+        <a:gradFill rotWithShape="1">
+          <a:gsLst>
+            <a:gs pos="0">
+              <a:schemeClr val="phClr">
+                <a:tint val="40000"/>
+                <a:satMod val="350000"/>
+              </a:schemeClr>
+            </a:gs>
+            <a:gs pos="40000">
+              <a:schemeClr val="phClr">
+                <a:tint val="45000"/>
+                <a:shade val="99000"/>
+                <a:satMod val="350000"/>
+              </a:schemeClr>
+            </a:gs>
+            <a:gs pos="100000">
+              <a:schemeClr val="phClr">
+                <a:shade val="20000"/>
+                <a:satMod val="255000"/>
+              </a:schemeClr>
+            </a:gs>
+          </a:gsLst>
+          <a:path path="circle">
+            <a:fillToRect l="50000" t="-80000" r="50000" b="180000"/>
+          </a:path>
+        </a:gradFill>
+        <a:gradFill rotWithShape="1">
+          <a:gsLst>
+            <a:gs pos="0">
+              <a:schemeClr val="phClr">
+                <a:tint val="80000"/>
+                <a:satMod val="300000"/>
+              </a:schemeClr>
+            </a:gs>
+            <a:gs pos="100000">
+              <a:schemeClr val="phClr">
+                <a:shade val="30000"/>
+                <a:satMod val="200000"/>
+              </a:schemeClr>
+            </a:gs>
+          </a:gsLst>
+          <a:path path="circle">
+            <a:fillToRect l="50000" t="50000" r="50000" b="50000"/>
+          </a:path>
+        </a:gradFill>
+      </a:bgFillStyleLst>
+    </a:fmtScheme>
+  </a:themeElements>
+</a:theme>
 </file>